--- a/public/templates/template_01/resource.pptx
+++ b/public/templates/template_01/resource.pptx
@@ -5,55 +5,45 @@
     <p:sldMasterId id="2147483648" r:id="rId1"/>
   </p:sldMasterIdLst>
   <p:notesMasterIdLst>
-    <p:notesMasterId r:id="rId20"/>
+    <p:notesMasterId r:id="rId22"/>
   </p:notesMasterIdLst>
   <p:sldIdLst>
-    <p:sldId id="694" r:id="rId3"/>
-    <p:sldId id="664" r:id="rId4"/>
-    <p:sldId id="640" r:id="rId5"/>
-    <p:sldId id="663" r:id="rId6"/>
-    <p:sldId id="659" r:id="rId7"/>
-    <p:sldId id="716" r:id="rId8"/>
-    <p:sldId id="717" r:id="rId9"/>
-    <p:sldId id="718" r:id="rId10"/>
-    <p:sldId id="719" r:id="rId11"/>
-    <p:sldId id="720" r:id="rId12"/>
-    <p:sldId id="641" r:id="rId13"/>
-    <p:sldId id="666" r:id="rId14"/>
-    <p:sldId id="667" r:id="rId15"/>
-    <p:sldId id="669" r:id="rId16"/>
-    <p:sldId id="670" r:id="rId17"/>
-    <p:sldId id="671" r:id="rId18"/>
-    <p:sldId id="678" r:id="rId19"/>
-    <p:sldId id="642" r:id="rId21"/>
-    <p:sldId id="662" r:id="rId22"/>
-    <p:sldId id="681" r:id="rId23"/>
+    <p:sldId id="694" r:id="rId2"/>
+    <p:sldId id="664" r:id="rId3"/>
+    <p:sldId id="640" r:id="rId4"/>
+    <p:sldId id="663" r:id="rId5"/>
+    <p:sldId id="659" r:id="rId6"/>
+    <p:sldId id="716" r:id="rId7"/>
+    <p:sldId id="717" r:id="rId8"/>
+    <p:sldId id="718" r:id="rId9"/>
+    <p:sldId id="719" r:id="rId10"/>
+    <p:sldId id="720" r:id="rId11"/>
+    <p:sldId id="641" r:id="rId12"/>
+    <p:sldId id="666" r:id="rId13"/>
+    <p:sldId id="667" r:id="rId14"/>
+    <p:sldId id="669" r:id="rId15"/>
+    <p:sldId id="670" r:id="rId16"/>
+    <p:sldId id="671" r:id="rId17"/>
+    <p:sldId id="678" r:id="rId18"/>
+    <p:sldId id="642" r:id="rId19"/>
+    <p:sldId id="662" r:id="rId20"/>
+    <p:sldId id="681" r:id="rId21"/>
   </p:sldIdLst>
   <p:sldSz cx="12192000" cy="6858000"/>
   <p:notesSz cx="6858000" cy="9144000"/>
   <p:embeddedFontLst>
     <p:embeddedFont>
       <p:font typeface="汉仪大宋简" panose="02010600030101010101" charset="-122"/>
-      <p:regular r:id="rId27"/>
+      <p:regular r:id="rId23"/>
     </p:embeddedFont>
     <p:embeddedFont>
-      <p:font typeface="微软雅黑" panose="020B0503020204020204" charset="-122"/>
-      <p:regular r:id="rId28"/>
-    </p:embeddedFont>
-    <p:embeddedFont>
-      <p:font typeface="Calibri" panose="020F0502020204030204" charset="0"/>
-      <p:regular r:id="rId29"/>
-      <p:bold r:id="rId30"/>
-      <p:italic r:id="rId31"/>
-      <p:boldItalic r:id="rId32"/>
-    </p:embeddedFont>
-    <p:embeddedFont>
-      <p:font typeface="汉仪中等线简" panose="02010609000101010101" charset="-122"/>
-      <p:regular r:id="rId33"/>
+      <p:font typeface="微软雅黑" panose="020B0503020204020204" pitchFamily="34" charset="-122"/>
+      <p:regular r:id="rId24"/>
+      <p:bold r:id="rId25"/>
     </p:embeddedFont>
   </p:embeddedFontLst>
   <p:custDataLst>
-    <p:tags r:id="rId34"/>
+    <p:tags r:id="rId26"/>
   </p:custDataLst>
   <p:defaultTextStyle>
     <a:defPPr>
@@ -150,6 +140,11 @@
       </a:defRPr>
     </a:lvl9pPr>
   </p:defaultTextStyle>
+  <p:extLst>
+    <p:ext uri="{EFAFB233-063F-42B5-8137-9DF3F51BA10A}">
+      <p15:sldGuideLst xmlns:p15="http://schemas.microsoft.com/office/powerpoint/2012/main"/>
+    </p:ext>
+  </p:extLst>
 </p:presentation>
 </file>
 
@@ -235,6 +230,7 @@
           <a:p>
             <a:fld id="{D2A48B96-639E-45A3-A0BA-2464DFDB1FAA}" type="datetimeFigureOut">
               <a:rPr lang="zh-CN" altLang="en-US" smtClean="0"/>
+              <a:t>2024/8/5</a:t>
             </a:fld>
             <a:endParaRPr lang="zh-CN" altLang="en-US"/>
           </a:p>
@@ -298,42 +294,37 @@
           <a:p>
             <a:pPr lvl="0"/>
             <a:r>
-              <a:rPr lang="zh-CN" altLang="en-US" smtClean="0"/>
+              <a:rPr lang="zh-CN" altLang="en-US"/>
               <a:t>单击此处编辑母版文本样式</a:t>
             </a:r>
-            <a:endParaRPr lang="zh-CN" altLang="en-US" smtClean="0"/>
           </a:p>
           <a:p>
             <a:pPr lvl="1"/>
             <a:r>
-              <a:rPr lang="zh-CN" altLang="en-US" smtClean="0"/>
+              <a:rPr lang="zh-CN" altLang="en-US"/>
               <a:t>第二级</a:t>
             </a:r>
-            <a:endParaRPr lang="zh-CN" altLang="en-US" smtClean="0"/>
           </a:p>
           <a:p>
             <a:pPr lvl="2"/>
             <a:r>
-              <a:rPr lang="zh-CN" altLang="en-US" smtClean="0"/>
+              <a:rPr lang="zh-CN" altLang="en-US"/>
               <a:t>第三级</a:t>
             </a:r>
-            <a:endParaRPr lang="zh-CN" altLang="en-US" smtClean="0"/>
           </a:p>
           <a:p>
             <a:pPr lvl="3"/>
             <a:r>
-              <a:rPr lang="zh-CN" altLang="en-US" smtClean="0"/>
+              <a:rPr lang="zh-CN" altLang="en-US"/>
               <a:t>第四级</a:t>
             </a:r>
-            <a:endParaRPr lang="zh-CN" altLang="en-US" smtClean="0"/>
           </a:p>
           <a:p>
             <a:pPr lvl="4"/>
             <a:r>
-              <a:rPr lang="zh-CN" altLang="en-US" smtClean="0"/>
+              <a:rPr lang="zh-CN" altLang="en-US"/>
               <a:t>第五级</a:t>
             </a:r>
-            <a:endParaRPr lang="zh-CN" altLang="en-US"/>
           </a:p>
         </p:txBody>
       </p:sp>
@@ -397,6 +388,7 @@
           <a:p>
             <a:fld id="{A6837353-30EB-4A48-80EB-173D804AEFBD}" type="slidenum">
               <a:rPr lang="zh-CN" altLang="en-US" smtClean="0"/>
+              <a:t>‹#›</a:t>
             </a:fld>
             <a:endParaRPr lang="zh-CN" altLang="en-US"/>
           </a:p>
@@ -509,11 +501,20 @@
         <p:cNvGrpSpPr/>
         <p:nvPr/>
       </p:nvGrpSpPr>
-      <p:grpSpPr/>
+      <p:grpSpPr>
+        <a:xfrm>
+          <a:off x="0" y="0"/>
+          <a:ext cx="0" cy="0"/>
+          <a:chOff x="0" y="0"/>
+          <a:chExt cx="0" cy="0"/>
+        </a:xfrm>
+      </p:grpSpPr>
       <p:sp>
         <p:nvSpPr>
           <p:cNvPr id="2" name="幻灯片图像占位符 1"/>
-          <p:cNvSpPr/>
+          <p:cNvSpPr>
+            <a:spLocks noGrp="1" noRot="1" noChangeAspect="1"/>
+          </p:cNvSpPr>
           <p:nvPr>
             <p:ph type="sldImg" idx="2"/>
           </p:nvPr>
@@ -523,7 +524,9 @@
       <p:sp>
         <p:nvSpPr>
           <p:cNvPr id="3" name="文本占位符 2"/>
-          <p:cNvSpPr/>
+          <p:cNvSpPr>
+            <a:spLocks noGrp="1"/>
+          </p:cNvSpPr>
           <p:nvPr>
             <p:ph type="body" idx="3"/>
           </p:nvPr>
@@ -531,6 +534,7 @@
         <p:spPr/>
         <p:txBody>
           <a:bodyPr/>
+          <a:lstStyle/>
           <a:p>
             <a:endParaRPr lang="zh-CN" altLang="en-US"/>
           </a:p>
@@ -553,11 +557,20 @@
         <p:cNvGrpSpPr/>
         <p:nvPr/>
       </p:nvGrpSpPr>
-      <p:grpSpPr/>
+      <p:grpSpPr>
+        <a:xfrm>
+          <a:off x="0" y="0"/>
+          <a:ext cx="0" cy="0"/>
+          <a:chOff x="0" y="0"/>
+          <a:chExt cx="0" cy="0"/>
+        </a:xfrm>
+      </p:grpSpPr>
       <p:sp>
         <p:nvSpPr>
           <p:cNvPr id="2" name="幻灯片图像占位符 1"/>
-          <p:cNvSpPr/>
+          <p:cNvSpPr>
+            <a:spLocks noGrp="1" noRot="1" noChangeAspect="1"/>
+          </p:cNvSpPr>
           <p:nvPr>
             <p:ph type="sldImg" idx="2"/>
           </p:nvPr>
@@ -567,7 +580,9 @@
       <p:sp>
         <p:nvSpPr>
           <p:cNvPr id="3" name="文本占位符 2"/>
-          <p:cNvSpPr/>
+          <p:cNvSpPr>
+            <a:spLocks noGrp="1"/>
+          </p:cNvSpPr>
           <p:nvPr>
             <p:ph type="body" idx="3"/>
           </p:nvPr>
@@ -575,6 +590,7 @@
         <p:spPr/>
         <p:txBody>
           <a:bodyPr/>
+          <a:lstStyle/>
           <a:p>
             <a:endParaRPr lang="zh-CN" altLang="en-US"/>
           </a:p>
@@ -610,13 +626,13 @@
   <p:clrMapOvr>
     <a:masterClrMapping/>
   </p:clrMapOvr>
-  <mc:AlternateContent xmlns:mc="http://schemas.openxmlformats.org/markup-compatibility/2006">
-    <mc:Choice xmlns:p14="http://schemas.microsoft.com/office/powerpoint/2010/main" Requires="p14">
+  <mc:AlternateContent xmlns:mc="http://schemas.openxmlformats.org/markup-compatibility/2006" xmlns:p14="http://schemas.microsoft.com/office/powerpoint/2010/main">
+    <mc:Choice Requires="p14">
       <p:transition spd="med" p14:dur="700">
         <p:fade/>
       </p:transition>
     </mc:Choice>
-    <mc:Fallback>
+    <mc:Fallback xmlns="">
       <p:transition spd="med">
         <p:fade/>
       </p:transition>
@@ -819,13 +835,13 @@
   <p:clrMapOvr>
     <a:masterClrMapping/>
   </p:clrMapOvr>
-  <mc:AlternateContent xmlns:mc="http://schemas.openxmlformats.org/markup-compatibility/2006">
-    <mc:Choice xmlns:p14="http://schemas.microsoft.com/office/powerpoint/2010/main" Requires="p14">
+  <mc:AlternateContent xmlns:mc="http://schemas.openxmlformats.org/markup-compatibility/2006" xmlns:p14="http://schemas.microsoft.com/office/powerpoint/2010/main">
+    <mc:Choice Requires="p14">
       <p:transition spd="med" p14:dur="700">
         <p:fade/>
       </p:transition>
     </mc:Choice>
-    <mc:Fallback>
+    <mc:Fallback xmlns="">
       <p:transition spd="med">
         <p:fade/>
       </p:transition>
@@ -1445,13 +1461,13 @@
   <p:clrMapOvr>
     <a:masterClrMapping/>
   </p:clrMapOvr>
-  <mc:AlternateContent xmlns:mc="http://schemas.openxmlformats.org/markup-compatibility/2006">
-    <mc:Choice xmlns:p14="http://schemas.microsoft.com/office/powerpoint/2010/main" Requires="p14">
+  <mc:AlternateContent xmlns:mc="http://schemas.openxmlformats.org/markup-compatibility/2006" xmlns:p14="http://schemas.microsoft.com/office/powerpoint/2010/main">
+    <mc:Choice Requires="p14">
       <p:transition spd="med" p14:dur="700">
         <p:fade/>
       </p:transition>
     </mc:Choice>
-    <mc:Fallback>
+    <mc:Fallback xmlns="">
       <p:transition spd="med">
         <p:fade/>
       </p:transition>
@@ -1490,13 +1506,13 @@
     <p:sldLayoutId id="2147483650" r:id="rId2"/>
     <p:sldLayoutId id="2147483651" r:id="rId3"/>
   </p:sldLayoutIdLst>
-  <mc:AlternateContent xmlns:mc="http://schemas.openxmlformats.org/markup-compatibility/2006">
-    <mc:Choice xmlns:p14="http://schemas.microsoft.com/office/powerpoint/2010/main" Requires="p14">
+  <mc:AlternateContent xmlns:mc="http://schemas.openxmlformats.org/markup-compatibility/2006" xmlns:p14="http://schemas.microsoft.com/office/powerpoint/2010/main">
+    <mc:Choice Requires="p14">
       <p:transition spd="med" p14:dur="700">
         <p:fade/>
       </p:transition>
     </mc:Choice>
-    <mc:Fallback>
+    <mc:Fallback xmlns="">
       <p:transition spd="med">
         <p:fade/>
       </p:transition>
@@ -1847,6 +1863,7 @@
           <a:bodyPr rtlCol="0" anchor="ctr">
             <a:noAutofit/>
           </a:bodyPr>
+          <a:lstStyle/>
           <a:p>
             <a:pPr algn="ctr"/>
             <a:endParaRPr lang="zh-CN" altLang="en-US"/>
@@ -1877,6 +1894,7 @@
           <a:bodyPr wrap="square">
             <a:spAutoFit/>
           </a:bodyPr>
+          <a:lstStyle/>
           <a:p>
             <a:pPr algn="ctr"/>
             <a:r>
@@ -1913,13 +1931,13 @@
   <p:clrMapOvr>
     <a:masterClrMapping/>
   </p:clrMapOvr>
-  <mc:AlternateContent xmlns:mc="http://schemas.openxmlformats.org/markup-compatibility/2006">
-    <mc:Choice xmlns:p14="http://schemas.microsoft.com/office/powerpoint/2010/main" Requires="p14">
+  <mc:AlternateContent xmlns:mc="http://schemas.openxmlformats.org/markup-compatibility/2006" xmlns:p14="http://schemas.microsoft.com/office/powerpoint/2010/main">
+    <mc:Choice Requires="p14">
       <p:transition spd="med" p14:dur="700">
         <p:fade/>
       </p:transition>
     </mc:Choice>
-    <mc:Fallback>
+    <mc:Fallback xmlns="">
       <p:transition spd="med">
         <p:fade/>
       </p:transition>
@@ -2041,39 +2059,8 @@
                 <a:ea typeface="+mj-ea"/>
                 <a:cs typeface="+mn-cs"/>
               </a:rPr>
-              <a:t>结论与</a:t>
+              <a:t>结论与展望</a:t>
             </a:r>
-            <a:r>
-              <a:rPr kumimoji="0" lang="zh-CN" altLang="en-US" sz="4400" b="0" i="0" u="none" strike="noStrike" kern="1200" cap="none" spc="0" normalizeH="0" baseline="0" noProof="0" dirty="0">
-                <a:ln>
-                  <a:noFill/>
-                </a:ln>
-                <a:solidFill>
-                  <a:schemeClr val="bg1"/>
-                </a:solidFill>
-                <a:effectLst/>
-                <a:uLnTx/>
-                <a:uFillTx/>
-                <a:latin typeface="+mj-ea"/>
-                <a:ea typeface="+mj-ea"/>
-                <a:cs typeface="+mn-cs"/>
-              </a:rPr>
-              <a:t>展望</a:t>
-            </a:r>
-            <a:endParaRPr kumimoji="0" lang="zh-CN" altLang="en-US" sz="4400" b="0" i="0" u="none" strike="noStrike" kern="1200" cap="none" spc="0" normalizeH="0" baseline="0" noProof="0" dirty="0">
-              <a:ln>
-                <a:noFill/>
-              </a:ln>
-              <a:solidFill>
-                <a:schemeClr val="bg1"/>
-              </a:solidFill>
-              <a:effectLst/>
-              <a:uLnTx/>
-              <a:uFillTx/>
-              <a:latin typeface="+mj-ea"/>
-              <a:ea typeface="+mj-ea"/>
-              <a:cs typeface="+mn-cs"/>
-            </a:endParaRPr>
           </a:p>
         </p:txBody>
       </p:sp>
@@ -2082,13 +2069,13 @@
   <p:clrMapOvr>
     <a:masterClrMapping/>
   </p:clrMapOvr>
-  <mc:AlternateContent xmlns:mc="http://schemas.openxmlformats.org/markup-compatibility/2006">
-    <mc:Choice xmlns:p14="http://schemas.microsoft.com/office/powerpoint/2010/main" Requires="p14">
+  <mc:AlternateContent xmlns:mc="http://schemas.openxmlformats.org/markup-compatibility/2006" xmlns:p14="http://schemas.microsoft.com/office/powerpoint/2010/main">
+    <mc:Choice Requires="p14">
       <p:transition spd="med" p14:dur="700">
         <p:fade/>
       </p:transition>
     </mc:Choice>
-    <mc:Fallback>
+    <mc:Fallback xmlns="">
       <p:transition spd="med">
         <p:fade/>
       </p:transition>
@@ -2114,49 +2101,10 @@
           <a:chExt cx="0" cy="0"/>
         </a:xfrm>
       </p:grpSpPr>
-      <p:cxnSp>
-        <p:nvCxnSpPr>
-          <p:cNvPr id="3" name="直接连接符 2"/>
-          <p:cNvCxnSpPr/>
-          <p:nvPr>
-            <p:custDataLst>
-              <p:tags r:id="rId1"/>
-            </p:custDataLst>
-          </p:nvPr>
-        </p:nvCxnSpPr>
-        <p:spPr>
-          <a:xfrm>
-            <a:off x="340874" y="243311"/>
-            <a:ext cx="0" cy="345325"/>
-          </a:xfrm>
-          <a:prstGeom prst="line">
-            <a:avLst/>
-          </a:prstGeom>
-          <a:ln w="92075">
-            <a:solidFill>
-              <a:srgbClr val="2D83B6"/>
-            </a:solidFill>
-          </a:ln>
-        </p:spPr>
-        <p:style>
-          <a:lnRef idx="1">
-            <a:schemeClr val="accent1"/>
-          </a:lnRef>
-          <a:fillRef idx="0">
-            <a:schemeClr val="accent1"/>
-          </a:fillRef>
-          <a:effectRef idx="0">
-            <a:schemeClr val="accent1"/>
-          </a:effectRef>
-          <a:fontRef idx="minor">
-            <a:schemeClr val="tx1"/>
-          </a:fontRef>
-        </p:style>
-      </p:cxnSp>
       <p:sp>
         <p:nvSpPr>
-          <p:cNvPr id="25" name="文本框 24"/>
-          <p:cNvSpPr txBox="1"/>
+          <p:cNvPr id="4" name="矩形 3"/>
+          <p:cNvSpPr/>
           <p:nvPr>
             <p:custDataLst>
               <p:tags r:id="rId2"/>
@@ -2165,47 +2113,6 @@
         </p:nvSpPr>
         <p:spPr>
           <a:xfrm>
-            <a:off x="507365" y="224155"/>
-            <a:ext cx="11356340" cy="398780"/>
-          </a:xfrm>
-          <a:prstGeom prst="rect">
-            <a:avLst/>
-          </a:prstGeom>
-          <a:noFill/>
-        </p:spPr>
-        <p:txBody>
-          <a:bodyPr wrap="square" rtlCol="0">
-            <a:spAutoFit/>
-          </a:bodyPr>
-          <a:p>
-            <a:r>
-              <a:rPr lang="zh-CN" altLang="en-US" sz="2000" dirty="0">
-                <a:latin typeface="OPPOSans B" panose="00020600040101010101" pitchFamily="18" charset="-122"/>
-                <a:ea typeface="OPPOSans B" panose="00020600040101010101" pitchFamily="18" charset="-122"/>
-                <a:cs typeface="OPPOSans B" panose="00020600040101010101" pitchFamily="18" charset="-122"/>
-              </a:rPr>
-              <a:t>研究背景</a:t>
-            </a:r>
-            <a:endParaRPr lang="zh-CN" altLang="en-US" sz="2000" dirty="0">
-              <a:latin typeface="OPPOSans B" panose="00020600040101010101" pitchFamily="18" charset="-122"/>
-              <a:ea typeface="OPPOSans B" panose="00020600040101010101" pitchFamily="18" charset="-122"/>
-              <a:cs typeface="OPPOSans B" panose="00020600040101010101" pitchFamily="18" charset="-122"/>
-            </a:endParaRPr>
-          </a:p>
-        </p:txBody>
-      </p:sp>
-      <p:sp>
-        <p:nvSpPr>
-          <p:cNvPr id="4" name="矩形 3"/>
-          <p:cNvSpPr/>
-          <p:nvPr>
-            <p:custDataLst>
-              <p:tags r:id="rId3"/>
-            </p:custDataLst>
-          </p:nvPr>
-        </p:nvSpPr>
-        <p:spPr>
-          <a:xfrm>
             <a:off x="700405" y="1349375"/>
             <a:ext cx="10824210" cy="4533900"/>
           </a:xfrm>
@@ -2217,6 +2124,7 @@
           <a:bodyPr wrap="square">
             <a:noAutofit/>
           </a:bodyPr>
+          <a:lstStyle/>
           <a:p>
             <a:pPr marL="285750" indent="-285750">
               <a:lnSpc>
@@ -2231,35 +2139,7 @@
               <a:buFont typeface="Wingdings" panose="05000000000000000000" charset="0"/>
               <a:buChar char="u"/>
             </a:pPr>
-            <a:r>
-              <a:rPr lang="en-US" altLang="zh-CN" sz="1400">
-                <a:solidFill>
-                  <a:schemeClr val="tx1">
-                    <a:lumMod val="85000"/>
-                    <a:lumOff val="15000"/>
-                  </a:schemeClr>
-                </a:solidFill>
-                <a:uFillTx/>
-                <a:latin typeface="微软雅黑" panose="020B0503020204020204" charset="-122"/>
-                <a:ea typeface="微软雅黑" panose="020B0503020204020204" charset="-122"/>
-              </a:rPr>
-              <a:t>实现资金的合理配置始终是国家金融行业的重要目标之一，而商业银行作为国内金融行业中的基石，相对而言具有较为全面的业务体系，除了传统的存款、贷款业务外，还有诸如资产管理、投行、担保、支付结算等其他业务</a:t>
-            </a:r>
-            <a:r>
-              <a:rPr lang="zh-CN" altLang="en-US" sz="1400">
-                <a:solidFill>
-                  <a:schemeClr val="tx1">
-                    <a:lumMod val="85000"/>
-                    <a:lumOff val="15000"/>
-                  </a:schemeClr>
-                </a:solidFill>
-                <a:uFillTx/>
-                <a:latin typeface="微软雅黑" panose="020B0503020204020204" charset="-122"/>
-                <a:ea typeface="微软雅黑" panose="020B0503020204020204" charset="-122"/>
-              </a:rPr>
-              <a:t>。</a:t>
-            </a:r>
-            <a:endParaRPr lang="zh-CN" altLang="en-US" sz="1400">
+            <a:endParaRPr lang="zh-CN" altLang="en-US" sz="1400" dirty="0">
               <a:solidFill>
                 <a:schemeClr val="tx1">
                   <a:lumMod val="85000"/>
@@ -2271,166 +2151,6 @@
               <a:ea typeface="微软雅黑" panose="020B0503020204020204" charset="-122"/>
             </a:endParaRPr>
           </a:p>
-          <a:p>
-            <a:pPr marL="285750" indent="-285750">
-              <a:lnSpc>
-                <a:spcPct val="150000"/>
-              </a:lnSpc>
-              <a:spcAft>
-                <a:spcPts val="300"/>
-              </a:spcAft>
-              <a:buClr>
-                <a:srgbClr val="1B3868"/>
-              </a:buClr>
-              <a:buFont typeface="Wingdings" panose="05000000000000000000" charset="0"/>
-              <a:buChar char="u"/>
-            </a:pPr>
-            <a:r>
-              <a:rPr lang="zh-CN" altLang="en-US" sz="1400">
-                <a:solidFill>
-                  <a:schemeClr val="tx1">
-                    <a:lumMod val="85000"/>
-                    <a:lumOff val="15000"/>
-                  </a:schemeClr>
-                </a:solidFill>
-                <a:uFillTx/>
-                <a:latin typeface="微软雅黑" panose="020B0503020204020204" charset="-122"/>
-                <a:ea typeface="微软雅黑" panose="020B0503020204020204" charset="-122"/>
-              </a:rPr>
-              <a:t>利率是衡量国家经济的重要指标之一，其对国家经济实现均衡发展以及资源资金的合理配置具有重要导向意义。</a:t>
-            </a:r>
-            <a:endParaRPr lang="zh-CN" altLang="en-US" sz="1400">
-              <a:solidFill>
-                <a:schemeClr val="tx1">
-                  <a:lumMod val="85000"/>
-                  <a:lumOff val="15000"/>
-                </a:schemeClr>
-              </a:solidFill>
-              <a:uFillTx/>
-              <a:latin typeface="微软雅黑" panose="020B0503020204020204" charset="-122"/>
-              <a:ea typeface="微软雅黑" panose="020B0503020204020204" charset="-122"/>
-            </a:endParaRPr>
-          </a:p>
-          <a:p>
-            <a:pPr marL="285750" indent="-285750">
-              <a:lnSpc>
-                <a:spcPct val="150000"/>
-              </a:lnSpc>
-              <a:spcAft>
-                <a:spcPts val="300"/>
-              </a:spcAft>
-              <a:buClr>
-                <a:srgbClr val="1B3868"/>
-              </a:buClr>
-              <a:buFont typeface="Wingdings" panose="05000000000000000000" charset="0"/>
-              <a:buChar char="u"/>
-            </a:pPr>
-            <a:r>
-              <a:rPr lang="zh-CN" altLang="en-US" sz="1400">
-                <a:solidFill>
-                  <a:schemeClr val="tx1">
-                    <a:lumMod val="85000"/>
-                    <a:lumOff val="15000"/>
-                  </a:schemeClr>
-                </a:solidFill>
-                <a:uFillTx/>
-                <a:latin typeface="微软雅黑" panose="020B0503020204020204" charset="-122"/>
-                <a:ea typeface="微软雅黑" panose="020B0503020204020204" charset="-122"/>
-              </a:rPr>
-              <a:t>在这种情况下，研究商业银行的各部分利润占比对于分析利率市场化对于银行盈利水平的影响有一定意义。</a:t>
-            </a:r>
-            <a:endParaRPr lang="zh-CN" altLang="en-US" sz="1400">
-              <a:solidFill>
-                <a:schemeClr val="tx1">
-                  <a:lumMod val="85000"/>
-                  <a:lumOff val="15000"/>
-                </a:schemeClr>
-              </a:solidFill>
-              <a:uFillTx/>
-              <a:latin typeface="微软雅黑" panose="020B0503020204020204" charset="-122"/>
-              <a:ea typeface="微软雅黑" panose="020B0503020204020204" charset="-122"/>
-            </a:endParaRPr>
-          </a:p>
-          <a:p>
-            <a:pPr marL="285750" indent="-285750">
-              <a:lnSpc>
-                <a:spcPct val="150000"/>
-              </a:lnSpc>
-              <a:spcAft>
-                <a:spcPts val="300"/>
-              </a:spcAft>
-              <a:buClr>
-                <a:srgbClr val="1B3868"/>
-              </a:buClr>
-              <a:buFont typeface="Wingdings" panose="05000000000000000000" charset="0"/>
-              <a:buChar char="u"/>
-            </a:pPr>
-            <a:r>
-              <a:rPr lang="zh-CN" altLang="en-US" sz="1400">
-                <a:solidFill>
-                  <a:schemeClr val="tx1">
-                    <a:lumMod val="85000"/>
-                    <a:lumOff val="15000"/>
-                  </a:schemeClr>
-                </a:solidFill>
-                <a:uFillTx/>
-                <a:latin typeface="微软雅黑" panose="020B0503020204020204" charset="-122"/>
-                <a:ea typeface="微软雅黑" panose="020B0503020204020204" charset="-122"/>
-              </a:rPr>
-              <a:t>除去利率市场化对于商业银行盈利能力产生的影响，近十年以来也迎来了其如火如荼的发展阶段。</a:t>
-            </a:r>
-            <a:endParaRPr lang="zh-CN" altLang="en-US" sz="1400">
-              <a:solidFill>
-                <a:schemeClr val="tx1">
-                  <a:lumMod val="85000"/>
-                  <a:lumOff val="15000"/>
-                </a:schemeClr>
-              </a:solidFill>
-              <a:uFillTx/>
-              <a:latin typeface="微软雅黑" panose="020B0503020204020204" charset="-122"/>
-              <a:ea typeface="微软雅黑" panose="020B0503020204020204" charset="-122"/>
-            </a:endParaRPr>
-          </a:p>
-          <a:p>
-            <a:pPr marL="285750" indent="-285750">
-              <a:lnSpc>
-                <a:spcPct val="150000"/>
-              </a:lnSpc>
-              <a:spcAft>
-                <a:spcPts val="300"/>
-              </a:spcAft>
-              <a:buClr>
-                <a:srgbClr val="1B3868"/>
-              </a:buClr>
-              <a:buFont typeface="Wingdings" panose="05000000000000000000" charset="0"/>
-              <a:buChar char="u"/>
-            </a:pPr>
-            <a:r>
-              <a:rPr lang="zh-CN" altLang="en-US" sz="1400">
-                <a:solidFill>
-                  <a:schemeClr val="tx1">
-                    <a:lumMod val="85000"/>
-                    <a:lumOff val="15000"/>
-                  </a:schemeClr>
-                </a:solidFill>
-                <a:uFillTx/>
-                <a:latin typeface="微软雅黑" panose="020B0503020204020204" charset="-122"/>
-                <a:ea typeface="微软雅黑" panose="020B0503020204020204" charset="-122"/>
-              </a:rPr>
-              <a:t>而商业银行的获取收益的水平的高低，是其能否应对危机最重要的屏障，银行业的稳定发展是国家资本市场和宏观经济向好的重要保障，因此，本文在利率市场化、互联网金融的背景下，基于经验证据验证其对商业银行盈利水平的影响。</a:t>
-            </a:r>
-            <a:endParaRPr lang="zh-CN" altLang="en-US" sz="1400">
-              <a:solidFill>
-                <a:schemeClr val="tx1">
-                  <a:lumMod val="85000"/>
-                  <a:lumOff val="15000"/>
-                </a:schemeClr>
-              </a:solidFill>
-              <a:uFillTx/>
-              <a:latin typeface="微软雅黑" panose="020B0503020204020204" charset="-122"/>
-              <a:ea typeface="微软雅黑" panose="020B0503020204020204" charset="-122"/>
-            </a:endParaRPr>
-          </a:p>
         </p:txBody>
       </p:sp>
     </p:spTree>
@@ -2438,13 +2158,13 @@
   <p:clrMapOvr>
     <a:masterClrMapping/>
   </p:clrMapOvr>
-  <mc:AlternateContent xmlns:mc="http://schemas.openxmlformats.org/markup-compatibility/2006">
-    <mc:Choice xmlns:p14="http://schemas.microsoft.com/office/powerpoint/2010/main" Requires="p14">
+  <mc:AlternateContent xmlns:mc="http://schemas.openxmlformats.org/markup-compatibility/2006" xmlns:p14="http://schemas.microsoft.com/office/powerpoint/2010/main">
+    <mc:Choice Requires="p14">
       <p:transition spd="med" p14:dur="700">
         <p:fade/>
       </p:transition>
     </mc:Choice>
-    <mc:Fallback>
+    <mc:Fallback xmlns="">
       <p:transition spd="med">
         <p:fade/>
       </p:transition>
@@ -2476,7 +2196,7 @@
           <p:cNvSpPr txBox="1"/>
           <p:nvPr>
             <p:custDataLst>
-              <p:tags r:id="rId1"/>
+              <p:tags r:id="rId2"/>
             </p:custDataLst>
           </p:nvPr>
         </p:nvSpPr>
@@ -2504,25 +2224,8 @@
                 <a:latin typeface="+mj-ea"/>
                 <a:ea typeface="+mj-ea"/>
               </a:rPr>
-              <a:t>研究</a:t>
+              <a:t>研究目的</a:t>
             </a:r>
-            <a:r>
-              <a:rPr lang="zh-CN" altLang="en-US" sz="2000" dirty="0">
-                <a:solidFill>
-                  <a:schemeClr val="accent1"/>
-                </a:solidFill>
-                <a:latin typeface="+mj-ea"/>
-                <a:ea typeface="+mj-ea"/>
-              </a:rPr>
-              <a:t>目的</a:t>
-            </a:r>
-            <a:endParaRPr lang="zh-CN" altLang="en-US" sz="2000" dirty="0">
-              <a:solidFill>
-                <a:schemeClr val="accent1"/>
-              </a:solidFill>
-              <a:latin typeface="+mj-ea"/>
-              <a:ea typeface="+mj-ea"/>
-            </a:endParaRPr>
           </a:p>
         </p:txBody>
       </p:sp>
@@ -2532,7 +2235,7 @@
           <p:cNvSpPr/>
           <p:nvPr>
             <p:custDataLst>
-              <p:tags r:id="rId2"/>
+              <p:tags r:id="rId3"/>
             </p:custDataLst>
           </p:nvPr>
         </p:nvSpPr>
@@ -2580,16 +2283,6 @@
               </a:rPr>
               <a:t>解答研究问题</a:t>
             </a:r>
-            <a:endParaRPr sz="1400">
-              <a:solidFill>
-                <a:schemeClr val="accent1">
-                  <a:lumMod val="50000"/>
-                </a:schemeClr>
-              </a:solidFill>
-              <a:uFillTx/>
-              <a:latin typeface="微软雅黑" panose="020B0503020204020204" charset="-122"/>
-              <a:ea typeface="微软雅黑" panose="020B0503020204020204" charset="-122"/>
-            </a:endParaRPr>
           </a:p>
           <a:p>
             <a:pPr marL="285750" indent="-285750">
@@ -2621,16 +2314,6 @@
               </a:rPr>
               <a:t>为商业银行提供信息</a:t>
             </a:r>
-            <a:endParaRPr lang="en-US" altLang="zh-CN" sz="1400">
-              <a:solidFill>
-                <a:schemeClr val="accent1">
-                  <a:lumMod val="50000"/>
-                </a:schemeClr>
-              </a:solidFill>
-              <a:uFillTx/>
-              <a:latin typeface="微软雅黑" panose="020B0503020204020204" charset="-122"/>
-              <a:ea typeface="微软雅黑" panose="020B0503020204020204" charset="-122"/>
-            </a:endParaRPr>
           </a:p>
           <a:p>
             <a:pPr marL="285750" indent="-285750">
@@ -2662,16 +2345,6 @@
               </a:rPr>
               <a:t>近年来，随着利率市场化进程的推进以及互联网金融的飞速发展，商业银行为了规避利率波动以及业务结构单一的风险，需要对自身的收入来源、结构以及业务范围不断优化，本文希望通过实证分析，为商业银行提供一定的经验证据。</a:t>
             </a:r>
-            <a:endParaRPr lang="en-US" altLang="zh-CN" sz="1400">
-              <a:solidFill>
-                <a:schemeClr val="accent1">
-                  <a:lumMod val="50000"/>
-                </a:schemeClr>
-              </a:solidFill>
-              <a:uFillTx/>
-              <a:latin typeface="微软雅黑" panose="020B0503020204020204" charset="-122"/>
-              <a:ea typeface="微软雅黑" panose="020B0503020204020204" charset="-122"/>
-            </a:endParaRPr>
           </a:p>
         </p:txBody>
       </p:sp>
@@ -2683,12 +2356,12 @@
           </p:cNvPicPr>
           <p:nvPr>
             <p:custDataLst>
-              <p:tags r:id="rId3"/>
+              <p:tags r:id="rId4"/>
             </p:custDataLst>
           </p:nvPr>
         </p:nvPicPr>
         <p:blipFill>
-          <a:blip r:embed="rId4">
+          <a:blip r:embed="rId10" cstate="print">
             <a:duotone>
               <a:schemeClr val="accent1">
                 <a:shade val="45000"/>
@@ -2740,6 +2413,7 @@
           <a:bodyPr wrap="square" rtlCol="0">
             <a:spAutoFit/>
           </a:bodyPr>
+          <a:lstStyle/>
           <a:p>
             <a:r>
               <a:rPr lang="zh-CN" altLang="en-US" sz="2000" dirty="0">
@@ -2749,25 +2423,8 @@
                 <a:latin typeface="+mj-ea"/>
                 <a:ea typeface="+mj-ea"/>
               </a:rPr>
-              <a:t>研究</a:t>
+              <a:t>研究意义</a:t>
             </a:r>
-            <a:r>
-              <a:rPr lang="zh-CN" altLang="en-US" sz="2000" dirty="0">
-                <a:solidFill>
-                  <a:schemeClr val="accent1"/>
-                </a:solidFill>
-                <a:latin typeface="+mj-ea"/>
-                <a:ea typeface="+mj-ea"/>
-              </a:rPr>
-              <a:t>意义</a:t>
-            </a:r>
-            <a:endParaRPr lang="zh-CN" altLang="en-US" sz="2000" dirty="0">
-              <a:solidFill>
-                <a:schemeClr val="accent1"/>
-              </a:solidFill>
-              <a:latin typeface="+mj-ea"/>
-              <a:ea typeface="+mj-ea"/>
-            </a:endParaRPr>
           </a:p>
         </p:txBody>
       </p:sp>
@@ -2794,6 +2451,7 @@
           <a:bodyPr wrap="square">
             <a:spAutoFit/>
           </a:bodyPr>
+          <a:lstStyle/>
           <a:p>
             <a:pPr marL="285750" indent="-285750">
               <a:lnSpc>
@@ -2824,16 +2482,6 @@
               </a:rPr>
               <a:t>理论意义</a:t>
             </a:r>
-            <a:endParaRPr sz="1400">
-              <a:solidFill>
-                <a:schemeClr val="accent1">
-                  <a:lumMod val="50000"/>
-                </a:schemeClr>
-              </a:solidFill>
-              <a:uFillTx/>
-              <a:latin typeface="微软雅黑" panose="020B0503020204020204" charset="-122"/>
-              <a:ea typeface="微软雅黑" panose="020B0503020204020204" charset="-122"/>
-            </a:endParaRPr>
           </a:p>
           <a:p>
             <a:pPr marL="285750" indent="-285750">
@@ -2865,16 +2513,6 @@
               </a:rPr>
               <a:t>现实意义</a:t>
             </a:r>
-            <a:endParaRPr lang="en-US" altLang="zh-CN" sz="1400">
-              <a:solidFill>
-                <a:schemeClr val="accent1">
-                  <a:lumMod val="50000"/>
-                </a:schemeClr>
-              </a:solidFill>
-              <a:uFillTx/>
-              <a:latin typeface="微软雅黑" panose="020B0503020204020204" charset="-122"/>
-              <a:ea typeface="微软雅黑" panose="020B0503020204020204" charset="-122"/>
-            </a:endParaRPr>
           </a:p>
           <a:p>
             <a:pPr marL="285750" indent="-285750">
@@ -2906,16 +2544,6 @@
               </a:rPr>
               <a:t>商业银行开展业务所关注的原则有交易安全与风险规避、资金的流动性水平以及银行业务获取收益的水平，而这其中“业务的获取收益的能力”则是商业银行在经营中追求的首要目标。</a:t>
             </a:r>
-            <a:endParaRPr lang="en-US" altLang="zh-CN" sz="1400">
-              <a:solidFill>
-                <a:schemeClr val="accent1">
-                  <a:lumMod val="50000"/>
-                </a:schemeClr>
-              </a:solidFill>
-              <a:uFillTx/>
-              <a:latin typeface="微软雅黑" panose="020B0503020204020204" charset="-122"/>
-              <a:ea typeface="微软雅黑" panose="020B0503020204020204" charset="-122"/>
-            </a:endParaRPr>
           </a:p>
         </p:txBody>
       </p:sp>
@@ -2982,6 +2610,7 @@
           <a:bodyPr wrap="square" rtlCol="0">
             <a:spAutoFit/>
           </a:bodyPr>
+          <a:lstStyle/>
           <a:p>
             <a:r>
               <a:rPr lang="zh-CN" altLang="en-US" sz="2000" dirty="0">
@@ -2989,21 +2618,8 @@
                 <a:ea typeface="OPPOSans B" panose="00020600040101010101" pitchFamily="18" charset="-122"/>
                 <a:cs typeface="OPPOSans B" panose="00020600040101010101" pitchFamily="18" charset="-122"/>
               </a:rPr>
-              <a:t>研究目的与研究</a:t>
+              <a:t>研究目的与研究意义</a:t>
             </a:r>
-            <a:r>
-              <a:rPr lang="zh-CN" altLang="en-US" sz="2000" dirty="0">
-                <a:latin typeface="OPPOSans B" panose="00020600040101010101" pitchFamily="18" charset="-122"/>
-                <a:ea typeface="OPPOSans B" panose="00020600040101010101" pitchFamily="18" charset="-122"/>
-                <a:cs typeface="OPPOSans B" panose="00020600040101010101" pitchFamily="18" charset="-122"/>
-              </a:rPr>
-              <a:t>意义</a:t>
-            </a:r>
-            <a:endParaRPr lang="zh-CN" altLang="en-US" sz="2000" dirty="0">
-              <a:latin typeface="OPPOSans B" panose="00020600040101010101" pitchFamily="18" charset="-122"/>
-              <a:ea typeface="OPPOSans B" panose="00020600040101010101" pitchFamily="18" charset="-122"/>
-              <a:cs typeface="OPPOSans B" panose="00020600040101010101" pitchFamily="18" charset="-122"/>
-            </a:endParaRPr>
           </a:p>
         </p:txBody>
       </p:sp>
@@ -3012,13 +2628,13 @@
   <p:clrMapOvr>
     <a:masterClrMapping/>
   </p:clrMapOvr>
-  <mc:AlternateContent xmlns:mc="http://schemas.openxmlformats.org/markup-compatibility/2006">
-    <mc:Choice xmlns:p14="http://schemas.microsoft.com/office/powerpoint/2010/main" Requires="p14">
+  <mc:AlternateContent xmlns:mc="http://schemas.openxmlformats.org/markup-compatibility/2006" xmlns:p14="http://schemas.microsoft.com/office/powerpoint/2010/main">
+    <mc:Choice Requires="p14">
       <p:transition spd="med" p14:dur="700">
         <p:fade/>
       </p:transition>
     </mc:Choice>
-    <mc:Fallback>
+    <mc:Fallback xmlns="">
       <p:transition spd="med">
         <p:fade/>
       </p:transition>
@@ -3050,7 +2666,7 @@
           <p:cNvSpPr/>
           <p:nvPr>
             <p:custDataLst>
-              <p:tags r:id="rId1"/>
+              <p:tags r:id="rId2"/>
             </p:custDataLst>
           </p:nvPr>
         </p:nvSpPr>
@@ -3090,6 +2706,7 @@
         </p:style>
         <p:txBody>
           <a:bodyPr rtlCol="0" anchor="ctr"/>
+          <a:lstStyle/>
           <a:p>
             <a:pPr algn="ctr"/>
             <a:endParaRPr lang="zh-CN" altLang="en-US"/>
@@ -3102,7 +2719,7 @@
           <p:cNvSpPr txBox="1"/>
           <p:nvPr>
             <p:custDataLst>
-              <p:tags r:id="rId2"/>
+              <p:tags r:id="rId3"/>
             </p:custDataLst>
           </p:nvPr>
         </p:nvSpPr>
@@ -3120,6 +2737,7 @@
           <a:bodyPr wrap="square" rtlCol="0">
             <a:spAutoFit/>
           </a:bodyPr>
+          <a:lstStyle/>
           <a:p>
             <a:pPr algn="ctr"/>
             <a:r>
@@ -3142,13 +2760,6 @@
               </a:rPr>
               <a:t>1</a:t>
             </a:r>
-            <a:endParaRPr lang="en-US" altLang="zh-CN" sz="2000" b="1" dirty="0">
-              <a:solidFill>
-                <a:schemeClr val="accent1"/>
-              </a:solidFill>
-              <a:latin typeface="+mj-ea"/>
-              <a:ea typeface="+mj-ea"/>
-            </a:endParaRPr>
           </a:p>
         </p:txBody>
       </p:sp>
@@ -3158,7 +2769,7 @@
           <p:cNvCxnSpPr/>
           <p:nvPr>
             <p:custDataLst>
-              <p:tags r:id="rId3"/>
+              <p:tags r:id="rId4"/>
             </p:custDataLst>
           </p:nvPr>
         </p:nvCxnSpPr>
@@ -3197,7 +2808,7 @@
           <p:cNvSpPr/>
           <p:nvPr>
             <p:custDataLst>
-              <p:tags r:id="rId4"/>
+              <p:tags r:id="rId5"/>
             </p:custDataLst>
           </p:nvPr>
         </p:nvSpPr>
@@ -3214,6 +2825,7 @@
           <a:bodyPr wrap="square">
             <a:spAutoFit/>
           </a:bodyPr>
+          <a:lstStyle/>
           <a:p>
             <a:pPr marL="285750" indent="-285750" algn="l">
               <a:lnSpc>
@@ -3259,17 +2871,6 @@
               </a:rPr>
               <a:t>1</a:t>
             </a:r>
-            <a:endParaRPr lang="en-US" altLang="zh-CN" sz="1400" dirty="0">
-              <a:solidFill>
-                <a:schemeClr val="tx1">
-                  <a:lumMod val="85000"/>
-                  <a:lumOff val="15000"/>
-                </a:schemeClr>
-              </a:solidFill>
-              <a:uFillTx/>
-              <a:latin typeface="微软雅黑" panose="020B0503020204020204" charset="-122"/>
-              <a:ea typeface="微软雅黑" panose="020B0503020204020204" charset="-122"/>
-            </a:endParaRPr>
           </a:p>
           <a:p>
             <a:pPr marL="285750" indent="-285750" algn="l">
@@ -3316,17 +2917,6 @@
               </a:rPr>
               <a:t>2</a:t>
             </a:r>
-            <a:endParaRPr lang="en-US" altLang="zh-CN" sz="1400" dirty="0">
-              <a:solidFill>
-                <a:schemeClr val="tx1">
-                  <a:lumMod val="85000"/>
-                  <a:lumOff val="15000"/>
-                </a:schemeClr>
-              </a:solidFill>
-              <a:uFillTx/>
-              <a:latin typeface="微软雅黑" panose="020B0503020204020204" charset="-122"/>
-              <a:ea typeface="微软雅黑" panose="020B0503020204020204" charset="-122"/>
-            </a:endParaRPr>
           </a:p>
           <a:p>
             <a:pPr marL="285750" indent="-285750" algn="l">
@@ -3373,17 +2963,6 @@
               </a:rPr>
               <a:t>3</a:t>
             </a:r>
-            <a:endParaRPr lang="en-US" altLang="zh-CN" sz="1400" dirty="0">
-              <a:solidFill>
-                <a:schemeClr val="tx1">
-                  <a:lumMod val="85000"/>
-                  <a:lumOff val="15000"/>
-                </a:schemeClr>
-              </a:solidFill>
-              <a:uFillTx/>
-              <a:latin typeface="微软雅黑" panose="020B0503020204020204" charset="-122"/>
-              <a:ea typeface="微软雅黑" panose="020B0503020204020204" charset="-122"/>
-            </a:endParaRPr>
           </a:p>
         </p:txBody>
       </p:sp>
@@ -3393,7 +2972,7 @@
           <p:cNvSpPr/>
           <p:nvPr>
             <p:custDataLst>
-              <p:tags r:id="rId5"/>
+              <p:tags r:id="rId6"/>
             </p:custDataLst>
           </p:nvPr>
         </p:nvSpPr>
@@ -3433,6 +3012,7 @@
         </p:style>
         <p:txBody>
           <a:bodyPr rtlCol="0" anchor="ctr"/>
+          <a:lstStyle/>
           <a:p>
             <a:pPr algn="ctr"/>
             <a:endParaRPr lang="zh-CN" altLang="en-US"/>
@@ -3445,7 +3025,7 @@
           <p:cNvSpPr txBox="1"/>
           <p:nvPr>
             <p:custDataLst>
-              <p:tags r:id="rId6"/>
+              <p:tags r:id="rId7"/>
             </p:custDataLst>
           </p:nvPr>
         </p:nvSpPr>
@@ -3463,6 +3043,7 @@
           <a:bodyPr wrap="square" rtlCol="0">
             <a:spAutoFit/>
           </a:bodyPr>
+          <a:lstStyle/>
           <a:p>
             <a:pPr algn="ctr"/>
             <a:r>
@@ -3485,13 +3066,6 @@
               </a:rPr>
               <a:t>2</a:t>
             </a:r>
-            <a:endParaRPr lang="en-US" altLang="zh-CN" sz="2000" b="1" dirty="0">
-              <a:solidFill>
-                <a:schemeClr val="accent1"/>
-              </a:solidFill>
-              <a:latin typeface="+mj-ea"/>
-              <a:ea typeface="+mj-ea"/>
-            </a:endParaRPr>
           </a:p>
         </p:txBody>
       </p:sp>
@@ -3501,7 +3075,7 @@
           <p:cNvSpPr/>
           <p:nvPr>
             <p:custDataLst>
-              <p:tags r:id="rId7"/>
+              <p:tags r:id="rId8"/>
             </p:custDataLst>
           </p:nvPr>
         </p:nvSpPr>
@@ -3518,6 +3092,7 @@
           <a:bodyPr wrap="square">
             <a:spAutoFit/>
           </a:bodyPr>
+          <a:lstStyle/>
           <a:p>
             <a:pPr marL="285750" indent="-285750" algn="l">
               <a:lnSpc>
@@ -3563,17 +3138,6 @@
               </a:rPr>
               <a:t>x</a:t>
             </a:r>
-            <a:endParaRPr lang="en-US" altLang="zh-CN" sz="1400" dirty="0">
-              <a:solidFill>
-                <a:schemeClr val="tx1">
-                  <a:lumMod val="85000"/>
-                  <a:lumOff val="15000"/>
-                </a:schemeClr>
-              </a:solidFill>
-              <a:uFillTx/>
-              <a:latin typeface="微软雅黑" panose="020B0503020204020204" charset="-122"/>
-              <a:ea typeface="微软雅黑" panose="020B0503020204020204" charset="-122"/>
-            </a:endParaRPr>
           </a:p>
           <a:p>
             <a:pPr marL="285750" indent="-285750" algn="l">
@@ -3620,17 +3184,6 @@
               </a:rPr>
               <a:t>y</a:t>
             </a:r>
-            <a:endParaRPr lang="en-US" altLang="zh-CN" sz="1400" dirty="0">
-              <a:solidFill>
-                <a:schemeClr val="tx1">
-                  <a:lumMod val="85000"/>
-                  <a:lumOff val="15000"/>
-                </a:schemeClr>
-              </a:solidFill>
-              <a:uFillTx/>
-              <a:latin typeface="微软雅黑" panose="020B0503020204020204" charset="-122"/>
-              <a:ea typeface="微软雅黑" panose="020B0503020204020204" charset="-122"/>
-            </a:endParaRPr>
           </a:p>
         </p:txBody>
       </p:sp>
@@ -3640,7 +3193,7 @@
           <p:cNvSpPr/>
           <p:nvPr>
             <p:custDataLst>
-              <p:tags r:id="rId8"/>
+              <p:tags r:id="rId9"/>
             </p:custDataLst>
           </p:nvPr>
         </p:nvSpPr>
@@ -3680,6 +3233,7 @@
         </p:style>
         <p:txBody>
           <a:bodyPr rtlCol="0" anchor="ctr"/>
+          <a:lstStyle/>
           <a:p>
             <a:pPr algn="ctr"/>
             <a:endParaRPr lang="zh-CN" altLang="en-US"/>
@@ -3692,7 +3246,7 @@
           <p:cNvSpPr txBox="1"/>
           <p:nvPr>
             <p:custDataLst>
-              <p:tags r:id="rId9"/>
+              <p:tags r:id="rId10"/>
             </p:custDataLst>
           </p:nvPr>
         </p:nvSpPr>
@@ -3710,6 +3264,7 @@
           <a:bodyPr wrap="square" rtlCol="0">
             <a:spAutoFit/>
           </a:bodyPr>
+          <a:lstStyle/>
           <a:p>
             <a:pPr algn="ctr"/>
             <a:r>
@@ -3732,13 +3287,6 @@
               </a:rPr>
               <a:t>3</a:t>
             </a:r>
-            <a:endParaRPr lang="en-US" altLang="zh-CN" sz="2000" b="1" dirty="0">
-              <a:solidFill>
-                <a:schemeClr val="accent1"/>
-              </a:solidFill>
-              <a:latin typeface="+mj-ea"/>
-              <a:ea typeface="+mj-ea"/>
-            </a:endParaRPr>
           </a:p>
         </p:txBody>
       </p:sp>
@@ -3748,7 +3296,7 @@
           <p:cNvSpPr/>
           <p:nvPr>
             <p:custDataLst>
-              <p:tags r:id="rId10"/>
+              <p:tags r:id="rId11"/>
             </p:custDataLst>
           </p:nvPr>
         </p:nvSpPr>
@@ -3765,6 +3313,7 @@
           <a:bodyPr wrap="square">
             <a:spAutoFit/>
           </a:bodyPr>
+          <a:lstStyle/>
           <a:p>
             <a:pPr marL="285750" indent="-285750" algn="l">
               <a:lnSpc>
@@ -3810,17 +3359,6 @@
               </a:rPr>
               <a:t>m</a:t>
             </a:r>
-            <a:endParaRPr lang="en-US" altLang="zh-CN" sz="1400" dirty="0">
-              <a:solidFill>
-                <a:schemeClr val="tx1">
-                  <a:lumMod val="85000"/>
-                  <a:lumOff val="15000"/>
-                </a:schemeClr>
-              </a:solidFill>
-              <a:uFillTx/>
-              <a:latin typeface="微软雅黑" panose="020B0503020204020204" charset="-122"/>
-              <a:ea typeface="微软雅黑" panose="020B0503020204020204" charset="-122"/>
-            </a:endParaRPr>
           </a:p>
           <a:p>
             <a:pPr marL="285750" indent="-285750" algn="l">
@@ -3867,17 +3405,6 @@
               </a:rPr>
               <a:t>n</a:t>
             </a:r>
-            <a:endParaRPr lang="en-US" altLang="zh-CN" sz="1400" dirty="0">
-              <a:solidFill>
-                <a:schemeClr val="tx1">
-                  <a:lumMod val="85000"/>
-                  <a:lumOff val="15000"/>
-                </a:schemeClr>
-              </a:solidFill>
-              <a:uFillTx/>
-              <a:latin typeface="微软雅黑" panose="020B0503020204020204" charset="-122"/>
-              <a:ea typeface="微软雅黑" panose="020B0503020204020204" charset="-122"/>
-            </a:endParaRPr>
           </a:p>
         </p:txBody>
       </p:sp>
@@ -3887,7 +3414,7 @@
           <p:cNvCxnSpPr/>
           <p:nvPr>
             <p:custDataLst>
-              <p:tags r:id="rId11"/>
+              <p:tags r:id="rId12"/>
             </p:custDataLst>
           </p:nvPr>
         </p:nvCxnSpPr>
@@ -3926,7 +3453,7 @@
           <p:cNvCxnSpPr/>
           <p:nvPr>
             <p:custDataLst>
-              <p:tags r:id="rId12"/>
+              <p:tags r:id="rId13"/>
             </p:custDataLst>
           </p:nvPr>
         </p:nvCxnSpPr>
@@ -3965,7 +3492,7 @@
           <p:cNvCxnSpPr/>
           <p:nvPr>
             <p:custDataLst>
-              <p:tags r:id="rId13"/>
+              <p:tags r:id="rId14"/>
             </p:custDataLst>
           </p:nvPr>
         </p:nvCxnSpPr>
@@ -4004,7 +3531,7 @@
           <p:cNvSpPr txBox="1"/>
           <p:nvPr>
             <p:custDataLst>
-              <p:tags r:id="rId14"/>
+              <p:tags r:id="rId15"/>
             </p:custDataLst>
           </p:nvPr>
         </p:nvSpPr>
@@ -4022,6 +3549,7 @@
           <a:bodyPr wrap="square" rtlCol="0">
             <a:spAutoFit/>
           </a:bodyPr>
+          <a:lstStyle/>
           <a:p>
             <a:r>
               <a:rPr lang="zh-CN" altLang="en-US" sz="2000" dirty="0">
@@ -4029,21 +3557,8 @@
                 <a:ea typeface="OPPOSans B" panose="00020600040101010101" pitchFamily="18" charset="-122"/>
                 <a:cs typeface="OPPOSans B" panose="00020600040101010101" pitchFamily="18" charset="-122"/>
               </a:rPr>
-              <a:t>二级</a:t>
+              <a:t>二级标题</a:t>
             </a:r>
-            <a:r>
-              <a:rPr lang="zh-CN" altLang="en-US" sz="2000" dirty="0">
-                <a:latin typeface="OPPOSans B" panose="00020600040101010101" pitchFamily="18" charset="-122"/>
-                <a:ea typeface="OPPOSans B" panose="00020600040101010101" pitchFamily="18" charset="-122"/>
-                <a:cs typeface="OPPOSans B" panose="00020600040101010101" pitchFamily="18" charset="-122"/>
-              </a:rPr>
-              <a:t>标题</a:t>
-            </a:r>
-            <a:endParaRPr lang="zh-CN" altLang="en-US" sz="2000" dirty="0">
-              <a:latin typeface="OPPOSans B" panose="00020600040101010101" pitchFamily="18" charset="-122"/>
-              <a:ea typeface="OPPOSans B" panose="00020600040101010101" pitchFamily="18" charset="-122"/>
-              <a:cs typeface="OPPOSans B" panose="00020600040101010101" pitchFamily="18" charset="-122"/>
-            </a:endParaRPr>
           </a:p>
         </p:txBody>
       </p:sp>
@@ -4052,13 +3567,13 @@
   <p:clrMapOvr>
     <a:masterClrMapping/>
   </p:clrMapOvr>
-  <mc:AlternateContent xmlns:mc="http://schemas.openxmlformats.org/markup-compatibility/2006">
-    <mc:Choice xmlns:p14="http://schemas.microsoft.com/office/powerpoint/2010/main" Requires="p14">
+  <mc:AlternateContent xmlns:mc="http://schemas.openxmlformats.org/markup-compatibility/2006" xmlns:p14="http://schemas.microsoft.com/office/powerpoint/2010/main">
+    <mc:Choice Requires="p14">
       <p:transition spd="med" p14:dur="700">
         <p:fade/>
       </p:transition>
     </mc:Choice>
-    <mc:Fallback>
+    <mc:Fallback xmlns="">
       <p:transition spd="med">
         <p:fade/>
       </p:transition>
@@ -4090,7 +3605,7 @@
           <p:cNvCxnSpPr/>
           <p:nvPr>
             <p:custDataLst>
-              <p:tags r:id="rId1"/>
+              <p:tags r:id="rId2"/>
             </p:custDataLst>
           </p:nvPr>
         </p:nvCxnSpPr>
@@ -4129,7 +3644,7 @@
           <p:cNvSpPr txBox="1"/>
           <p:nvPr>
             <p:custDataLst>
-              <p:tags r:id="rId2"/>
+              <p:tags r:id="rId3"/>
             </p:custDataLst>
           </p:nvPr>
         </p:nvSpPr>
@@ -4147,6 +3662,7 @@
           <a:bodyPr wrap="square" rtlCol="0">
             <a:spAutoFit/>
           </a:bodyPr>
+          <a:lstStyle/>
           <a:p>
             <a:r>
               <a:rPr lang="zh-CN" altLang="en-US" sz="2000" dirty="0">
@@ -4154,21 +3670,8 @@
                 <a:ea typeface="OPPOSans B" panose="00020600040101010101" pitchFamily="18" charset="-122"/>
                 <a:cs typeface="OPPOSans B" panose="00020600040101010101" pitchFamily="18" charset="-122"/>
               </a:rPr>
-              <a:t>二级</a:t>
+              <a:t>二级标题</a:t>
             </a:r>
-            <a:r>
-              <a:rPr lang="zh-CN" altLang="en-US" sz="2000" dirty="0">
-                <a:latin typeface="OPPOSans B" panose="00020600040101010101" pitchFamily="18" charset="-122"/>
-                <a:ea typeface="OPPOSans B" panose="00020600040101010101" pitchFamily="18" charset="-122"/>
-                <a:cs typeface="OPPOSans B" panose="00020600040101010101" pitchFamily="18" charset="-122"/>
-              </a:rPr>
-              <a:t>标题</a:t>
-            </a:r>
-            <a:endParaRPr lang="zh-CN" altLang="en-US" sz="2000" dirty="0">
-              <a:latin typeface="OPPOSans B" panose="00020600040101010101" pitchFamily="18" charset="-122"/>
-              <a:ea typeface="OPPOSans B" panose="00020600040101010101" pitchFamily="18" charset="-122"/>
-              <a:cs typeface="OPPOSans B" panose="00020600040101010101" pitchFamily="18" charset="-122"/>
-            </a:endParaRPr>
           </a:p>
         </p:txBody>
       </p:sp>
@@ -4178,7 +3681,7 @@
           <p:cNvCxnSpPr/>
           <p:nvPr>
             <p:custDataLst>
-              <p:tags r:id="rId3"/>
+              <p:tags r:id="rId4"/>
             </p:custDataLst>
           </p:nvPr>
         </p:nvCxnSpPr>
@@ -4212,7 +3715,7 @@
           <p:cNvSpPr/>
           <p:nvPr>
             <p:custDataLst>
-              <p:tags r:id="rId4"/>
+              <p:tags r:id="rId5"/>
             </p:custDataLst>
           </p:nvPr>
         </p:nvSpPr>
@@ -4257,6 +3760,7 @@
         </p:style>
         <p:txBody>
           <a:bodyPr rtlCol="0" anchor="ctr"/>
+          <a:lstStyle/>
           <a:p>
             <a:pPr algn="ctr"/>
             <a:endParaRPr lang="zh-CN" altLang="en-US"/>
@@ -4269,7 +3773,7 @@
           <p:cNvSpPr txBox="1"/>
           <p:nvPr>
             <p:custDataLst>
-              <p:tags r:id="rId5"/>
+              <p:tags r:id="rId6"/>
             </p:custDataLst>
           </p:nvPr>
         </p:nvSpPr>
@@ -4287,6 +3791,7 @@
           <a:bodyPr wrap="square" rtlCol="0">
             <a:spAutoFit/>
           </a:bodyPr>
+          <a:lstStyle/>
           <a:p>
             <a:r>
               <a:rPr lang="zh-CN" altLang="en-US" sz="2000" b="1" dirty="0">
@@ -4308,13 +3813,6 @@
               </a:rPr>
               <a:t>1</a:t>
             </a:r>
-            <a:endParaRPr lang="en-US" altLang="zh-CN" sz="2000" b="1" dirty="0">
-              <a:solidFill>
-                <a:schemeClr val="accent1"/>
-              </a:solidFill>
-              <a:latin typeface="+mj-ea"/>
-              <a:ea typeface="+mj-ea"/>
-            </a:endParaRPr>
           </a:p>
         </p:txBody>
       </p:sp>
@@ -4324,7 +3822,7 @@
           <p:cNvSpPr/>
           <p:nvPr>
             <p:custDataLst>
-              <p:tags r:id="rId6"/>
+              <p:tags r:id="rId7"/>
             </p:custDataLst>
           </p:nvPr>
         </p:nvSpPr>
@@ -4341,6 +3839,7 @@
           <a:bodyPr wrap="square">
             <a:spAutoFit/>
           </a:bodyPr>
+          <a:lstStyle/>
           <a:p>
             <a:pPr marL="285750" indent="-285750">
               <a:lnSpc>
@@ -4386,17 +3885,6 @@
               </a:rPr>
               <a:t>1</a:t>
             </a:r>
-            <a:endParaRPr lang="en-US" altLang="zh-CN" sz="1400" dirty="0">
-              <a:solidFill>
-                <a:schemeClr val="tx1">
-                  <a:lumMod val="85000"/>
-                  <a:lumOff val="15000"/>
-                </a:schemeClr>
-              </a:solidFill>
-              <a:uFillTx/>
-              <a:latin typeface="微软雅黑" panose="020B0503020204020204" charset="-122"/>
-              <a:ea typeface="微软雅黑" panose="020B0503020204020204" charset="-122"/>
-            </a:endParaRPr>
           </a:p>
         </p:txBody>
       </p:sp>
@@ -4406,7 +3894,7 @@
           <p:cNvSpPr/>
           <p:nvPr>
             <p:custDataLst>
-              <p:tags r:id="rId7"/>
+              <p:tags r:id="rId8"/>
             </p:custDataLst>
           </p:nvPr>
         </p:nvSpPr>
@@ -4451,6 +3939,7 @@
         </p:style>
         <p:txBody>
           <a:bodyPr rtlCol="0" anchor="ctr"/>
+          <a:lstStyle/>
           <a:p>
             <a:pPr algn="ctr"/>
             <a:endParaRPr lang="zh-CN" altLang="en-US"/>
@@ -4463,7 +3952,7 @@
           <p:cNvSpPr txBox="1"/>
           <p:nvPr>
             <p:custDataLst>
-              <p:tags r:id="rId8"/>
+              <p:tags r:id="rId9"/>
             </p:custDataLst>
           </p:nvPr>
         </p:nvSpPr>
@@ -4481,6 +3970,7 @@
           <a:bodyPr wrap="square" rtlCol="0">
             <a:spAutoFit/>
           </a:bodyPr>
+          <a:lstStyle/>
           <a:p>
             <a:r>
               <a:rPr lang="zh-CN" altLang="en-US" sz="2000" b="1" dirty="0">
@@ -4502,13 +3992,6 @@
               </a:rPr>
               <a:t>2</a:t>
             </a:r>
-            <a:endParaRPr lang="en-US" altLang="zh-CN" sz="2000" b="1" dirty="0">
-              <a:solidFill>
-                <a:schemeClr val="accent1"/>
-              </a:solidFill>
-              <a:latin typeface="+mj-ea"/>
-              <a:ea typeface="+mj-ea"/>
-            </a:endParaRPr>
           </a:p>
         </p:txBody>
       </p:sp>
@@ -4518,7 +4001,7 @@
           <p:cNvSpPr/>
           <p:nvPr>
             <p:custDataLst>
-              <p:tags r:id="rId9"/>
+              <p:tags r:id="rId10"/>
             </p:custDataLst>
           </p:nvPr>
         </p:nvSpPr>
@@ -4535,6 +4018,7 @@
           <a:bodyPr wrap="square">
             <a:spAutoFit/>
           </a:bodyPr>
+          <a:lstStyle/>
           <a:p>
             <a:pPr marL="285750" indent="-285750">
               <a:lnSpc>
@@ -4580,17 +4064,6 @@
               </a:rPr>
               <a:t>2</a:t>
             </a:r>
-            <a:endParaRPr lang="en-US" altLang="zh-CN" sz="1400" dirty="0">
-              <a:solidFill>
-                <a:schemeClr val="tx1">
-                  <a:lumMod val="85000"/>
-                  <a:lumOff val="15000"/>
-                </a:schemeClr>
-              </a:solidFill>
-              <a:uFillTx/>
-              <a:latin typeface="微软雅黑" panose="020B0503020204020204" charset="-122"/>
-              <a:ea typeface="微软雅黑" panose="020B0503020204020204" charset="-122"/>
-            </a:endParaRPr>
           </a:p>
         </p:txBody>
       </p:sp>
@@ -4600,7 +4073,7 @@
           <p:cNvSpPr/>
           <p:nvPr>
             <p:custDataLst>
-              <p:tags r:id="rId10"/>
+              <p:tags r:id="rId11"/>
             </p:custDataLst>
           </p:nvPr>
         </p:nvSpPr>
@@ -4645,6 +4118,7 @@
         </p:style>
         <p:txBody>
           <a:bodyPr rtlCol="0" anchor="ctr"/>
+          <a:lstStyle/>
           <a:p>
             <a:pPr algn="ctr"/>
             <a:endParaRPr lang="zh-CN" altLang="en-US"/>
@@ -4657,7 +4131,7 @@
           <p:cNvSpPr txBox="1"/>
           <p:nvPr>
             <p:custDataLst>
-              <p:tags r:id="rId11"/>
+              <p:tags r:id="rId12"/>
             </p:custDataLst>
           </p:nvPr>
         </p:nvSpPr>
@@ -4675,6 +4149,7 @@
           <a:bodyPr wrap="square" rtlCol="0">
             <a:spAutoFit/>
           </a:bodyPr>
+          <a:lstStyle/>
           <a:p>
             <a:r>
               <a:rPr lang="zh-CN" altLang="en-US" sz="2000" b="1" dirty="0">
@@ -4696,13 +4171,6 @@
               </a:rPr>
               <a:t>3</a:t>
             </a:r>
-            <a:endParaRPr lang="en-US" altLang="zh-CN" sz="2000" b="1" dirty="0">
-              <a:solidFill>
-                <a:schemeClr val="accent1"/>
-              </a:solidFill>
-              <a:latin typeface="+mj-ea"/>
-              <a:ea typeface="+mj-ea"/>
-            </a:endParaRPr>
           </a:p>
         </p:txBody>
       </p:sp>
@@ -4712,7 +4180,7 @@
           <p:cNvSpPr/>
           <p:nvPr>
             <p:custDataLst>
-              <p:tags r:id="rId12"/>
+              <p:tags r:id="rId13"/>
             </p:custDataLst>
           </p:nvPr>
         </p:nvSpPr>
@@ -4729,6 +4197,7 @@
           <a:bodyPr wrap="square">
             <a:spAutoFit/>
           </a:bodyPr>
+          <a:lstStyle/>
           <a:p>
             <a:pPr marL="285750" indent="-285750">
               <a:lnSpc>
@@ -4774,17 +4243,6 @@
               </a:rPr>
               <a:t>3</a:t>
             </a:r>
-            <a:endParaRPr lang="en-US" altLang="zh-CN" sz="1400" dirty="0">
-              <a:solidFill>
-                <a:schemeClr val="tx1">
-                  <a:lumMod val="85000"/>
-                  <a:lumOff val="15000"/>
-                </a:schemeClr>
-              </a:solidFill>
-              <a:uFillTx/>
-              <a:latin typeface="微软雅黑" panose="020B0503020204020204" charset="-122"/>
-              <a:ea typeface="微软雅黑" panose="020B0503020204020204" charset="-122"/>
-            </a:endParaRPr>
           </a:p>
         </p:txBody>
       </p:sp>
@@ -4794,7 +4252,7 @@
           <p:cNvSpPr/>
           <p:nvPr>
             <p:custDataLst>
-              <p:tags r:id="rId13"/>
+              <p:tags r:id="rId14"/>
             </p:custDataLst>
           </p:nvPr>
         </p:nvSpPr>
@@ -4839,6 +4297,7 @@
         </p:style>
         <p:txBody>
           <a:bodyPr rtlCol="0" anchor="ctr"/>
+          <a:lstStyle/>
           <a:p>
             <a:pPr algn="ctr"/>
             <a:endParaRPr lang="zh-CN" altLang="en-US"/>
@@ -4851,7 +4310,7 @@
           <p:cNvSpPr txBox="1"/>
           <p:nvPr>
             <p:custDataLst>
-              <p:tags r:id="rId14"/>
+              <p:tags r:id="rId15"/>
             </p:custDataLst>
           </p:nvPr>
         </p:nvSpPr>
@@ -4869,6 +4328,7 @@
           <a:bodyPr wrap="square" rtlCol="0">
             <a:spAutoFit/>
           </a:bodyPr>
+          <a:lstStyle/>
           <a:p>
             <a:r>
               <a:rPr lang="zh-CN" altLang="en-US" sz="2000" b="1" dirty="0">
@@ -4890,13 +4350,6 @@
               </a:rPr>
               <a:t>4</a:t>
             </a:r>
-            <a:endParaRPr lang="en-US" altLang="zh-CN" sz="2000" b="1" dirty="0">
-              <a:solidFill>
-                <a:schemeClr val="accent1"/>
-              </a:solidFill>
-              <a:latin typeface="+mj-ea"/>
-              <a:ea typeface="+mj-ea"/>
-            </a:endParaRPr>
           </a:p>
         </p:txBody>
       </p:sp>
@@ -4906,7 +4359,7 @@
           <p:cNvSpPr/>
           <p:nvPr>
             <p:custDataLst>
-              <p:tags r:id="rId15"/>
+              <p:tags r:id="rId16"/>
             </p:custDataLst>
           </p:nvPr>
         </p:nvSpPr>
@@ -4923,6 +4376,7 @@
           <a:bodyPr wrap="square">
             <a:spAutoFit/>
           </a:bodyPr>
+          <a:lstStyle/>
           <a:p>
             <a:pPr marL="285750" indent="-285750">
               <a:lnSpc>
@@ -4968,17 +4422,6 @@
               </a:rPr>
               <a:t>4</a:t>
             </a:r>
-            <a:endParaRPr lang="en-US" altLang="zh-CN" sz="1400" dirty="0">
-              <a:solidFill>
-                <a:schemeClr val="tx1">
-                  <a:lumMod val="85000"/>
-                  <a:lumOff val="15000"/>
-                </a:schemeClr>
-              </a:solidFill>
-              <a:uFillTx/>
-              <a:latin typeface="微软雅黑" panose="020B0503020204020204" charset="-122"/>
-              <a:ea typeface="微软雅黑" panose="020B0503020204020204" charset="-122"/>
-            </a:endParaRPr>
           </a:p>
         </p:txBody>
       </p:sp>
@@ -4987,13 +4430,13 @@
   <p:clrMapOvr>
     <a:masterClrMapping/>
   </p:clrMapOvr>
-  <mc:AlternateContent xmlns:mc="http://schemas.openxmlformats.org/markup-compatibility/2006">
-    <mc:Choice xmlns:p14="http://schemas.microsoft.com/office/powerpoint/2010/main" Requires="p14">
+  <mc:AlternateContent xmlns:mc="http://schemas.openxmlformats.org/markup-compatibility/2006" xmlns:p14="http://schemas.microsoft.com/office/powerpoint/2010/main">
+    <mc:Choice Requires="p14">
       <p:transition spd="med" p14:dur="700">
         <p:fade/>
       </p:transition>
     </mc:Choice>
-    <mc:Fallback>
+    <mc:Fallback xmlns="">
       <p:transition spd="med">
         <p:fade/>
       </p:transition>
@@ -5025,7 +4468,7 @@
           <p:cNvCxnSpPr/>
           <p:nvPr>
             <p:custDataLst>
-              <p:tags r:id="rId1"/>
+              <p:tags r:id="rId2"/>
             </p:custDataLst>
           </p:nvPr>
         </p:nvCxnSpPr>
@@ -5064,7 +4507,7 @@
           <p:cNvSpPr txBox="1"/>
           <p:nvPr>
             <p:custDataLst>
-              <p:tags r:id="rId2"/>
+              <p:tags r:id="rId3"/>
             </p:custDataLst>
           </p:nvPr>
         </p:nvSpPr>
@@ -5082,6 +4525,7 @@
           <a:bodyPr wrap="square" rtlCol="0">
             <a:spAutoFit/>
           </a:bodyPr>
+          <a:lstStyle/>
           <a:p>
             <a:r>
               <a:rPr lang="zh-CN" altLang="en-US" sz="2000" dirty="0">
@@ -5089,21 +4533,8 @@
                 <a:ea typeface="OPPOSans B" panose="00020600040101010101" pitchFamily="18" charset="-122"/>
                 <a:cs typeface="OPPOSans B" panose="00020600040101010101" pitchFamily="18" charset="-122"/>
               </a:rPr>
-              <a:t>二级</a:t>
+              <a:t>二级标题</a:t>
             </a:r>
-            <a:r>
-              <a:rPr lang="zh-CN" altLang="en-US" sz="2000" dirty="0">
-                <a:latin typeface="OPPOSans B" panose="00020600040101010101" pitchFamily="18" charset="-122"/>
-                <a:ea typeface="OPPOSans B" panose="00020600040101010101" pitchFamily="18" charset="-122"/>
-                <a:cs typeface="OPPOSans B" panose="00020600040101010101" pitchFamily="18" charset="-122"/>
-              </a:rPr>
-              <a:t>标题</a:t>
-            </a:r>
-            <a:endParaRPr lang="zh-CN" altLang="en-US" sz="2000" dirty="0">
-              <a:latin typeface="OPPOSans B" panose="00020600040101010101" pitchFamily="18" charset="-122"/>
-              <a:ea typeface="OPPOSans B" panose="00020600040101010101" pitchFamily="18" charset="-122"/>
-              <a:cs typeface="OPPOSans B" panose="00020600040101010101" pitchFamily="18" charset="-122"/>
-            </a:endParaRPr>
           </a:p>
         </p:txBody>
       </p:sp>
@@ -5113,7 +4544,7 @@
           <p:cNvCxnSpPr/>
           <p:nvPr>
             <p:custDataLst>
-              <p:tags r:id="rId3"/>
+              <p:tags r:id="rId4"/>
             </p:custDataLst>
           </p:nvPr>
         </p:nvCxnSpPr>
@@ -5147,7 +4578,7 @@
           <p:cNvSpPr/>
           <p:nvPr>
             <p:custDataLst>
-              <p:tags r:id="rId4"/>
+              <p:tags r:id="rId5"/>
             </p:custDataLst>
           </p:nvPr>
         </p:nvSpPr>
@@ -5192,6 +4623,7 @@
         </p:style>
         <p:txBody>
           <a:bodyPr rtlCol="0" anchor="ctr"/>
+          <a:lstStyle/>
           <a:p>
             <a:pPr algn="ctr"/>
             <a:endParaRPr lang="zh-CN" altLang="en-US"/>
@@ -5204,7 +4636,7 @@
           <p:cNvSpPr txBox="1"/>
           <p:nvPr>
             <p:custDataLst>
-              <p:tags r:id="rId5"/>
+              <p:tags r:id="rId6"/>
             </p:custDataLst>
           </p:nvPr>
         </p:nvSpPr>
@@ -5222,6 +4654,7 @@
           <a:bodyPr wrap="square" rtlCol="0">
             <a:spAutoFit/>
           </a:bodyPr>
+          <a:lstStyle/>
           <a:p>
             <a:r>
               <a:rPr lang="zh-CN" altLang="en-US" sz="2000" b="1" dirty="0">
@@ -5243,13 +4676,6 @@
               </a:rPr>
               <a:t>1</a:t>
             </a:r>
-            <a:endParaRPr lang="en-US" altLang="zh-CN" sz="2000" b="1" dirty="0">
-              <a:solidFill>
-                <a:schemeClr val="accent1"/>
-              </a:solidFill>
-              <a:latin typeface="+mj-ea"/>
-              <a:ea typeface="+mj-ea"/>
-            </a:endParaRPr>
           </a:p>
         </p:txBody>
       </p:sp>
@@ -5259,7 +4685,7 @@
           <p:cNvSpPr/>
           <p:nvPr>
             <p:custDataLst>
-              <p:tags r:id="rId6"/>
+              <p:tags r:id="rId7"/>
             </p:custDataLst>
           </p:nvPr>
         </p:nvSpPr>
@@ -5276,6 +4702,7 @@
           <a:bodyPr wrap="square">
             <a:spAutoFit/>
           </a:bodyPr>
+          <a:lstStyle/>
           <a:p>
             <a:pPr marL="285750" indent="-285750">
               <a:lnSpc>
@@ -5321,17 +4748,6 @@
               </a:rPr>
               <a:t>1</a:t>
             </a:r>
-            <a:endParaRPr lang="en-US" altLang="zh-CN" sz="1400" dirty="0">
-              <a:solidFill>
-                <a:schemeClr val="tx1">
-                  <a:lumMod val="85000"/>
-                  <a:lumOff val="15000"/>
-                </a:schemeClr>
-              </a:solidFill>
-              <a:uFillTx/>
-              <a:latin typeface="微软雅黑" panose="020B0503020204020204" charset="-122"/>
-              <a:ea typeface="微软雅黑" panose="020B0503020204020204" charset="-122"/>
-            </a:endParaRPr>
           </a:p>
         </p:txBody>
       </p:sp>
@@ -5341,7 +4757,7 @@
           <p:cNvSpPr/>
           <p:nvPr>
             <p:custDataLst>
-              <p:tags r:id="rId7"/>
+              <p:tags r:id="rId8"/>
             </p:custDataLst>
           </p:nvPr>
         </p:nvSpPr>
@@ -5386,6 +4802,7 @@
         </p:style>
         <p:txBody>
           <a:bodyPr rtlCol="0" anchor="ctr"/>
+          <a:lstStyle/>
           <a:p>
             <a:pPr algn="ctr"/>
             <a:endParaRPr lang="zh-CN" altLang="en-US"/>
@@ -5398,7 +4815,7 @@
           <p:cNvSpPr txBox="1"/>
           <p:nvPr>
             <p:custDataLst>
-              <p:tags r:id="rId8"/>
+              <p:tags r:id="rId9"/>
             </p:custDataLst>
           </p:nvPr>
         </p:nvSpPr>
@@ -5416,6 +4833,7 @@
           <a:bodyPr wrap="square" rtlCol="0">
             <a:spAutoFit/>
           </a:bodyPr>
+          <a:lstStyle/>
           <a:p>
             <a:r>
               <a:rPr lang="zh-CN" altLang="en-US" sz="2000" b="1" dirty="0">
@@ -5437,13 +4855,6 @@
               </a:rPr>
               <a:t>2</a:t>
             </a:r>
-            <a:endParaRPr lang="en-US" altLang="zh-CN" sz="2000" b="1" dirty="0">
-              <a:solidFill>
-                <a:schemeClr val="accent1"/>
-              </a:solidFill>
-              <a:latin typeface="+mj-ea"/>
-              <a:ea typeface="+mj-ea"/>
-            </a:endParaRPr>
           </a:p>
         </p:txBody>
       </p:sp>
@@ -5453,7 +4864,7 @@
           <p:cNvSpPr/>
           <p:nvPr>
             <p:custDataLst>
-              <p:tags r:id="rId9"/>
+              <p:tags r:id="rId10"/>
             </p:custDataLst>
           </p:nvPr>
         </p:nvSpPr>
@@ -5470,6 +4881,7 @@
           <a:bodyPr wrap="square">
             <a:spAutoFit/>
           </a:bodyPr>
+          <a:lstStyle/>
           <a:p>
             <a:pPr marL="285750" indent="-285750">
               <a:lnSpc>
@@ -5515,17 +4927,6 @@
               </a:rPr>
               <a:t>2</a:t>
             </a:r>
-            <a:endParaRPr lang="en-US" altLang="zh-CN" sz="1400" dirty="0">
-              <a:solidFill>
-                <a:schemeClr val="tx1">
-                  <a:lumMod val="85000"/>
-                  <a:lumOff val="15000"/>
-                </a:schemeClr>
-              </a:solidFill>
-              <a:uFillTx/>
-              <a:latin typeface="微软雅黑" panose="020B0503020204020204" charset="-122"/>
-              <a:ea typeface="微软雅黑" panose="020B0503020204020204" charset="-122"/>
-            </a:endParaRPr>
           </a:p>
         </p:txBody>
       </p:sp>
@@ -5535,7 +4936,7 @@
           <p:cNvSpPr/>
           <p:nvPr>
             <p:custDataLst>
-              <p:tags r:id="rId10"/>
+              <p:tags r:id="rId11"/>
             </p:custDataLst>
           </p:nvPr>
         </p:nvSpPr>
@@ -5580,6 +4981,7 @@
         </p:style>
         <p:txBody>
           <a:bodyPr rtlCol="0" anchor="ctr"/>
+          <a:lstStyle/>
           <a:p>
             <a:pPr algn="ctr"/>
             <a:endParaRPr lang="zh-CN" altLang="en-US"/>
@@ -5592,7 +4994,7 @@
           <p:cNvSpPr txBox="1"/>
           <p:nvPr>
             <p:custDataLst>
-              <p:tags r:id="rId11"/>
+              <p:tags r:id="rId12"/>
             </p:custDataLst>
           </p:nvPr>
         </p:nvSpPr>
@@ -5610,6 +5012,7 @@
           <a:bodyPr wrap="square" rtlCol="0">
             <a:spAutoFit/>
           </a:bodyPr>
+          <a:lstStyle/>
           <a:p>
             <a:r>
               <a:rPr lang="zh-CN" altLang="en-US" sz="2000" b="1" dirty="0">
@@ -5631,13 +5034,6 @@
               </a:rPr>
               <a:t>3</a:t>
             </a:r>
-            <a:endParaRPr lang="en-US" altLang="zh-CN" sz="2000" b="1" dirty="0">
-              <a:solidFill>
-                <a:schemeClr val="accent1"/>
-              </a:solidFill>
-              <a:latin typeface="+mj-ea"/>
-              <a:ea typeface="+mj-ea"/>
-            </a:endParaRPr>
           </a:p>
         </p:txBody>
       </p:sp>
@@ -5647,7 +5043,7 @@
           <p:cNvSpPr/>
           <p:nvPr>
             <p:custDataLst>
-              <p:tags r:id="rId12"/>
+              <p:tags r:id="rId13"/>
             </p:custDataLst>
           </p:nvPr>
         </p:nvSpPr>
@@ -5664,6 +5060,7 @@
           <a:bodyPr wrap="square">
             <a:spAutoFit/>
           </a:bodyPr>
+          <a:lstStyle/>
           <a:p>
             <a:pPr marL="285750" indent="-285750">
               <a:lnSpc>
@@ -5709,17 +5106,6 @@
               </a:rPr>
               <a:t>3</a:t>
             </a:r>
-            <a:endParaRPr lang="en-US" altLang="zh-CN" sz="1400" dirty="0">
-              <a:solidFill>
-                <a:schemeClr val="tx1">
-                  <a:lumMod val="85000"/>
-                  <a:lumOff val="15000"/>
-                </a:schemeClr>
-              </a:solidFill>
-              <a:uFillTx/>
-              <a:latin typeface="微软雅黑" panose="020B0503020204020204" charset="-122"/>
-              <a:ea typeface="微软雅黑" panose="020B0503020204020204" charset="-122"/>
-            </a:endParaRPr>
           </a:p>
         </p:txBody>
       </p:sp>
@@ -5729,7 +5115,7 @@
           <p:cNvSpPr/>
           <p:nvPr>
             <p:custDataLst>
-              <p:tags r:id="rId13"/>
+              <p:tags r:id="rId14"/>
             </p:custDataLst>
           </p:nvPr>
         </p:nvSpPr>
@@ -5774,6 +5160,7 @@
         </p:style>
         <p:txBody>
           <a:bodyPr rtlCol="0" anchor="ctr"/>
+          <a:lstStyle/>
           <a:p>
             <a:pPr algn="ctr"/>
             <a:endParaRPr lang="zh-CN" altLang="en-US"/>
@@ -5786,7 +5173,7 @@
           <p:cNvSpPr txBox="1"/>
           <p:nvPr>
             <p:custDataLst>
-              <p:tags r:id="rId14"/>
+              <p:tags r:id="rId15"/>
             </p:custDataLst>
           </p:nvPr>
         </p:nvSpPr>
@@ -5804,6 +5191,7 @@
           <a:bodyPr wrap="square" rtlCol="0">
             <a:spAutoFit/>
           </a:bodyPr>
+          <a:lstStyle/>
           <a:p>
             <a:r>
               <a:rPr lang="zh-CN" altLang="en-US" sz="2000" b="1" dirty="0">
@@ -5825,13 +5213,6 @@
               </a:rPr>
               <a:t>4</a:t>
             </a:r>
-            <a:endParaRPr lang="en-US" altLang="zh-CN" sz="2000" b="1" dirty="0">
-              <a:solidFill>
-                <a:schemeClr val="accent1"/>
-              </a:solidFill>
-              <a:latin typeface="+mj-ea"/>
-              <a:ea typeface="+mj-ea"/>
-            </a:endParaRPr>
           </a:p>
         </p:txBody>
       </p:sp>
@@ -5841,7 +5222,7 @@
           <p:cNvSpPr/>
           <p:nvPr>
             <p:custDataLst>
-              <p:tags r:id="rId15"/>
+              <p:tags r:id="rId16"/>
             </p:custDataLst>
           </p:nvPr>
         </p:nvSpPr>
@@ -5858,6 +5239,7 @@
           <a:bodyPr wrap="square">
             <a:spAutoFit/>
           </a:bodyPr>
+          <a:lstStyle/>
           <a:p>
             <a:pPr marL="285750" indent="-285750">
               <a:lnSpc>
@@ -5903,17 +5285,6 @@
               </a:rPr>
               <a:t>4</a:t>
             </a:r>
-            <a:endParaRPr lang="en-US" altLang="zh-CN" sz="1400" dirty="0">
-              <a:solidFill>
-                <a:schemeClr val="tx1">
-                  <a:lumMod val="85000"/>
-                  <a:lumOff val="15000"/>
-                </a:schemeClr>
-              </a:solidFill>
-              <a:uFillTx/>
-              <a:latin typeface="微软雅黑" panose="020B0503020204020204" charset="-122"/>
-              <a:ea typeface="微软雅黑" panose="020B0503020204020204" charset="-122"/>
-            </a:endParaRPr>
           </a:p>
         </p:txBody>
       </p:sp>
@@ -5923,7 +5294,7 @@
           <p:cNvSpPr/>
           <p:nvPr>
             <p:custDataLst>
-              <p:tags r:id="rId16"/>
+              <p:tags r:id="rId17"/>
             </p:custDataLst>
           </p:nvPr>
         </p:nvSpPr>
@@ -5968,6 +5339,7 @@
         </p:style>
         <p:txBody>
           <a:bodyPr rtlCol="0" anchor="ctr"/>
+          <a:lstStyle/>
           <a:p>
             <a:pPr algn="ctr"/>
             <a:endParaRPr lang="zh-CN" altLang="en-US"/>
@@ -5980,7 +5352,7 @@
           <p:cNvSpPr txBox="1"/>
           <p:nvPr>
             <p:custDataLst>
-              <p:tags r:id="rId17"/>
+              <p:tags r:id="rId18"/>
             </p:custDataLst>
           </p:nvPr>
         </p:nvSpPr>
@@ -5998,6 +5370,7 @@
           <a:bodyPr wrap="square" rtlCol="0">
             <a:spAutoFit/>
           </a:bodyPr>
+          <a:lstStyle/>
           <a:p>
             <a:r>
               <a:rPr lang="zh-CN" altLang="en-US" sz="2000" b="1" dirty="0">
@@ -6019,13 +5392,6 @@
               </a:rPr>
               <a:t>5</a:t>
             </a:r>
-            <a:endParaRPr lang="en-US" altLang="zh-CN" sz="2000" b="1" dirty="0">
-              <a:solidFill>
-                <a:schemeClr val="accent1"/>
-              </a:solidFill>
-              <a:latin typeface="+mj-ea"/>
-              <a:ea typeface="+mj-ea"/>
-            </a:endParaRPr>
           </a:p>
         </p:txBody>
       </p:sp>
@@ -6035,7 +5401,7 @@
           <p:cNvSpPr/>
           <p:nvPr>
             <p:custDataLst>
-              <p:tags r:id="rId18"/>
+              <p:tags r:id="rId19"/>
             </p:custDataLst>
           </p:nvPr>
         </p:nvSpPr>
@@ -6052,6 +5418,7 @@
           <a:bodyPr wrap="square">
             <a:spAutoFit/>
           </a:bodyPr>
+          <a:lstStyle/>
           <a:p>
             <a:pPr marL="285750" indent="-285750">
               <a:lnSpc>
@@ -6097,17 +5464,6 @@
               </a:rPr>
               <a:t>5</a:t>
             </a:r>
-            <a:endParaRPr lang="en-US" altLang="zh-CN" sz="1400" dirty="0">
-              <a:solidFill>
-                <a:schemeClr val="tx1">
-                  <a:lumMod val="85000"/>
-                  <a:lumOff val="15000"/>
-                </a:schemeClr>
-              </a:solidFill>
-              <a:uFillTx/>
-              <a:latin typeface="微软雅黑" panose="020B0503020204020204" charset="-122"/>
-              <a:ea typeface="微软雅黑" panose="020B0503020204020204" charset="-122"/>
-            </a:endParaRPr>
           </a:p>
         </p:txBody>
       </p:sp>
@@ -6116,13 +5472,13 @@
   <p:clrMapOvr>
     <a:masterClrMapping/>
   </p:clrMapOvr>
-  <mc:AlternateContent xmlns:mc="http://schemas.openxmlformats.org/markup-compatibility/2006">
-    <mc:Choice xmlns:p14="http://schemas.microsoft.com/office/powerpoint/2010/main" Requires="p14">
+  <mc:AlternateContent xmlns:mc="http://schemas.openxmlformats.org/markup-compatibility/2006" xmlns:p14="http://schemas.microsoft.com/office/powerpoint/2010/main">
+    <mc:Choice Requires="p14">
       <p:transition spd="med" p14:dur="700">
         <p:fade/>
       </p:transition>
     </mc:Choice>
-    <mc:Fallback>
+    <mc:Fallback xmlns="">
       <p:transition spd="med">
         <p:fade/>
       </p:transition>
@@ -6154,7 +5510,7 @@
           <p:cNvCxnSpPr/>
           <p:nvPr>
             <p:custDataLst>
-              <p:tags r:id="rId1"/>
+              <p:tags r:id="rId2"/>
             </p:custDataLst>
           </p:nvPr>
         </p:nvCxnSpPr>
@@ -6193,7 +5549,7 @@
           <p:cNvSpPr txBox="1"/>
           <p:nvPr>
             <p:custDataLst>
-              <p:tags r:id="rId2"/>
+              <p:tags r:id="rId3"/>
             </p:custDataLst>
           </p:nvPr>
         </p:nvSpPr>
@@ -6211,6 +5567,7 @@
           <a:bodyPr wrap="square" rtlCol="0">
             <a:spAutoFit/>
           </a:bodyPr>
+          <a:lstStyle/>
           <a:p>
             <a:r>
               <a:rPr lang="zh-CN" altLang="en-US" sz="2000" dirty="0">
@@ -6218,21 +5575,8 @@
                 <a:ea typeface="OPPOSans B" panose="00020600040101010101" pitchFamily="18" charset="-122"/>
                 <a:cs typeface="OPPOSans B" panose="00020600040101010101" pitchFamily="18" charset="-122"/>
               </a:rPr>
-              <a:t>二级</a:t>
+              <a:t>二级标题</a:t>
             </a:r>
-            <a:r>
-              <a:rPr lang="zh-CN" altLang="en-US" sz="2000" dirty="0">
-                <a:latin typeface="OPPOSans B" panose="00020600040101010101" pitchFamily="18" charset="-122"/>
-                <a:ea typeface="OPPOSans B" panose="00020600040101010101" pitchFamily="18" charset="-122"/>
-                <a:cs typeface="OPPOSans B" panose="00020600040101010101" pitchFamily="18" charset="-122"/>
-              </a:rPr>
-              <a:t>标题</a:t>
-            </a:r>
-            <a:endParaRPr lang="zh-CN" altLang="en-US" sz="2000" dirty="0">
-              <a:latin typeface="OPPOSans B" panose="00020600040101010101" pitchFamily="18" charset="-122"/>
-              <a:ea typeface="OPPOSans B" panose="00020600040101010101" pitchFamily="18" charset="-122"/>
-              <a:cs typeface="OPPOSans B" panose="00020600040101010101" pitchFamily="18" charset="-122"/>
-            </a:endParaRPr>
           </a:p>
         </p:txBody>
       </p:sp>
@@ -6242,7 +5586,7 @@
           <p:cNvCxnSpPr/>
           <p:nvPr>
             <p:custDataLst>
-              <p:tags r:id="rId3"/>
+              <p:tags r:id="rId4"/>
             </p:custDataLst>
           </p:nvPr>
         </p:nvCxnSpPr>
@@ -6276,7 +5620,7 @@
           <p:cNvSpPr/>
           <p:nvPr>
             <p:custDataLst>
-              <p:tags r:id="rId4"/>
+              <p:tags r:id="rId5"/>
             </p:custDataLst>
           </p:nvPr>
         </p:nvSpPr>
@@ -6321,6 +5665,7 @@
         </p:style>
         <p:txBody>
           <a:bodyPr rtlCol="0" anchor="ctr"/>
+          <a:lstStyle/>
           <a:p>
             <a:pPr algn="ctr"/>
             <a:endParaRPr lang="zh-CN" altLang="en-US"/>
@@ -6333,7 +5678,7 @@
           <p:cNvSpPr txBox="1"/>
           <p:nvPr>
             <p:custDataLst>
-              <p:tags r:id="rId5"/>
+              <p:tags r:id="rId6"/>
             </p:custDataLst>
           </p:nvPr>
         </p:nvSpPr>
@@ -6351,6 +5696,7 @@
           <a:bodyPr wrap="square" rtlCol="0">
             <a:spAutoFit/>
           </a:bodyPr>
+          <a:lstStyle/>
           <a:p>
             <a:r>
               <a:rPr lang="zh-CN" altLang="en-US" sz="2000" b="1" dirty="0">
@@ -6372,13 +5718,6 @@
               </a:rPr>
               <a:t>1</a:t>
             </a:r>
-            <a:endParaRPr lang="en-US" altLang="zh-CN" sz="2000" b="1" dirty="0">
-              <a:solidFill>
-                <a:schemeClr val="accent1"/>
-              </a:solidFill>
-              <a:latin typeface="+mj-ea"/>
-              <a:ea typeface="+mj-ea"/>
-            </a:endParaRPr>
           </a:p>
         </p:txBody>
       </p:sp>
@@ -6388,7 +5727,7 @@
           <p:cNvSpPr/>
           <p:nvPr>
             <p:custDataLst>
-              <p:tags r:id="rId6"/>
+              <p:tags r:id="rId7"/>
             </p:custDataLst>
           </p:nvPr>
         </p:nvSpPr>
@@ -6405,6 +5744,7 @@
           <a:bodyPr wrap="square">
             <a:spAutoFit/>
           </a:bodyPr>
+          <a:lstStyle/>
           <a:p>
             <a:pPr marL="285750" indent="-285750">
               <a:lnSpc>
@@ -6450,17 +5790,6 @@
               </a:rPr>
               <a:t>1</a:t>
             </a:r>
-            <a:endParaRPr lang="en-US" altLang="zh-CN" sz="1400" dirty="0">
-              <a:solidFill>
-                <a:schemeClr val="tx1">
-                  <a:lumMod val="85000"/>
-                  <a:lumOff val="15000"/>
-                </a:schemeClr>
-              </a:solidFill>
-              <a:uFillTx/>
-              <a:latin typeface="微软雅黑" panose="020B0503020204020204" charset="-122"/>
-              <a:ea typeface="微软雅黑" panose="020B0503020204020204" charset="-122"/>
-            </a:endParaRPr>
           </a:p>
         </p:txBody>
       </p:sp>
@@ -6470,7 +5799,7 @@
           <p:cNvSpPr/>
           <p:nvPr>
             <p:custDataLst>
-              <p:tags r:id="rId7"/>
+              <p:tags r:id="rId8"/>
             </p:custDataLst>
           </p:nvPr>
         </p:nvSpPr>
@@ -6515,6 +5844,7 @@
         </p:style>
         <p:txBody>
           <a:bodyPr rtlCol="0" anchor="ctr"/>
+          <a:lstStyle/>
           <a:p>
             <a:pPr algn="ctr"/>
             <a:endParaRPr lang="zh-CN" altLang="en-US"/>
@@ -6527,7 +5857,7 @@
           <p:cNvSpPr txBox="1"/>
           <p:nvPr>
             <p:custDataLst>
-              <p:tags r:id="rId8"/>
+              <p:tags r:id="rId9"/>
             </p:custDataLst>
           </p:nvPr>
         </p:nvSpPr>
@@ -6545,6 +5875,7 @@
           <a:bodyPr wrap="square" rtlCol="0">
             <a:spAutoFit/>
           </a:bodyPr>
+          <a:lstStyle/>
           <a:p>
             <a:r>
               <a:rPr lang="zh-CN" altLang="en-US" sz="2000" b="1" dirty="0">
@@ -6566,13 +5897,6 @@
               </a:rPr>
               <a:t>2</a:t>
             </a:r>
-            <a:endParaRPr lang="en-US" altLang="zh-CN" sz="2000" b="1" dirty="0">
-              <a:solidFill>
-                <a:schemeClr val="accent1"/>
-              </a:solidFill>
-              <a:latin typeface="+mj-ea"/>
-              <a:ea typeface="+mj-ea"/>
-            </a:endParaRPr>
           </a:p>
         </p:txBody>
       </p:sp>
@@ -6582,7 +5906,7 @@
           <p:cNvSpPr/>
           <p:nvPr>
             <p:custDataLst>
-              <p:tags r:id="rId9"/>
+              <p:tags r:id="rId10"/>
             </p:custDataLst>
           </p:nvPr>
         </p:nvSpPr>
@@ -6599,6 +5923,7 @@
           <a:bodyPr wrap="square">
             <a:spAutoFit/>
           </a:bodyPr>
+          <a:lstStyle/>
           <a:p>
             <a:pPr marL="285750" indent="-285750">
               <a:lnSpc>
@@ -6644,17 +5969,6 @@
               </a:rPr>
               <a:t>2</a:t>
             </a:r>
-            <a:endParaRPr lang="en-US" altLang="zh-CN" sz="1400" dirty="0">
-              <a:solidFill>
-                <a:schemeClr val="tx1">
-                  <a:lumMod val="85000"/>
-                  <a:lumOff val="15000"/>
-                </a:schemeClr>
-              </a:solidFill>
-              <a:uFillTx/>
-              <a:latin typeface="微软雅黑" panose="020B0503020204020204" charset="-122"/>
-              <a:ea typeface="微软雅黑" panose="020B0503020204020204" charset="-122"/>
-            </a:endParaRPr>
           </a:p>
         </p:txBody>
       </p:sp>
@@ -6664,7 +5978,7 @@
           <p:cNvSpPr/>
           <p:nvPr>
             <p:custDataLst>
-              <p:tags r:id="rId10"/>
+              <p:tags r:id="rId11"/>
             </p:custDataLst>
           </p:nvPr>
         </p:nvSpPr>
@@ -6709,6 +6023,7 @@
         </p:style>
         <p:txBody>
           <a:bodyPr rtlCol="0" anchor="ctr"/>
+          <a:lstStyle/>
           <a:p>
             <a:pPr algn="ctr"/>
             <a:endParaRPr lang="zh-CN" altLang="en-US"/>
@@ -6721,7 +6036,7 @@
           <p:cNvSpPr txBox="1"/>
           <p:nvPr>
             <p:custDataLst>
-              <p:tags r:id="rId11"/>
+              <p:tags r:id="rId12"/>
             </p:custDataLst>
           </p:nvPr>
         </p:nvSpPr>
@@ -6739,6 +6054,7 @@
           <a:bodyPr wrap="square" rtlCol="0">
             <a:spAutoFit/>
           </a:bodyPr>
+          <a:lstStyle/>
           <a:p>
             <a:r>
               <a:rPr lang="zh-CN" altLang="en-US" sz="2000" b="1" dirty="0">
@@ -6760,13 +6076,6 @@
               </a:rPr>
               <a:t>3</a:t>
             </a:r>
-            <a:endParaRPr lang="en-US" altLang="zh-CN" sz="2000" b="1" dirty="0">
-              <a:solidFill>
-                <a:schemeClr val="accent1"/>
-              </a:solidFill>
-              <a:latin typeface="+mj-ea"/>
-              <a:ea typeface="+mj-ea"/>
-            </a:endParaRPr>
           </a:p>
         </p:txBody>
       </p:sp>
@@ -6776,7 +6085,7 @@
           <p:cNvSpPr/>
           <p:nvPr>
             <p:custDataLst>
-              <p:tags r:id="rId12"/>
+              <p:tags r:id="rId13"/>
             </p:custDataLst>
           </p:nvPr>
         </p:nvSpPr>
@@ -6793,6 +6102,7 @@
           <a:bodyPr wrap="square">
             <a:spAutoFit/>
           </a:bodyPr>
+          <a:lstStyle/>
           <a:p>
             <a:pPr marL="285750" indent="-285750">
               <a:lnSpc>
@@ -6838,17 +6148,6 @@
               </a:rPr>
               <a:t>3</a:t>
             </a:r>
-            <a:endParaRPr lang="en-US" altLang="zh-CN" sz="1400" dirty="0">
-              <a:solidFill>
-                <a:schemeClr val="tx1">
-                  <a:lumMod val="85000"/>
-                  <a:lumOff val="15000"/>
-                </a:schemeClr>
-              </a:solidFill>
-              <a:uFillTx/>
-              <a:latin typeface="微软雅黑" panose="020B0503020204020204" charset="-122"/>
-              <a:ea typeface="微软雅黑" panose="020B0503020204020204" charset="-122"/>
-            </a:endParaRPr>
           </a:p>
         </p:txBody>
       </p:sp>
@@ -6858,7 +6157,7 @@
           <p:cNvSpPr/>
           <p:nvPr>
             <p:custDataLst>
-              <p:tags r:id="rId13"/>
+              <p:tags r:id="rId14"/>
             </p:custDataLst>
           </p:nvPr>
         </p:nvSpPr>
@@ -6903,6 +6202,7 @@
         </p:style>
         <p:txBody>
           <a:bodyPr rtlCol="0" anchor="ctr"/>
+          <a:lstStyle/>
           <a:p>
             <a:pPr algn="ctr"/>
             <a:endParaRPr lang="zh-CN" altLang="en-US"/>
@@ -6915,7 +6215,7 @@
           <p:cNvSpPr txBox="1"/>
           <p:nvPr>
             <p:custDataLst>
-              <p:tags r:id="rId14"/>
+              <p:tags r:id="rId15"/>
             </p:custDataLst>
           </p:nvPr>
         </p:nvSpPr>
@@ -6933,6 +6233,7 @@
           <a:bodyPr wrap="square" rtlCol="0">
             <a:spAutoFit/>
           </a:bodyPr>
+          <a:lstStyle/>
           <a:p>
             <a:r>
               <a:rPr lang="zh-CN" altLang="en-US" sz="2000" b="1" dirty="0">
@@ -6954,13 +6255,6 @@
               </a:rPr>
               <a:t>4</a:t>
             </a:r>
-            <a:endParaRPr lang="en-US" altLang="zh-CN" sz="2000" b="1" dirty="0">
-              <a:solidFill>
-                <a:schemeClr val="accent1"/>
-              </a:solidFill>
-              <a:latin typeface="+mj-ea"/>
-              <a:ea typeface="+mj-ea"/>
-            </a:endParaRPr>
           </a:p>
         </p:txBody>
       </p:sp>
@@ -6970,7 +6264,7 @@
           <p:cNvSpPr/>
           <p:nvPr>
             <p:custDataLst>
-              <p:tags r:id="rId15"/>
+              <p:tags r:id="rId16"/>
             </p:custDataLst>
           </p:nvPr>
         </p:nvSpPr>
@@ -6987,6 +6281,7 @@
           <a:bodyPr wrap="square">
             <a:spAutoFit/>
           </a:bodyPr>
+          <a:lstStyle/>
           <a:p>
             <a:pPr marL="285750" indent="-285750">
               <a:lnSpc>
@@ -7032,17 +6327,6 @@
               </a:rPr>
               <a:t>4</a:t>
             </a:r>
-            <a:endParaRPr lang="en-US" altLang="zh-CN" sz="1400" dirty="0">
-              <a:solidFill>
-                <a:schemeClr val="tx1">
-                  <a:lumMod val="85000"/>
-                  <a:lumOff val="15000"/>
-                </a:schemeClr>
-              </a:solidFill>
-              <a:uFillTx/>
-              <a:latin typeface="微软雅黑" panose="020B0503020204020204" charset="-122"/>
-              <a:ea typeface="微软雅黑" panose="020B0503020204020204" charset="-122"/>
-            </a:endParaRPr>
           </a:p>
         </p:txBody>
       </p:sp>
@@ -7052,7 +6336,7 @@
           <p:cNvSpPr/>
           <p:nvPr>
             <p:custDataLst>
-              <p:tags r:id="rId16"/>
+              <p:tags r:id="rId17"/>
             </p:custDataLst>
           </p:nvPr>
         </p:nvSpPr>
@@ -7097,6 +6381,7 @@
         </p:style>
         <p:txBody>
           <a:bodyPr rtlCol="0" anchor="ctr"/>
+          <a:lstStyle/>
           <a:p>
             <a:pPr algn="ctr"/>
             <a:endParaRPr lang="zh-CN" altLang="en-US"/>
@@ -7109,7 +6394,7 @@
           <p:cNvSpPr txBox="1"/>
           <p:nvPr>
             <p:custDataLst>
-              <p:tags r:id="rId17"/>
+              <p:tags r:id="rId18"/>
             </p:custDataLst>
           </p:nvPr>
         </p:nvSpPr>
@@ -7127,6 +6412,7 @@
           <a:bodyPr wrap="square" rtlCol="0">
             <a:spAutoFit/>
           </a:bodyPr>
+          <a:lstStyle/>
           <a:p>
             <a:r>
               <a:rPr lang="zh-CN" altLang="en-US" sz="2000" b="1" dirty="0">
@@ -7148,13 +6434,6 @@
               </a:rPr>
               <a:t>5</a:t>
             </a:r>
-            <a:endParaRPr lang="en-US" altLang="zh-CN" sz="2000" b="1" dirty="0">
-              <a:solidFill>
-                <a:schemeClr val="accent1"/>
-              </a:solidFill>
-              <a:latin typeface="+mj-ea"/>
-              <a:ea typeface="+mj-ea"/>
-            </a:endParaRPr>
           </a:p>
         </p:txBody>
       </p:sp>
@@ -7164,7 +6443,7 @@
           <p:cNvSpPr/>
           <p:nvPr>
             <p:custDataLst>
-              <p:tags r:id="rId18"/>
+              <p:tags r:id="rId19"/>
             </p:custDataLst>
           </p:nvPr>
         </p:nvSpPr>
@@ -7181,6 +6460,7 @@
           <a:bodyPr wrap="square">
             <a:spAutoFit/>
           </a:bodyPr>
+          <a:lstStyle/>
           <a:p>
             <a:pPr marL="285750" indent="-285750">
               <a:lnSpc>
@@ -7226,17 +6506,6 @@
               </a:rPr>
               <a:t>5</a:t>
             </a:r>
-            <a:endParaRPr lang="en-US" altLang="zh-CN" sz="1400" dirty="0">
-              <a:solidFill>
-                <a:schemeClr val="tx1">
-                  <a:lumMod val="85000"/>
-                  <a:lumOff val="15000"/>
-                </a:schemeClr>
-              </a:solidFill>
-              <a:uFillTx/>
-              <a:latin typeface="微软雅黑" panose="020B0503020204020204" charset="-122"/>
-              <a:ea typeface="微软雅黑" panose="020B0503020204020204" charset="-122"/>
-            </a:endParaRPr>
           </a:p>
         </p:txBody>
       </p:sp>
@@ -7246,7 +6515,7 @@
           <p:cNvSpPr/>
           <p:nvPr>
             <p:custDataLst>
-              <p:tags r:id="rId19"/>
+              <p:tags r:id="rId20"/>
             </p:custDataLst>
           </p:nvPr>
         </p:nvSpPr>
@@ -7291,6 +6560,7 @@
         </p:style>
         <p:txBody>
           <a:bodyPr rtlCol="0" anchor="ctr"/>
+          <a:lstStyle/>
           <a:p>
             <a:pPr algn="ctr"/>
             <a:endParaRPr lang="zh-CN" altLang="en-US"/>
@@ -7303,7 +6573,7 @@
           <p:cNvSpPr txBox="1"/>
           <p:nvPr>
             <p:custDataLst>
-              <p:tags r:id="rId20"/>
+              <p:tags r:id="rId21"/>
             </p:custDataLst>
           </p:nvPr>
         </p:nvSpPr>
@@ -7321,6 +6591,7 @@
           <a:bodyPr wrap="square" rtlCol="0">
             <a:spAutoFit/>
           </a:bodyPr>
+          <a:lstStyle/>
           <a:p>
             <a:r>
               <a:rPr lang="zh-CN" altLang="en-US" sz="2000" b="1" dirty="0">
@@ -7342,13 +6613,6 @@
               </a:rPr>
               <a:t>6</a:t>
             </a:r>
-            <a:endParaRPr lang="en-US" altLang="zh-CN" sz="2000" b="1" dirty="0">
-              <a:solidFill>
-                <a:schemeClr val="accent1"/>
-              </a:solidFill>
-              <a:latin typeface="+mj-ea"/>
-              <a:ea typeface="+mj-ea"/>
-            </a:endParaRPr>
           </a:p>
         </p:txBody>
       </p:sp>
@@ -7358,7 +6622,7 @@
           <p:cNvSpPr/>
           <p:nvPr>
             <p:custDataLst>
-              <p:tags r:id="rId21"/>
+              <p:tags r:id="rId22"/>
             </p:custDataLst>
           </p:nvPr>
         </p:nvSpPr>
@@ -7375,6 +6639,7 @@
           <a:bodyPr wrap="square">
             <a:spAutoFit/>
           </a:bodyPr>
+          <a:lstStyle/>
           <a:p>
             <a:pPr marL="285750" indent="-285750">
               <a:lnSpc>
@@ -7420,17 +6685,6 @@
               </a:rPr>
               <a:t>6</a:t>
             </a:r>
-            <a:endParaRPr lang="en-US" altLang="zh-CN" sz="1400" dirty="0">
-              <a:solidFill>
-                <a:schemeClr val="tx1">
-                  <a:lumMod val="85000"/>
-                  <a:lumOff val="15000"/>
-                </a:schemeClr>
-              </a:solidFill>
-              <a:uFillTx/>
-              <a:latin typeface="微软雅黑" panose="020B0503020204020204" charset="-122"/>
-              <a:ea typeface="微软雅黑" panose="020B0503020204020204" charset="-122"/>
-            </a:endParaRPr>
           </a:p>
         </p:txBody>
       </p:sp>
@@ -7439,13 +6693,13 @@
   <p:clrMapOvr>
     <a:masterClrMapping/>
   </p:clrMapOvr>
-  <mc:AlternateContent xmlns:mc="http://schemas.openxmlformats.org/markup-compatibility/2006">
-    <mc:Choice xmlns:p14="http://schemas.microsoft.com/office/powerpoint/2010/main" Requires="p14">
+  <mc:AlternateContent xmlns:mc="http://schemas.openxmlformats.org/markup-compatibility/2006" xmlns:p14="http://schemas.microsoft.com/office/powerpoint/2010/main">
+    <mc:Choice Requires="p14">
       <p:transition spd="med" p14:dur="700">
         <p:fade/>
       </p:transition>
     </mc:Choice>
-    <mc:Fallback>
+    <mc:Fallback xmlns="">
       <p:transition spd="med">
         <p:fade/>
       </p:transition>
@@ -7477,7 +6731,7 @@
           <p:cNvCxnSpPr/>
           <p:nvPr>
             <p:custDataLst>
-              <p:tags r:id="rId1"/>
+              <p:tags r:id="rId2"/>
             </p:custDataLst>
           </p:nvPr>
         </p:nvCxnSpPr>
@@ -7516,7 +6770,7 @@
           <p:cNvSpPr txBox="1"/>
           <p:nvPr>
             <p:custDataLst>
-              <p:tags r:id="rId2"/>
+              <p:tags r:id="rId3"/>
             </p:custDataLst>
           </p:nvPr>
         </p:nvSpPr>
@@ -7534,6 +6788,7 @@
           <a:bodyPr wrap="square" rtlCol="0">
             <a:spAutoFit/>
           </a:bodyPr>
+          <a:lstStyle/>
           <a:p>
             <a:r>
               <a:rPr lang="zh-CN" altLang="en-US" sz="2000" dirty="0">
@@ -7541,21 +6796,8 @@
                 <a:ea typeface="OPPOSans B" panose="00020600040101010101" pitchFamily="18" charset="-122"/>
                 <a:cs typeface="OPPOSans B" panose="00020600040101010101" pitchFamily="18" charset="-122"/>
               </a:rPr>
-              <a:t>二级</a:t>
+              <a:t>二级标题</a:t>
             </a:r>
-            <a:r>
-              <a:rPr lang="zh-CN" altLang="en-US" sz="2000" dirty="0">
-                <a:latin typeface="OPPOSans B" panose="00020600040101010101" pitchFamily="18" charset="-122"/>
-                <a:ea typeface="OPPOSans B" panose="00020600040101010101" pitchFamily="18" charset="-122"/>
-                <a:cs typeface="OPPOSans B" panose="00020600040101010101" pitchFamily="18" charset="-122"/>
-              </a:rPr>
-              <a:t>标题</a:t>
-            </a:r>
-            <a:endParaRPr lang="zh-CN" altLang="en-US" sz="2000" dirty="0">
-              <a:latin typeface="OPPOSans B" panose="00020600040101010101" pitchFamily="18" charset="-122"/>
-              <a:ea typeface="OPPOSans B" panose="00020600040101010101" pitchFamily="18" charset="-122"/>
-              <a:cs typeface="OPPOSans B" panose="00020600040101010101" pitchFamily="18" charset="-122"/>
-            </a:endParaRPr>
           </a:p>
         </p:txBody>
       </p:sp>
@@ -7567,12 +6809,12 @@
           </p:cNvPicPr>
           <p:nvPr>
             <p:custDataLst>
-              <p:tags r:id="rId3"/>
+              <p:tags r:id="rId4"/>
             </p:custDataLst>
           </p:nvPr>
         </p:nvPicPr>
         <p:blipFill>
-          <a:blip r:embed="rId4"/>
+          <a:blip r:embed="rId10"/>
           <a:stretch>
             <a:fillRect/>
           </a:stretch>
@@ -7614,6 +6856,7 @@
           <a:bodyPr wrap="square">
             <a:spAutoFit/>
           </a:bodyPr>
+          <a:lstStyle/>
           <a:p>
             <a:pPr marL="285750" indent="-285750">
               <a:lnSpc>
@@ -7657,16 +6900,6 @@
               </a:rPr>
               <a:t>1</a:t>
             </a:r>
-            <a:endParaRPr lang="en-US" altLang="zh-CN" sz="1400">
-              <a:solidFill>
-                <a:schemeClr val="accent1">
-                  <a:lumMod val="50000"/>
-                </a:schemeClr>
-              </a:solidFill>
-              <a:uFillTx/>
-              <a:latin typeface="微软雅黑" panose="020B0503020204020204" charset="-122"/>
-              <a:ea typeface="微软雅黑" panose="020B0503020204020204" charset="-122"/>
-            </a:endParaRPr>
           </a:p>
           <a:p>
             <a:pPr marL="285750" indent="-285750">
@@ -7711,16 +6944,6 @@
               </a:rPr>
               <a:t>2</a:t>
             </a:r>
-            <a:endParaRPr lang="en-US" altLang="zh-CN" sz="1400">
-              <a:solidFill>
-                <a:schemeClr val="accent1">
-                  <a:lumMod val="50000"/>
-                </a:schemeClr>
-              </a:solidFill>
-              <a:uFillTx/>
-              <a:latin typeface="微软雅黑" panose="020B0503020204020204" charset="-122"/>
-              <a:ea typeface="微软雅黑" panose="020B0503020204020204" charset="-122"/>
-            </a:endParaRPr>
           </a:p>
           <a:p>
             <a:pPr marL="285750" indent="-285750">
@@ -7765,16 +6988,6 @@
               </a:rPr>
               <a:t>3</a:t>
             </a:r>
-            <a:endParaRPr lang="en-US" altLang="zh-CN" sz="1400">
-              <a:solidFill>
-                <a:schemeClr val="accent1">
-                  <a:lumMod val="50000"/>
-                </a:schemeClr>
-              </a:solidFill>
-              <a:uFillTx/>
-              <a:latin typeface="微软雅黑" panose="020B0503020204020204" charset="-122"/>
-              <a:ea typeface="微软雅黑" panose="020B0503020204020204" charset="-122"/>
-            </a:endParaRPr>
           </a:p>
         </p:txBody>
       </p:sp>
@@ -7801,6 +7014,7 @@
           <a:bodyPr wrap="square">
             <a:spAutoFit/>
           </a:bodyPr>
+          <a:lstStyle/>
           <a:p>
             <a:pPr indent="0" algn="ctr">
               <a:lnSpc>
@@ -7829,31 +7043,8 @@
                 <a:latin typeface="微软雅黑" panose="020B0503020204020204" charset="-122"/>
                 <a:ea typeface="微软雅黑" panose="020B0503020204020204" charset="-122"/>
               </a:rPr>
-              <a:t>图</a:t>
+              <a:t>图标题</a:t>
             </a:r>
-            <a:r>
-              <a:rPr lang="zh-CN" altLang="en-US" sz="1400" b="1">
-                <a:solidFill>
-                  <a:schemeClr val="accent1">
-                    <a:lumMod val="50000"/>
-                  </a:schemeClr>
-                </a:solidFill>
-                <a:uFillTx/>
-                <a:latin typeface="微软雅黑" panose="020B0503020204020204" charset="-122"/>
-                <a:ea typeface="微软雅黑" panose="020B0503020204020204" charset="-122"/>
-              </a:rPr>
-              <a:t>标题</a:t>
-            </a:r>
-            <a:endParaRPr lang="zh-CN" altLang="en-US" sz="1400" b="1">
-              <a:solidFill>
-                <a:schemeClr val="accent1">
-                  <a:lumMod val="50000"/>
-                </a:schemeClr>
-              </a:solidFill>
-              <a:uFillTx/>
-              <a:latin typeface="微软雅黑" panose="020B0503020204020204" charset="-122"/>
-              <a:ea typeface="微软雅黑" panose="020B0503020204020204" charset="-122"/>
-            </a:endParaRPr>
           </a:p>
         </p:txBody>
       </p:sp>
@@ -7905,6 +7096,7 @@
           <a:bodyPr rot="0" spcFirstLastPara="0" vertOverflow="overflow" horzOverflow="overflow" vert="horz" wrap="square" lIns="91440" tIns="45720" rIns="91440" bIns="45720" numCol="1" spcCol="0" rtlCol="0" fromWordArt="0" anchor="ctr" anchorCtr="0" forceAA="0" compatLnSpc="1">
             <a:noAutofit/>
           </a:bodyPr>
+          <a:lstStyle/>
           <a:p>
             <a:pPr algn="ctr"/>
             <a:r>
@@ -7914,10 +7106,6 @@
               </a:rPr>
               <a:t>关键词</a:t>
             </a:r>
-            <a:endParaRPr lang="zh-CN" altLang="en-US" b="1" spc="300">
-              <a:latin typeface="+mj-ea"/>
-              <a:ea typeface="+mj-ea"/>
-            </a:endParaRPr>
           </a:p>
         </p:txBody>
       </p:sp>
@@ -7926,13 +7114,13 @@
   <p:clrMapOvr>
     <a:masterClrMapping/>
   </p:clrMapOvr>
-  <mc:AlternateContent xmlns:mc="http://schemas.openxmlformats.org/markup-compatibility/2006">
-    <mc:Choice xmlns:p14="http://schemas.microsoft.com/office/powerpoint/2010/main" Requires="p14">
+  <mc:AlternateContent xmlns:mc="http://schemas.openxmlformats.org/markup-compatibility/2006" xmlns:p14="http://schemas.microsoft.com/office/powerpoint/2010/main">
+    <mc:Choice Requires="p14">
       <p:transition spd="med" p14:dur="700">
         <p:fade/>
       </p:transition>
     </mc:Choice>
-    <mc:Fallback>
+    <mc:Fallback xmlns="">
       <p:transition spd="med">
         <p:fade/>
       </p:transition>
@@ -7964,7 +7152,7 @@
           <p:cNvCxnSpPr/>
           <p:nvPr>
             <p:custDataLst>
-              <p:tags r:id="rId1"/>
+              <p:tags r:id="rId2"/>
             </p:custDataLst>
           </p:nvPr>
         </p:nvCxnSpPr>
@@ -8003,7 +7191,7 @@
           <p:cNvSpPr txBox="1"/>
           <p:nvPr>
             <p:custDataLst>
-              <p:tags r:id="rId2"/>
+              <p:tags r:id="rId3"/>
             </p:custDataLst>
           </p:nvPr>
         </p:nvSpPr>
@@ -8021,6 +7209,7 @@
           <a:bodyPr wrap="square" rtlCol="0">
             <a:spAutoFit/>
           </a:bodyPr>
+          <a:lstStyle/>
           <a:p>
             <a:r>
               <a:rPr lang="zh-CN" altLang="en-US" sz="2000" dirty="0">
@@ -8030,11 +7219,6 @@
               </a:rPr>
               <a:t>利率市场化对银行盈利能力的影响机制分析</a:t>
             </a:r>
-            <a:endParaRPr lang="zh-CN" altLang="en-US" sz="2000" dirty="0">
-              <a:latin typeface="OPPOSans B" panose="00020600040101010101" pitchFamily="18" charset="-122"/>
-              <a:ea typeface="OPPOSans B" panose="00020600040101010101" pitchFamily="18" charset="-122"/>
-              <a:cs typeface="OPPOSans B" panose="00020600040101010101" pitchFamily="18" charset="-122"/>
-            </a:endParaRPr>
           </a:p>
         </p:txBody>
       </p:sp>
@@ -8046,12 +7230,12 @@
           </p:cNvPicPr>
           <p:nvPr>
             <p:custDataLst>
-              <p:tags r:id="rId3"/>
+              <p:tags r:id="rId4"/>
             </p:custDataLst>
           </p:nvPr>
         </p:nvPicPr>
         <p:blipFill>
-          <a:blip r:embed="rId4"/>
+          <a:blip r:embed="rId12"/>
           <a:stretch>
             <a:fillRect/>
           </a:stretch>
@@ -8093,6 +7277,7 @@
           <a:bodyPr wrap="square">
             <a:spAutoFit/>
           </a:bodyPr>
+          <a:lstStyle/>
           <a:p>
             <a:pPr marL="285750" indent="-285750">
               <a:lnSpc>
@@ -8123,16 +7308,6 @@
               </a:rPr>
               <a:t>通过调查上市商业银行近十年的净息差比，这一数据是通过利息净收入与银行的全部生息资产做比得到的，用于衡量银行生息资产的报酬率，通过下图的走势，我们可以看出，近年来商业银行的利息收入的水平总体呈现下降的趋势。</a:t>
             </a:r>
-            <a:endParaRPr lang="en-US" altLang="zh-CN" sz="1400">
-              <a:solidFill>
-                <a:schemeClr val="accent1">
-                  <a:lumMod val="50000"/>
-                </a:schemeClr>
-              </a:solidFill>
-              <a:uFillTx/>
-              <a:latin typeface="微软雅黑" panose="020B0503020204020204" charset="-122"/>
-              <a:ea typeface="微软雅黑" panose="020B0503020204020204" charset="-122"/>
-            </a:endParaRPr>
           </a:p>
         </p:txBody>
       </p:sp>
@@ -8159,6 +7334,7 @@
           <a:bodyPr wrap="square">
             <a:spAutoFit/>
           </a:bodyPr>
+          <a:lstStyle/>
           <a:p>
             <a:pPr indent="0" algn="ctr">
               <a:lnSpc>
@@ -8189,16 +7365,6 @@
               </a:rPr>
               <a:t>图3-1  样本商业银行净息差平均值 数据来源：Wind数据库</a:t>
             </a:r>
-            <a:endParaRPr sz="1400" b="1">
-              <a:solidFill>
-                <a:schemeClr val="accent1">
-                  <a:lumMod val="50000"/>
-                </a:schemeClr>
-              </a:solidFill>
-              <a:uFillTx/>
-              <a:latin typeface="微软雅黑" panose="020B0503020204020204" charset="-122"/>
-              <a:ea typeface="微软雅黑" panose="020B0503020204020204" charset="-122"/>
-            </a:endParaRPr>
           </a:p>
         </p:txBody>
       </p:sp>
@@ -8215,7 +7381,7 @@
           </p:nvPr>
         </p:nvPicPr>
         <p:blipFill>
-          <a:blip r:embed="rId8"/>
+          <a:blip r:embed="rId13"/>
           <a:stretch>
             <a:fillRect/>
           </a:stretch>
@@ -8240,7 +7406,7 @@
           <p:cNvSpPr/>
           <p:nvPr>
             <p:custDataLst>
-              <p:tags r:id="rId9"/>
+              <p:tags r:id="rId8"/>
             </p:custDataLst>
           </p:nvPr>
         </p:nvSpPr>
@@ -8257,6 +7423,7 @@
           <a:bodyPr wrap="square">
             <a:spAutoFit/>
           </a:bodyPr>
+          <a:lstStyle/>
           <a:p>
             <a:pPr marL="285750" indent="-285750">
               <a:lnSpc>
@@ -8306,7 +7473,7 @@
           <p:cNvSpPr/>
           <p:nvPr>
             <p:custDataLst>
-              <p:tags r:id="rId10"/>
+              <p:tags r:id="rId9"/>
             </p:custDataLst>
           </p:nvPr>
         </p:nvSpPr>
@@ -8323,6 +7490,7 @@
           <a:bodyPr wrap="square">
             <a:spAutoFit/>
           </a:bodyPr>
+          <a:lstStyle/>
           <a:p>
             <a:pPr indent="0" algn="ctr">
               <a:lnSpc>
@@ -8353,16 +7521,6 @@
               </a:rPr>
               <a:t>图3-2  样本商业银行非利息收入占比平均值 数据来源：Wind数据库</a:t>
             </a:r>
-            <a:endParaRPr sz="1400" b="1">
-              <a:solidFill>
-                <a:schemeClr val="accent1">
-                  <a:lumMod val="50000"/>
-                </a:schemeClr>
-              </a:solidFill>
-              <a:uFillTx/>
-              <a:latin typeface="微软雅黑" panose="020B0503020204020204" charset="-122"/>
-              <a:ea typeface="微软雅黑" panose="020B0503020204020204" charset="-122"/>
-            </a:endParaRPr>
           </a:p>
         </p:txBody>
       </p:sp>
@@ -8371,13 +7529,13 @@
   <p:clrMapOvr>
     <a:masterClrMapping/>
   </p:clrMapOvr>
-  <mc:AlternateContent xmlns:mc="http://schemas.openxmlformats.org/markup-compatibility/2006">
-    <mc:Choice xmlns:p14="http://schemas.microsoft.com/office/powerpoint/2010/main" Requires="p14">
+  <mc:AlternateContent xmlns:mc="http://schemas.openxmlformats.org/markup-compatibility/2006" xmlns:p14="http://schemas.microsoft.com/office/powerpoint/2010/main">
+    <mc:Choice Requires="p14">
       <p:transition spd="med" p14:dur="700">
         <p:fade/>
       </p:transition>
     </mc:Choice>
-    <mc:Fallback>
+    <mc:Fallback xmlns="">
       <p:transition spd="med">
         <p:fade/>
       </p:transition>
@@ -8409,7 +7567,7 @@
           <p:cNvCxnSpPr/>
           <p:nvPr>
             <p:custDataLst>
-              <p:tags r:id="rId1"/>
+              <p:tags r:id="rId2"/>
             </p:custDataLst>
           </p:nvPr>
         </p:nvCxnSpPr>
@@ -8448,7 +7606,7 @@
           <p:cNvSpPr txBox="1"/>
           <p:nvPr>
             <p:custDataLst>
-              <p:tags r:id="rId2"/>
+              <p:tags r:id="rId3"/>
             </p:custDataLst>
           </p:nvPr>
         </p:nvSpPr>
@@ -8466,6 +7624,7 @@
           <a:bodyPr wrap="square" rtlCol="0">
             <a:spAutoFit/>
           </a:bodyPr>
+          <a:lstStyle/>
           <a:p>
             <a:r>
               <a:rPr lang="zh-CN" altLang="en-US" sz="2000" dirty="0">
@@ -8473,21 +7632,8 @@
                 <a:ea typeface="OPPOSans B" panose="00020600040101010101" pitchFamily="18" charset="-122"/>
                 <a:cs typeface="OPPOSans B" panose="00020600040101010101" pitchFamily="18" charset="-122"/>
               </a:rPr>
-              <a:t>二级</a:t>
+              <a:t>二级标题</a:t>
             </a:r>
-            <a:r>
-              <a:rPr lang="zh-CN" altLang="en-US" sz="2000" dirty="0">
-                <a:latin typeface="OPPOSans B" panose="00020600040101010101" pitchFamily="18" charset="-122"/>
-                <a:ea typeface="OPPOSans B" panose="00020600040101010101" pitchFamily="18" charset="-122"/>
-                <a:cs typeface="OPPOSans B" panose="00020600040101010101" pitchFamily="18" charset="-122"/>
-              </a:rPr>
-              <a:t>标题</a:t>
-            </a:r>
-            <a:endParaRPr lang="zh-CN" altLang="en-US" sz="2000" dirty="0">
-              <a:latin typeface="OPPOSans B" panose="00020600040101010101" pitchFamily="18" charset="-122"/>
-              <a:ea typeface="OPPOSans B" panose="00020600040101010101" pitchFamily="18" charset="-122"/>
-              <a:cs typeface="OPPOSans B" panose="00020600040101010101" pitchFamily="18" charset="-122"/>
-            </a:endParaRPr>
           </a:p>
         </p:txBody>
       </p:sp>
@@ -8497,7 +7643,7 @@
           <p:cNvGraphicFramePr/>
           <p:nvPr>
             <p:custDataLst>
-              <p:tags r:id="rId3"/>
+              <p:tags r:id="rId4"/>
             </p:custDataLst>
           </p:nvPr>
         </p:nvGraphicFramePr>
@@ -8512,15 +7658,40 @@
                 <a:tableStyleId>{5C22544A-7EE6-4342-B048-85BDC9FD1C3A}</a:tableStyleId>
               </a:tblPr>
               <a:tblGrid>
-                <a:gridCol w="3260090"/>
-                <a:gridCol w="2132965"/>
-                <a:gridCol w="2132965"/>
-                <a:gridCol w="3545205"/>
+                <a:gridCol w="3260090">
+                  <a:extLst>
+                    <a:ext uri="{9D8B030D-6E8A-4147-A177-3AD203B41FA5}">
+                      <a16:colId xmlns:a16="http://schemas.microsoft.com/office/drawing/2014/main" val="20000"/>
+                    </a:ext>
+                  </a:extLst>
+                </a:gridCol>
+                <a:gridCol w="2132965">
+                  <a:extLst>
+                    <a:ext uri="{9D8B030D-6E8A-4147-A177-3AD203B41FA5}">
+                      <a16:colId xmlns:a16="http://schemas.microsoft.com/office/drawing/2014/main" val="20001"/>
+                    </a:ext>
+                  </a:extLst>
+                </a:gridCol>
+                <a:gridCol w="2132965">
+                  <a:extLst>
+                    <a:ext uri="{9D8B030D-6E8A-4147-A177-3AD203B41FA5}">
+                      <a16:colId xmlns:a16="http://schemas.microsoft.com/office/drawing/2014/main" val="20002"/>
+                    </a:ext>
+                  </a:extLst>
+                </a:gridCol>
+                <a:gridCol w="3545205">
+                  <a:extLst>
+                    <a:ext uri="{9D8B030D-6E8A-4147-A177-3AD203B41FA5}">
+                      <a16:colId xmlns:a16="http://schemas.microsoft.com/office/drawing/2014/main" val="20003"/>
+                    </a:ext>
+                  </a:extLst>
+                </a:gridCol>
               </a:tblGrid>
               <a:tr h="381000">
                 <a:tc>
                   <a:txBody>
                     <a:bodyPr/>
+                    <a:lstStyle/>
                     <a:p>
                       <a:pPr algn="ctr">
                         <a:buNone/>
@@ -8532,10 +7703,6 @@
                         </a:rPr>
                         <a:t>变量类型</a:t>
                       </a:r>
-                      <a:endParaRPr lang="zh-CN" altLang="en-US" b="1">
-                        <a:latin typeface="微软雅黑" panose="020B0503020204020204" charset="-122"/>
-                        <a:ea typeface="微软雅黑" panose="020B0503020204020204" charset="-122"/>
-                      </a:endParaRPr>
                     </a:p>
                   </a:txBody>
                   <a:tcPr/>
@@ -8543,6 +7710,7 @@
                 <a:tc>
                   <a:txBody>
                     <a:bodyPr/>
+                    <a:lstStyle/>
                     <a:p>
                       <a:pPr algn="ctr">
                         <a:buNone/>
@@ -8552,19 +7720,8 @@
                           <a:latin typeface="微软雅黑" panose="020B0503020204020204" charset="-122"/>
                           <a:ea typeface="微软雅黑" panose="020B0503020204020204" charset="-122"/>
                         </a:rPr>
-                        <a:t>变量</a:t>
+                        <a:t>变量名称</a:t>
                       </a:r>
-                      <a:r>
-                        <a:rPr lang="zh-CN" altLang="en-US" b="1">
-                          <a:latin typeface="微软雅黑" panose="020B0503020204020204" charset="-122"/>
-                          <a:ea typeface="微软雅黑" panose="020B0503020204020204" charset="-122"/>
-                        </a:rPr>
-                        <a:t>名称</a:t>
-                      </a:r>
-                      <a:endParaRPr lang="zh-CN" altLang="en-US" b="1">
-                        <a:latin typeface="微软雅黑" panose="020B0503020204020204" charset="-122"/>
-                        <a:ea typeface="微软雅黑" panose="020B0503020204020204" charset="-122"/>
-                      </a:endParaRPr>
                     </a:p>
                   </a:txBody>
                   <a:tcPr/>
@@ -8572,6 +7729,7 @@
                 <a:tc>
                   <a:txBody>
                     <a:bodyPr/>
+                    <a:lstStyle/>
                     <a:p>
                       <a:pPr algn="ctr">
                         <a:buNone/>
@@ -8583,10 +7741,6 @@
                         </a:rPr>
                         <a:t>符号</a:t>
                       </a:r>
-                      <a:endParaRPr lang="zh-CN" altLang="en-US" b="1">
-                        <a:latin typeface="微软雅黑" panose="020B0503020204020204" charset="-122"/>
-                        <a:ea typeface="微软雅黑" panose="020B0503020204020204" charset="-122"/>
-                      </a:endParaRPr>
                     </a:p>
                   </a:txBody>
                   <a:tcPr/>
@@ -8594,6 +7748,7 @@
                 <a:tc>
                   <a:txBody>
                     <a:bodyPr/>
+                    <a:lstStyle/>
                     <a:p>
                       <a:pPr algn="ctr">
                         <a:buNone/>
@@ -8605,19 +7760,21 @@
                         </a:rPr>
                         <a:t>定义</a:t>
                       </a:r>
-                      <a:endParaRPr lang="zh-CN" altLang="en-US" b="1">
-                        <a:latin typeface="微软雅黑" panose="020B0503020204020204" charset="-122"/>
-                        <a:ea typeface="微软雅黑" panose="020B0503020204020204" charset="-122"/>
-                      </a:endParaRPr>
                     </a:p>
                   </a:txBody>
                   <a:tcPr/>
                 </a:tc>
+                <a:extLst>
+                  <a:ext uri="{0D108BD9-81ED-4DB2-BD59-A6C34878D82A}">
+                    <a16:rowId xmlns:a16="http://schemas.microsoft.com/office/drawing/2014/main" val="10000"/>
+                  </a:ext>
+                </a:extLst>
               </a:tr>
               <a:tr h="381000">
                 <a:tc>
                   <a:txBody>
                     <a:bodyPr/>
+                    <a:lstStyle/>
                     <a:p>
                       <a:pPr algn="ctr">
                         <a:buNone/>
@@ -8627,19 +7784,8 @@
                           <a:latin typeface="微软雅黑" panose="020B0503020204020204" charset="-122"/>
                           <a:ea typeface="微软雅黑" panose="020B0503020204020204" charset="-122"/>
                         </a:rPr>
-                        <a:t>被解释</a:t>
+                        <a:t>被解释变量</a:t>
                       </a:r>
-                      <a:r>
-                        <a:rPr lang="zh-CN" altLang="en-US">
-                          <a:latin typeface="微软雅黑" panose="020B0503020204020204" charset="-122"/>
-                          <a:ea typeface="微软雅黑" panose="020B0503020204020204" charset="-122"/>
-                        </a:rPr>
-                        <a:t>变量</a:t>
-                      </a:r>
-                      <a:endParaRPr lang="zh-CN" altLang="en-US">
-                        <a:latin typeface="微软雅黑" panose="020B0503020204020204" charset="-122"/>
-                        <a:ea typeface="微软雅黑" panose="020B0503020204020204" charset="-122"/>
-                      </a:endParaRPr>
                     </a:p>
                   </a:txBody>
                   <a:tcPr/>
@@ -8647,6 +7793,7 @@
                 <a:tc>
                   <a:txBody>
                     <a:bodyPr/>
+                    <a:lstStyle/>
                     <a:p>
                       <a:pPr algn="ctr">
                         <a:buNone/>
@@ -8656,19 +7803,8 @@
                           <a:latin typeface="微软雅黑" panose="020B0503020204020204" charset="-122"/>
                           <a:ea typeface="微软雅黑" panose="020B0503020204020204" charset="-122"/>
                         </a:rPr>
-                        <a:t>总资产</a:t>
+                        <a:t>总资产收益率</a:t>
                       </a:r>
-                      <a:r>
-                        <a:rPr lang="zh-CN" altLang="en-US">
-                          <a:latin typeface="微软雅黑" panose="020B0503020204020204" charset="-122"/>
-                          <a:ea typeface="微软雅黑" panose="020B0503020204020204" charset="-122"/>
-                        </a:rPr>
-                        <a:t>收益率</a:t>
-                      </a:r>
-                      <a:endParaRPr lang="zh-CN" altLang="en-US">
-                        <a:latin typeface="微软雅黑" panose="020B0503020204020204" charset="-122"/>
-                        <a:ea typeface="微软雅黑" panose="020B0503020204020204" charset="-122"/>
-                      </a:endParaRPr>
                     </a:p>
                   </a:txBody>
                   <a:tcPr/>
@@ -8676,6 +7812,7 @@
                 <a:tc>
                   <a:txBody>
                     <a:bodyPr/>
+                    <a:lstStyle/>
                     <a:p>
                       <a:pPr algn="ctr">
                         <a:buNone/>
@@ -8687,10 +7824,6 @@
                         </a:rPr>
                         <a:t>ROA</a:t>
                       </a:r>
-                      <a:endParaRPr lang="en-US" altLang="zh-CN">
-                        <a:latin typeface="微软雅黑" panose="020B0503020204020204" charset="-122"/>
-                        <a:ea typeface="微软雅黑" panose="020B0503020204020204" charset="-122"/>
-                      </a:endParaRPr>
                     </a:p>
                   </a:txBody>
                   <a:tcPr/>
@@ -8698,6 +7831,7 @@
                 <a:tc>
                   <a:txBody>
                     <a:bodyPr/>
+                    <a:lstStyle/>
                     <a:p>
                       <a:pPr algn="ctr">
                         <a:buNone/>
@@ -8721,28 +7855,23 @@
                           <a:latin typeface="微软雅黑" panose="020B0503020204020204" charset="-122"/>
                           <a:ea typeface="微软雅黑" panose="020B0503020204020204" charset="-122"/>
                         </a:rPr>
-                        <a:t>资产</a:t>
+                        <a:t>资产总额</a:t>
                       </a:r>
-                      <a:r>
-                        <a:rPr lang="zh-CN" altLang="en-US">
-                          <a:latin typeface="微软雅黑" panose="020B0503020204020204" charset="-122"/>
-                          <a:ea typeface="微软雅黑" panose="020B0503020204020204" charset="-122"/>
-                        </a:rPr>
-                        <a:t>总额</a:t>
-                      </a:r>
-                      <a:endParaRPr lang="zh-CN" altLang="en-US">
-                        <a:latin typeface="微软雅黑" panose="020B0503020204020204" charset="-122"/>
-                        <a:ea typeface="微软雅黑" panose="020B0503020204020204" charset="-122"/>
-                      </a:endParaRPr>
                     </a:p>
                   </a:txBody>
                   <a:tcPr/>
                 </a:tc>
+                <a:extLst>
+                  <a:ext uri="{0D108BD9-81ED-4DB2-BD59-A6C34878D82A}">
+                    <a16:rowId xmlns:a16="http://schemas.microsoft.com/office/drawing/2014/main" val="10001"/>
+                  </a:ext>
+                </a:extLst>
               </a:tr>
               <a:tr h="381000">
                 <a:tc>
                   <a:txBody>
                     <a:bodyPr/>
+                    <a:lstStyle/>
                     <a:p>
                       <a:pPr algn="ctr">
                         <a:buNone/>
@@ -8758,6 +7887,7 @@
                 <a:tc>
                   <a:txBody>
                     <a:bodyPr/>
+                    <a:lstStyle/>
                     <a:p>
                       <a:pPr algn="ctr">
                         <a:buNone/>
@@ -8767,19 +7897,8 @@
                           <a:latin typeface="微软雅黑" panose="020B0503020204020204" charset="-122"/>
                           <a:ea typeface="微软雅黑" panose="020B0503020204020204" charset="-122"/>
                         </a:rPr>
-                        <a:t>净资产</a:t>
+                        <a:t>净资产收益率</a:t>
                       </a:r>
-                      <a:r>
-                        <a:rPr lang="zh-CN" altLang="en-US">
-                          <a:latin typeface="微软雅黑" panose="020B0503020204020204" charset="-122"/>
-                          <a:ea typeface="微软雅黑" panose="020B0503020204020204" charset="-122"/>
-                        </a:rPr>
-                        <a:t>收益率</a:t>
-                      </a:r>
-                      <a:endParaRPr lang="zh-CN" altLang="en-US">
-                        <a:latin typeface="微软雅黑" panose="020B0503020204020204" charset="-122"/>
-                        <a:ea typeface="微软雅黑" panose="020B0503020204020204" charset="-122"/>
-                      </a:endParaRPr>
                     </a:p>
                   </a:txBody>
                   <a:tcPr/>
@@ -8787,6 +7906,7 @@
                 <a:tc>
                   <a:txBody>
                     <a:bodyPr/>
+                    <a:lstStyle/>
                     <a:p>
                       <a:pPr algn="ctr">
                         <a:buNone/>
@@ -8798,10 +7918,6 @@
                         </a:rPr>
                         <a:t>ROE</a:t>
                       </a:r>
-                      <a:endParaRPr lang="en-US" altLang="zh-CN">
-                        <a:latin typeface="微软雅黑" panose="020B0503020204020204" charset="-122"/>
-                        <a:ea typeface="微软雅黑" panose="020B0503020204020204" charset="-122"/>
-                      </a:endParaRPr>
                     </a:p>
                   </a:txBody>
                   <a:tcPr/>
@@ -8809,6 +7925,7 @@
                 <a:tc>
                   <a:txBody>
                     <a:bodyPr/>
+                    <a:lstStyle/>
                     <a:p>
                       <a:pPr algn="ctr">
                         <a:buNone/>
@@ -8832,28 +7949,23 @@
                           <a:latin typeface="微软雅黑" panose="020B0503020204020204" charset="-122"/>
                           <a:ea typeface="微软雅黑" panose="020B0503020204020204" charset="-122"/>
                         </a:rPr>
-                        <a:t>权益</a:t>
+                        <a:t>权益总额</a:t>
                       </a:r>
-                      <a:r>
-                        <a:rPr lang="zh-CN" altLang="en-US">
-                          <a:latin typeface="微软雅黑" panose="020B0503020204020204" charset="-122"/>
-                          <a:ea typeface="微软雅黑" panose="020B0503020204020204" charset="-122"/>
-                        </a:rPr>
-                        <a:t>总额</a:t>
-                      </a:r>
-                      <a:endParaRPr lang="zh-CN" altLang="en-US">
-                        <a:latin typeface="微软雅黑" panose="020B0503020204020204" charset="-122"/>
-                        <a:ea typeface="微软雅黑" panose="020B0503020204020204" charset="-122"/>
-                      </a:endParaRPr>
                     </a:p>
                   </a:txBody>
                   <a:tcPr/>
                 </a:tc>
+                <a:extLst>
+                  <a:ext uri="{0D108BD9-81ED-4DB2-BD59-A6C34878D82A}">
+                    <a16:rowId xmlns:a16="http://schemas.microsoft.com/office/drawing/2014/main" val="10002"/>
+                  </a:ext>
+                </a:extLst>
               </a:tr>
               <a:tr h="381000">
                 <a:tc>
                   <a:txBody>
                     <a:bodyPr/>
+                    <a:lstStyle/>
                     <a:p>
                       <a:pPr algn="ctr">
                         <a:buNone/>
@@ -8869,6 +7981,7 @@
                 <a:tc>
                   <a:txBody>
                     <a:bodyPr/>
+                    <a:lstStyle/>
                     <a:p>
                       <a:pPr algn="ctr">
                         <a:buNone/>
@@ -8878,19 +7991,8 @@
                           <a:latin typeface="微软雅黑" panose="020B0503020204020204" charset="-122"/>
                           <a:ea typeface="微软雅黑" panose="020B0503020204020204" charset="-122"/>
                         </a:rPr>
-                        <a:t>净息差</a:t>
+                        <a:t>净息差比</a:t>
                       </a:r>
-                      <a:r>
-                        <a:rPr lang="zh-CN" altLang="en-US">
-                          <a:latin typeface="微软雅黑" panose="020B0503020204020204" charset="-122"/>
-                          <a:ea typeface="微软雅黑" panose="020B0503020204020204" charset="-122"/>
-                        </a:rPr>
-                        <a:t>比</a:t>
-                      </a:r>
-                      <a:endParaRPr lang="zh-CN" altLang="en-US">
-                        <a:latin typeface="微软雅黑" panose="020B0503020204020204" charset="-122"/>
-                        <a:ea typeface="微软雅黑" panose="020B0503020204020204" charset="-122"/>
-                      </a:endParaRPr>
                     </a:p>
                   </a:txBody>
                   <a:tcPr/>
@@ -8898,6 +8000,7 @@
                 <a:tc>
                   <a:txBody>
                     <a:bodyPr/>
+                    <a:lstStyle/>
                     <a:p>
                       <a:pPr algn="ctr">
                         <a:buNone/>
@@ -8909,10 +8012,6 @@
                         </a:rPr>
                         <a:t>NIM</a:t>
                       </a:r>
-                      <a:endParaRPr lang="en-US" altLang="zh-CN">
-                        <a:latin typeface="微软雅黑" panose="020B0503020204020204" charset="-122"/>
-                        <a:ea typeface="微软雅黑" panose="020B0503020204020204" charset="-122"/>
-                      </a:endParaRPr>
                     </a:p>
                   </a:txBody>
                   <a:tcPr/>
@@ -8920,6 +8019,7 @@
                 <a:tc>
                   <a:txBody>
                     <a:bodyPr/>
+                    <a:lstStyle/>
                     <a:p>
                       <a:pPr algn="ctr">
                         <a:buNone/>
@@ -8931,19 +8031,21 @@
                         </a:rPr>
                         <a:t>....</a:t>
                       </a:r>
-                      <a:endParaRPr lang="en-US" altLang="zh-CN">
-                        <a:latin typeface="微软雅黑" panose="020B0503020204020204" charset="-122"/>
-                        <a:ea typeface="微软雅黑" panose="020B0503020204020204" charset="-122"/>
-                      </a:endParaRPr>
                     </a:p>
                   </a:txBody>
                   <a:tcPr/>
                 </a:tc>
+                <a:extLst>
+                  <a:ext uri="{0D108BD9-81ED-4DB2-BD59-A6C34878D82A}">
+                    <a16:rowId xmlns:a16="http://schemas.microsoft.com/office/drawing/2014/main" val="10003"/>
+                  </a:ext>
+                </a:extLst>
               </a:tr>
               <a:tr h="381000">
                 <a:tc>
                   <a:txBody>
                     <a:bodyPr/>
+                    <a:lstStyle/>
                     <a:p>
                       <a:pPr algn="ctr">
                         <a:buNone/>
@@ -8953,19 +8055,8 @@
                           <a:latin typeface="微软雅黑" panose="020B0503020204020204" charset="-122"/>
                           <a:ea typeface="微软雅黑" panose="020B0503020204020204" charset="-122"/>
                         </a:rPr>
-                        <a:t>解释</a:t>
+                        <a:t>解释变量</a:t>
                       </a:r>
-                      <a:r>
-                        <a:rPr lang="zh-CN" altLang="en-US">
-                          <a:latin typeface="微软雅黑" panose="020B0503020204020204" charset="-122"/>
-                          <a:ea typeface="微软雅黑" panose="020B0503020204020204" charset="-122"/>
-                        </a:rPr>
-                        <a:t>变量</a:t>
-                      </a:r>
-                      <a:endParaRPr lang="zh-CN" altLang="en-US">
-                        <a:latin typeface="微软雅黑" panose="020B0503020204020204" charset="-122"/>
-                        <a:ea typeface="微软雅黑" panose="020B0503020204020204" charset="-122"/>
-                      </a:endParaRPr>
                     </a:p>
                   </a:txBody>
                   <a:tcPr/>
@@ -8973,6 +8064,7 @@
                 <a:tc>
                   <a:txBody>
                     <a:bodyPr/>
+                    <a:lstStyle/>
                     <a:p>
                       <a:pPr algn="ctr">
                         <a:buNone/>
@@ -8984,10 +8076,6 @@
                         </a:rPr>
                         <a:t>.....</a:t>
                       </a:r>
-                      <a:endParaRPr lang="en-US" altLang="zh-CN">
-                        <a:latin typeface="微软雅黑" panose="020B0503020204020204" charset="-122"/>
-                        <a:ea typeface="微软雅黑" panose="020B0503020204020204" charset="-122"/>
-                      </a:endParaRPr>
                     </a:p>
                   </a:txBody>
                   <a:tcPr/>
@@ -8995,6 +8083,7 @@
                 <a:tc>
                   <a:txBody>
                     <a:bodyPr/>
+                    <a:lstStyle/>
                     <a:p>
                       <a:pPr algn="ctr">
                         <a:buNone/>
@@ -9010,6 +8099,7 @@
                 <a:tc>
                   <a:txBody>
                     <a:bodyPr/>
+                    <a:lstStyle/>
                     <a:p>
                       <a:pPr algn="ctr">
                         <a:buNone/>
@@ -9022,11 +8112,17 @@
                   </a:txBody>
                   <a:tcPr/>
                 </a:tc>
+                <a:extLst>
+                  <a:ext uri="{0D108BD9-81ED-4DB2-BD59-A6C34878D82A}">
+                    <a16:rowId xmlns:a16="http://schemas.microsoft.com/office/drawing/2014/main" val="10004"/>
+                  </a:ext>
+                </a:extLst>
               </a:tr>
               <a:tr h="381000">
                 <a:tc>
                   <a:txBody>
                     <a:bodyPr/>
+                    <a:lstStyle/>
                     <a:p>
                       <a:pPr algn="ctr">
                         <a:buNone/>
@@ -9042,6 +8138,7 @@
                 <a:tc>
                   <a:txBody>
                     <a:bodyPr/>
+                    <a:lstStyle/>
                     <a:p>
                       <a:pPr algn="ctr">
                         <a:buNone/>
@@ -9053,10 +8150,6 @@
                         </a:rPr>
                         <a:t>.....</a:t>
                       </a:r>
-                      <a:endParaRPr lang="en-US" altLang="zh-CN">
-                        <a:latin typeface="微软雅黑" panose="020B0503020204020204" charset="-122"/>
-                        <a:ea typeface="微软雅黑" panose="020B0503020204020204" charset="-122"/>
-                      </a:endParaRPr>
                     </a:p>
                   </a:txBody>
                   <a:tcPr/>
@@ -9064,6 +8157,7 @@
                 <a:tc>
                   <a:txBody>
                     <a:bodyPr/>
+                    <a:lstStyle/>
                     <a:p>
                       <a:pPr algn="ctr">
                         <a:buNone/>
@@ -9079,6 +8173,7 @@
                 <a:tc>
                   <a:txBody>
                     <a:bodyPr/>
+                    <a:lstStyle/>
                     <a:p>
                       <a:pPr algn="ctr">
                         <a:buNone/>
@@ -9091,11 +8186,17 @@
                   </a:txBody>
                   <a:tcPr/>
                 </a:tc>
+                <a:extLst>
+                  <a:ext uri="{0D108BD9-81ED-4DB2-BD59-A6C34878D82A}">
+                    <a16:rowId xmlns:a16="http://schemas.microsoft.com/office/drawing/2014/main" val="10005"/>
+                  </a:ext>
+                </a:extLst>
               </a:tr>
               <a:tr h="381000">
                 <a:tc>
                   <a:txBody>
                     <a:bodyPr/>
+                    <a:lstStyle/>
                     <a:p>
                       <a:pPr algn="ctr">
                         <a:buNone/>
@@ -9111,6 +8212,7 @@
                 <a:tc>
                   <a:txBody>
                     <a:bodyPr/>
+                    <a:lstStyle/>
                     <a:p>
                       <a:pPr algn="ctr">
                         <a:buNone/>
@@ -9122,10 +8224,6 @@
                         </a:rPr>
                         <a:t>.....</a:t>
                       </a:r>
-                      <a:endParaRPr lang="en-US" altLang="zh-CN">
-                        <a:latin typeface="微软雅黑" panose="020B0503020204020204" charset="-122"/>
-                        <a:ea typeface="微软雅黑" panose="020B0503020204020204" charset="-122"/>
-                      </a:endParaRPr>
                     </a:p>
                   </a:txBody>
                   <a:tcPr/>
@@ -9133,6 +8231,7 @@
                 <a:tc>
                   <a:txBody>
                     <a:bodyPr/>
+                    <a:lstStyle/>
                     <a:p>
                       <a:pPr algn="ctr">
                         <a:buNone/>
@@ -9148,6 +8247,7 @@
                 <a:tc>
                   <a:txBody>
                     <a:bodyPr/>
+                    <a:lstStyle/>
                     <a:p>
                       <a:pPr algn="ctr">
                         <a:buNone/>
@@ -9160,11 +8260,17 @@
                   </a:txBody>
                   <a:tcPr/>
                 </a:tc>
+                <a:extLst>
+                  <a:ext uri="{0D108BD9-81ED-4DB2-BD59-A6C34878D82A}">
+                    <a16:rowId xmlns:a16="http://schemas.microsoft.com/office/drawing/2014/main" val="10006"/>
+                  </a:ext>
+                </a:extLst>
               </a:tr>
               <a:tr h="381000">
                 <a:tc>
                   <a:txBody>
                     <a:bodyPr/>
+                    <a:lstStyle/>
                     <a:p>
                       <a:pPr algn="ctr">
                         <a:buNone/>
@@ -9174,19 +8280,8 @@
                           <a:latin typeface="微软雅黑" panose="020B0503020204020204" charset="-122"/>
                           <a:ea typeface="微软雅黑" panose="020B0503020204020204" charset="-122"/>
                         </a:rPr>
-                        <a:t>控制</a:t>
+                        <a:t>控制变量</a:t>
                       </a:r>
-                      <a:r>
-                        <a:rPr lang="zh-CN" altLang="en-US">
-                          <a:latin typeface="微软雅黑" panose="020B0503020204020204" charset="-122"/>
-                          <a:ea typeface="微软雅黑" panose="020B0503020204020204" charset="-122"/>
-                        </a:rPr>
-                        <a:t>变量</a:t>
-                      </a:r>
-                      <a:endParaRPr lang="zh-CN" altLang="en-US">
-                        <a:latin typeface="微软雅黑" panose="020B0503020204020204" charset="-122"/>
-                        <a:ea typeface="微软雅黑" panose="020B0503020204020204" charset="-122"/>
-                      </a:endParaRPr>
                     </a:p>
                   </a:txBody>
                   <a:tcPr/>
@@ -9194,6 +8289,7 @@
                 <a:tc>
                   <a:txBody>
                     <a:bodyPr/>
+                    <a:lstStyle/>
                     <a:p>
                       <a:pPr algn="ctr">
                         <a:buNone/>
@@ -9205,10 +8301,6 @@
                         </a:rPr>
                         <a:t>.....</a:t>
                       </a:r>
-                      <a:endParaRPr lang="en-US" altLang="zh-CN">
-                        <a:latin typeface="微软雅黑" panose="020B0503020204020204" charset="-122"/>
-                        <a:ea typeface="微软雅黑" panose="020B0503020204020204" charset="-122"/>
-                      </a:endParaRPr>
                     </a:p>
                   </a:txBody>
                   <a:tcPr/>
@@ -9216,6 +8308,7 @@
                 <a:tc>
                   <a:txBody>
                     <a:bodyPr/>
+                    <a:lstStyle/>
                     <a:p>
                       <a:pPr algn="ctr">
                         <a:buNone/>
@@ -9231,6 +8324,7 @@
                 <a:tc>
                   <a:txBody>
                     <a:bodyPr/>
+                    <a:lstStyle/>
                     <a:p>
                       <a:pPr algn="ctr">
                         <a:buNone/>
@@ -9243,11 +8337,17 @@
                   </a:txBody>
                   <a:tcPr/>
                 </a:tc>
+                <a:extLst>
+                  <a:ext uri="{0D108BD9-81ED-4DB2-BD59-A6C34878D82A}">
+                    <a16:rowId xmlns:a16="http://schemas.microsoft.com/office/drawing/2014/main" val="10007"/>
+                  </a:ext>
+                </a:extLst>
               </a:tr>
               <a:tr h="381000">
                 <a:tc>
                   <a:txBody>
                     <a:bodyPr/>
+                    <a:lstStyle/>
                     <a:p>
                       <a:pPr algn="ctr">
                         <a:buNone/>
@@ -9263,6 +8363,7 @@
                 <a:tc>
                   <a:txBody>
                     <a:bodyPr/>
+                    <a:lstStyle/>
                     <a:p>
                       <a:pPr algn="ctr">
                         <a:buNone/>
@@ -9278,6 +8379,7 @@
                 <a:tc>
                   <a:txBody>
                     <a:bodyPr/>
+                    <a:lstStyle/>
                     <a:p>
                       <a:pPr algn="ctr">
                         <a:buNone/>
@@ -9293,6 +8395,7 @@
                 <a:tc>
                   <a:txBody>
                     <a:bodyPr/>
+                    <a:lstStyle/>
                     <a:p>
                       <a:pPr algn="ctr">
                         <a:buNone/>
@@ -9305,11 +8408,17 @@
                   </a:txBody>
                   <a:tcPr/>
                 </a:tc>
+                <a:extLst>
+                  <a:ext uri="{0D108BD9-81ED-4DB2-BD59-A6C34878D82A}">
+                    <a16:rowId xmlns:a16="http://schemas.microsoft.com/office/drawing/2014/main" val="10008"/>
+                  </a:ext>
+                </a:extLst>
               </a:tr>
               <a:tr h="381000">
                 <a:tc>
                   <a:txBody>
                     <a:bodyPr/>
+                    <a:lstStyle/>
                     <a:p>
                       <a:pPr algn="ctr">
                         <a:buNone/>
@@ -9325,6 +8434,7 @@
                 <a:tc>
                   <a:txBody>
                     <a:bodyPr/>
+                    <a:lstStyle/>
                     <a:p>
                       <a:pPr algn="ctr">
                         <a:buNone/>
@@ -9340,6 +8450,7 @@
                 <a:tc>
                   <a:txBody>
                     <a:bodyPr/>
+                    <a:lstStyle/>
                     <a:p>
                       <a:pPr algn="ctr">
                         <a:buNone/>
@@ -9355,6 +8466,7 @@
                 <a:tc>
                   <a:txBody>
                     <a:bodyPr/>
+                    <a:lstStyle/>
                     <a:p>
                       <a:pPr algn="ctr">
                         <a:buNone/>
@@ -9367,11 +8479,17 @@
                   </a:txBody>
                   <a:tcPr/>
                 </a:tc>
+                <a:extLst>
+                  <a:ext uri="{0D108BD9-81ED-4DB2-BD59-A6C34878D82A}">
+                    <a16:rowId xmlns:a16="http://schemas.microsoft.com/office/drawing/2014/main" val="10009"/>
+                  </a:ext>
+                </a:extLst>
               </a:tr>
               <a:tr h="381000">
                 <a:tc>
                   <a:txBody>
                     <a:bodyPr/>
+                    <a:lstStyle/>
                     <a:p>
                       <a:pPr algn="ctr">
                         <a:buNone/>
@@ -9387,6 +8505,7 @@
                 <a:tc>
                   <a:txBody>
                     <a:bodyPr/>
+                    <a:lstStyle/>
                     <a:p>
                       <a:pPr algn="ctr">
                         <a:buNone/>
@@ -9402,6 +8521,7 @@
                 <a:tc>
                   <a:txBody>
                     <a:bodyPr/>
+                    <a:lstStyle/>
                     <a:p>
                       <a:pPr algn="ctr">
                         <a:buNone/>
@@ -9417,6 +8537,7 @@
                 <a:tc>
                   <a:txBody>
                     <a:bodyPr/>
+                    <a:lstStyle/>
                     <a:p>
                       <a:pPr algn="ctr">
                         <a:buNone/>
@@ -9429,11 +8550,17 @@
                   </a:txBody>
                   <a:tcPr/>
                 </a:tc>
+                <a:extLst>
+                  <a:ext uri="{0D108BD9-81ED-4DB2-BD59-A6C34878D82A}">
+                    <a16:rowId xmlns:a16="http://schemas.microsoft.com/office/drawing/2014/main" val="10010"/>
+                  </a:ext>
+                </a:extLst>
               </a:tr>
               <a:tr h="381000">
                 <a:tc>
                   <a:txBody>
                     <a:bodyPr/>
+                    <a:lstStyle/>
                     <a:p>
                       <a:pPr algn="ctr">
                         <a:buNone/>
@@ -9449,6 +8576,7 @@
                 <a:tc>
                   <a:txBody>
                     <a:bodyPr/>
+                    <a:lstStyle/>
                     <a:p>
                       <a:pPr algn="ctr">
                         <a:buNone/>
@@ -9464,6 +8592,7 @@
                 <a:tc>
                   <a:txBody>
                     <a:bodyPr/>
+                    <a:lstStyle/>
                     <a:p>
                       <a:pPr algn="ctr">
                         <a:buNone/>
@@ -9479,6 +8608,7 @@
                 <a:tc>
                   <a:txBody>
                     <a:bodyPr/>
+                    <a:lstStyle/>
                     <a:p>
                       <a:pPr algn="ctr">
                         <a:buNone/>
@@ -9491,6 +8621,11 @@
                   </a:txBody>
                   <a:tcPr/>
                 </a:tc>
+                <a:extLst>
+                  <a:ext uri="{0D108BD9-81ED-4DB2-BD59-A6C34878D82A}">
+                    <a16:rowId xmlns:a16="http://schemas.microsoft.com/office/drawing/2014/main" val="10011"/>
+                  </a:ext>
+                </a:extLst>
               </a:tr>
             </a:tbl>
           </a:graphicData>
@@ -9502,7 +8637,7 @@
           <p:cNvSpPr/>
           <p:nvPr>
             <p:custDataLst>
-              <p:tags r:id="rId4"/>
+              <p:tags r:id="rId5"/>
             </p:custDataLst>
           </p:nvPr>
         </p:nvSpPr>
@@ -9519,6 +8654,7 @@
           <a:bodyPr wrap="square">
             <a:spAutoFit/>
           </a:bodyPr>
+          <a:lstStyle/>
           <a:p>
             <a:pPr indent="0" algn="ctr">
               <a:lnSpc>
@@ -9547,31 +8683,8 @@
                 <a:latin typeface="微软雅黑" panose="020B0503020204020204" charset="-122"/>
                 <a:ea typeface="微软雅黑" panose="020B0503020204020204" charset="-122"/>
               </a:rPr>
-              <a:t>表</a:t>
+              <a:t>表标题</a:t>
             </a:r>
-            <a:r>
-              <a:rPr lang="zh-CN" altLang="en-US" sz="1400" b="1">
-                <a:solidFill>
-                  <a:schemeClr val="accent1">
-                    <a:lumMod val="50000"/>
-                  </a:schemeClr>
-                </a:solidFill>
-                <a:uFillTx/>
-                <a:latin typeface="微软雅黑" panose="020B0503020204020204" charset="-122"/>
-                <a:ea typeface="微软雅黑" panose="020B0503020204020204" charset="-122"/>
-              </a:rPr>
-              <a:t>标题</a:t>
-            </a:r>
-            <a:endParaRPr lang="zh-CN" altLang="en-US" sz="1400" b="1">
-              <a:solidFill>
-                <a:schemeClr val="accent1">
-                  <a:lumMod val="50000"/>
-                </a:schemeClr>
-              </a:solidFill>
-              <a:uFillTx/>
-              <a:latin typeface="微软雅黑" panose="020B0503020204020204" charset="-122"/>
-              <a:ea typeface="微软雅黑" panose="020B0503020204020204" charset="-122"/>
-            </a:endParaRPr>
           </a:p>
         </p:txBody>
       </p:sp>
@@ -9580,13 +8693,13 @@
   <p:clrMapOvr>
     <a:masterClrMapping/>
   </p:clrMapOvr>
-  <mc:AlternateContent xmlns:mc="http://schemas.openxmlformats.org/markup-compatibility/2006">
-    <mc:Choice xmlns:p14="http://schemas.microsoft.com/office/powerpoint/2010/main" Requires="p14">
+  <mc:AlternateContent xmlns:mc="http://schemas.openxmlformats.org/markup-compatibility/2006" xmlns:p14="http://schemas.microsoft.com/office/powerpoint/2010/main">
+    <mc:Choice Requires="p14">
       <p:transition spd="med" p14:dur="700">
         <p:fade/>
       </p:transition>
     </mc:Choice>
-    <mc:Fallback>
+    <mc:Fallback xmlns="">
       <p:transition spd="med">
         <p:fade/>
       </p:transition>
@@ -9776,7 +8889,7 @@
           <p:cNvSpPr/>
           <p:nvPr>
             <p:custDataLst>
-              <p:tags r:id="rId1"/>
+              <p:tags r:id="rId2"/>
             </p:custDataLst>
           </p:nvPr>
         </p:nvSpPr>
@@ -9917,6 +9030,7 @@
           <a:bodyPr rot="0" spcFirstLastPara="0" vertOverflow="overflow" horzOverflow="overflow" vert="horz" wrap="square" lIns="91440" tIns="45720" rIns="91440" bIns="45720" numCol="1" spcCol="0" rtlCol="0" fromWordArt="0" anchor="ctr" anchorCtr="0" forceAA="0" compatLnSpc="1">
             <a:noAutofit/>
           </a:bodyPr>
+          <a:lstStyle/>
           <a:p>
             <a:pPr algn="ctr"/>
             <a:r>
@@ -9929,13 +9043,6 @@
               </a:rPr>
               <a:t>研究背景</a:t>
             </a:r>
-            <a:endParaRPr lang="zh-CN" altLang="en-US" b="1" spc="300">
-              <a:solidFill>
-                <a:schemeClr val="accent1"/>
-              </a:solidFill>
-              <a:latin typeface="+mj-ea"/>
-              <a:ea typeface="+mj-ea"/>
-            </a:endParaRPr>
           </a:p>
         </p:txBody>
       </p:sp>
@@ -9945,7 +9052,7 @@
           <p:cNvSpPr/>
           <p:nvPr>
             <p:custDataLst>
-              <p:tags r:id="rId2"/>
+              <p:tags r:id="rId3"/>
             </p:custDataLst>
           </p:nvPr>
         </p:nvSpPr>
@@ -9987,6 +9094,7 @@
         </p:style>
         <p:txBody>
           <a:bodyPr rtlCol="0" anchor="ctr"/>
+          <a:lstStyle/>
           <a:p>
             <a:pPr algn="ctr"/>
             <a:endParaRPr lang="zh-CN" altLang="en-US">
@@ -10003,7 +9111,7 @@
           <p:cNvSpPr/>
           <p:nvPr>
             <p:custDataLst>
-              <p:tags r:id="rId3"/>
+              <p:tags r:id="rId4"/>
             </p:custDataLst>
           </p:nvPr>
         </p:nvSpPr>
@@ -10041,6 +9149,7 @@
         </p:style>
         <p:txBody>
           <a:bodyPr lIns="0" tIns="0" rIns="0" bIns="0" rtlCol="0" anchor="ctr"/>
+          <a:lstStyle/>
           <a:p>
             <a:pPr algn="ctr"/>
             <a:r>
@@ -10065,7 +9174,7 @@
           <p:cNvSpPr/>
           <p:nvPr>
             <p:custDataLst>
-              <p:tags r:id="rId4"/>
+              <p:tags r:id="rId5"/>
             </p:custDataLst>
           </p:nvPr>
         </p:nvSpPr>
@@ -10206,6 +9315,7 @@
           <a:bodyPr rot="0" spcFirstLastPara="0" vertOverflow="overflow" horzOverflow="overflow" vert="horz" wrap="square" lIns="91440" tIns="45720" rIns="91440" bIns="45720" numCol="1" spcCol="0" rtlCol="0" fromWordArt="0" anchor="ctr" anchorCtr="0" forceAA="0" compatLnSpc="1">
             <a:noAutofit/>
           </a:bodyPr>
+          <a:lstStyle/>
           <a:p>
             <a:pPr algn="ctr"/>
             <a:r>
@@ -10218,13 +9328,6 @@
               </a:rPr>
               <a:t>研究意义</a:t>
             </a:r>
-            <a:endParaRPr lang="zh-CN" altLang="en-US" b="1" spc="300">
-              <a:solidFill>
-                <a:schemeClr val="accent1"/>
-              </a:solidFill>
-              <a:latin typeface="+mj-ea"/>
-              <a:ea typeface="+mj-ea"/>
-            </a:endParaRPr>
           </a:p>
         </p:txBody>
       </p:sp>
@@ -10234,7 +9337,7 @@
           <p:cNvSpPr/>
           <p:nvPr>
             <p:custDataLst>
-              <p:tags r:id="rId5"/>
+              <p:tags r:id="rId6"/>
             </p:custDataLst>
           </p:nvPr>
         </p:nvSpPr>
@@ -10276,6 +9379,7 @@
         </p:style>
         <p:txBody>
           <a:bodyPr rtlCol="0" anchor="ctr"/>
+          <a:lstStyle/>
           <a:p>
             <a:pPr algn="ctr"/>
             <a:endParaRPr lang="zh-CN" altLang="en-US"/>
@@ -10288,7 +9392,7 @@
           <p:cNvSpPr/>
           <p:nvPr>
             <p:custDataLst>
-              <p:tags r:id="rId6"/>
+              <p:tags r:id="rId7"/>
             </p:custDataLst>
           </p:nvPr>
         </p:nvSpPr>
@@ -10326,6 +9430,7 @@
         </p:style>
         <p:txBody>
           <a:bodyPr lIns="0" tIns="0" rIns="0" bIns="0" rtlCol="0" anchor="ctr"/>
+          <a:lstStyle/>
           <a:p>
             <a:pPr algn="ctr"/>
             <a:r>
@@ -10350,7 +9455,7 @@
           <p:cNvSpPr/>
           <p:nvPr>
             <p:custDataLst>
-              <p:tags r:id="rId7"/>
+              <p:tags r:id="rId8"/>
             </p:custDataLst>
           </p:nvPr>
         </p:nvSpPr>
@@ -10491,6 +9596,7 @@
           <a:bodyPr rot="0" spcFirstLastPara="0" vertOverflow="overflow" horzOverflow="overflow" vert="horz" wrap="square" lIns="91440" tIns="45720" rIns="91440" bIns="45720" numCol="1" spcCol="0" rtlCol="0" fromWordArt="0" anchor="ctr" anchorCtr="0" forceAA="0" compatLnSpc="1">
             <a:noAutofit/>
           </a:bodyPr>
+          <a:lstStyle/>
           <a:p>
             <a:pPr algn="ctr"/>
             <a:r>
@@ -10503,13 +9609,6 @@
               </a:rPr>
               <a:t>技术路线</a:t>
             </a:r>
-            <a:endParaRPr lang="zh-CN" altLang="en-US" b="1" spc="300">
-              <a:solidFill>
-                <a:schemeClr val="accent1"/>
-              </a:solidFill>
-              <a:latin typeface="+mj-ea"/>
-              <a:ea typeface="+mj-ea"/>
-            </a:endParaRPr>
           </a:p>
         </p:txBody>
       </p:sp>
@@ -10519,7 +9618,7 @@
           <p:cNvSpPr/>
           <p:nvPr>
             <p:custDataLst>
-              <p:tags r:id="rId8"/>
+              <p:tags r:id="rId9"/>
             </p:custDataLst>
           </p:nvPr>
         </p:nvSpPr>
@@ -10561,6 +9660,7 @@
         </p:style>
         <p:txBody>
           <a:bodyPr rtlCol="0" anchor="ctr"/>
+          <a:lstStyle/>
           <a:p>
             <a:pPr algn="ctr"/>
             <a:endParaRPr lang="zh-CN" altLang="en-US">
@@ -10577,7 +9677,7 @@
           <p:cNvSpPr/>
           <p:nvPr>
             <p:custDataLst>
-              <p:tags r:id="rId9"/>
+              <p:tags r:id="rId10"/>
             </p:custDataLst>
           </p:nvPr>
         </p:nvSpPr>
@@ -10615,6 +9715,7 @@
         </p:style>
         <p:txBody>
           <a:bodyPr lIns="0" tIns="0" rIns="0" bIns="0" rtlCol="0" anchor="ctr"/>
+          <a:lstStyle/>
           <a:p>
             <a:pPr algn="ctr"/>
             <a:r>
@@ -10639,7 +9740,7 @@
           <p:cNvSpPr/>
           <p:nvPr>
             <p:custDataLst>
-              <p:tags r:id="rId10"/>
+              <p:tags r:id="rId11"/>
             </p:custDataLst>
           </p:nvPr>
         </p:nvSpPr>
@@ -10780,6 +9881,7 @@
           <a:bodyPr rot="0" spcFirstLastPara="0" vertOverflow="overflow" horzOverflow="overflow" vert="horz" wrap="square" lIns="91440" tIns="45720" rIns="91440" bIns="45720" numCol="1" spcCol="0" rtlCol="0" fromWordArt="0" anchor="ctr" anchorCtr="0" forceAA="0" compatLnSpc="1">
             <a:noAutofit/>
           </a:bodyPr>
+          <a:lstStyle/>
           <a:p>
             <a:pPr algn="ctr"/>
             <a:r>
@@ -10792,13 +9894,6 @@
               </a:rPr>
               <a:t>计划安排</a:t>
             </a:r>
-            <a:endParaRPr lang="zh-CN" altLang="en-US" b="1" spc="300">
-              <a:solidFill>
-                <a:schemeClr val="accent1"/>
-              </a:solidFill>
-              <a:latin typeface="+mj-ea"/>
-              <a:ea typeface="+mj-ea"/>
-            </a:endParaRPr>
           </a:p>
         </p:txBody>
       </p:sp>
@@ -10808,7 +9903,7 @@
           <p:cNvSpPr/>
           <p:nvPr>
             <p:custDataLst>
-              <p:tags r:id="rId11"/>
+              <p:tags r:id="rId12"/>
             </p:custDataLst>
           </p:nvPr>
         </p:nvSpPr>
@@ -10850,6 +9945,7 @@
         </p:style>
         <p:txBody>
           <a:bodyPr rtlCol="0" anchor="ctr"/>
+          <a:lstStyle/>
           <a:p>
             <a:pPr algn="ctr"/>
             <a:endParaRPr lang="zh-CN" altLang="en-US"/>
@@ -10862,7 +9958,7 @@
           <p:cNvSpPr/>
           <p:nvPr>
             <p:custDataLst>
-              <p:tags r:id="rId12"/>
+              <p:tags r:id="rId13"/>
             </p:custDataLst>
           </p:nvPr>
         </p:nvSpPr>
@@ -10900,6 +9996,7 @@
         </p:style>
         <p:txBody>
           <a:bodyPr lIns="0" tIns="0" rIns="0" bIns="0" rtlCol="0" anchor="ctr"/>
+          <a:lstStyle/>
           <a:p>
             <a:pPr algn="ctr"/>
             <a:r>
@@ -10923,13 +10020,13 @@
   <p:clrMapOvr>
     <a:masterClrMapping/>
   </p:clrMapOvr>
-  <mc:AlternateContent xmlns:mc="http://schemas.openxmlformats.org/markup-compatibility/2006">
-    <mc:Choice xmlns:p14="http://schemas.microsoft.com/office/powerpoint/2010/main" Requires="p14">
+  <mc:AlternateContent xmlns:mc="http://schemas.openxmlformats.org/markup-compatibility/2006" xmlns:p14="http://schemas.microsoft.com/office/powerpoint/2010/main">
+    <mc:Choice Requires="p14">
       <p:transition spd="med" p14:dur="700">
         <p:fade/>
       </p:transition>
     </mc:Choice>
-    <mc:Fallback>
+    <mc:Fallback xmlns="">
       <p:transition spd="med">
         <p:fade/>
       </p:transition>
@@ -11204,16 +10301,6 @@
                 </a:rPr>
                 <a:t>为客户提供有效服务，是我们工作的方向和价值评价的标尺，成就客户就是成就我们自己；</a:t>
               </a:r>
-              <a:endParaRPr lang="zh-CN" altLang="en-US" sz="1400">
-                <a:solidFill>
-                  <a:schemeClr val="accent1">
-                    <a:lumMod val="50000"/>
-                  </a:schemeClr>
-                </a:solidFill>
-                <a:uFillTx/>
-                <a:latin typeface="微软雅黑" panose="020B0503020204020204" charset="-122"/>
-                <a:ea typeface="微软雅黑" panose="020B0503020204020204" charset="-122"/>
-              </a:endParaRPr>
             </a:p>
           </p:txBody>
         </p:sp>
@@ -11250,13 +10337,6 @@
                 </a:rPr>
                 <a:t>结论</a:t>
               </a:r>
-              <a:endParaRPr lang="zh-CN" altLang="en-US" dirty="0">
-                <a:solidFill>
-                  <a:schemeClr val="bg1"/>
-                </a:solidFill>
-                <a:latin typeface="+mj-ea"/>
-                <a:ea typeface="+mj-ea"/>
-              </a:endParaRPr>
             </a:p>
           </p:txBody>
         </p:sp>
@@ -11497,16 +10577,6 @@
                 </a:rPr>
                 <a:t>为客户提供有效服务，是我们工作的方向和价值评价的标尺，成就客户就是成就我们自己；</a:t>
               </a:r>
-              <a:endParaRPr lang="zh-CN" altLang="en-US" sz="1400">
-                <a:solidFill>
-                  <a:schemeClr val="accent1">
-                    <a:lumMod val="50000"/>
-                  </a:schemeClr>
-                </a:solidFill>
-                <a:uFillTx/>
-                <a:latin typeface="微软雅黑" panose="020B0503020204020204" charset="-122"/>
-                <a:ea typeface="微软雅黑" panose="020B0503020204020204" charset="-122"/>
-              </a:endParaRPr>
             </a:p>
           </p:txBody>
         </p:sp>
@@ -11543,13 +10613,6 @@
                 </a:rPr>
                 <a:t>建议</a:t>
               </a:r>
-              <a:endParaRPr lang="zh-CN" altLang="en-US" dirty="0">
-                <a:solidFill>
-                  <a:schemeClr val="bg1"/>
-                </a:solidFill>
-                <a:latin typeface="+mj-ea"/>
-                <a:ea typeface="+mj-ea"/>
-              </a:endParaRPr>
             </a:p>
           </p:txBody>
         </p:sp>
@@ -11617,6 +10680,7 @@
           <a:bodyPr wrap="square" rtlCol="0">
             <a:spAutoFit/>
           </a:bodyPr>
+          <a:lstStyle/>
           <a:p>
             <a:r>
               <a:rPr lang="zh-CN" altLang="en-US" sz="2000" dirty="0">
@@ -11624,21 +10688,8 @@
                 <a:ea typeface="OPPOSans B" panose="00020600040101010101" pitchFamily="18" charset="-122"/>
                 <a:cs typeface="OPPOSans B" panose="00020600040101010101" pitchFamily="18" charset="-122"/>
               </a:rPr>
-              <a:t>结论与</a:t>
+              <a:t>结论与展望</a:t>
             </a:r>
-            <a:r>
-              <a:rPr lang="zh-CN" altLang="en-US" sz="2000" dirty="0">
-                <a:latin typeface="OPPOSans B" panose="00020600040101010101" pitchFamily="18" charset="-122"/>
-                <a:ea typeface="OPPOSans B" panose="00020600040101010101" pitchFamily="18" charset="-122"/>
-                <a:cs typeface="OPPOSans B" panose="00020600040101010101" pitchFamily="18" charset="-122"/>
-              </a:rPr>
-              <a:t>展望</a:t>
-            </a:r>
-            <a:endParaRPr lang="zh-CN" altLang="en-US" sz="2000" dirty="0">
-              <a:latin typeface="OPPOSans B" panose="00020600040101010101" pitchFamily="18" charset="-122"/>
-              <a:ea typeface="OPPOSans B" panose="00020600040101010101" pitchFamily="18" charset="-122"/>
-              <a:cs typeface="OPPOSans B" panose="00020600040101010101" pitchFamily="18" charset="-122"/>
-            </a:endParaRPr>
           </a:p>
         </p:txBody>
       </p:sp>
@@ -11647,13 +10698,13 @@
   <p:clrMapOvr>
     <a:masterClrMapping/>
   </p:clrMapOvr>
-  <mc:AlternateContent xmlns:mc="http://schemas.openxmlformats.org/markup-compatibility/2006">
-    <mc:Choice xmlns:p14="http://schemas.microsoft.com/office/powerpoint/2010/main" Requires="p14">
+  <mc:AlternateContent xmlns:mc="http://schemas.openxmlformats.org/markup-compatibility/2006" xmlns:p14="http://schemas.microsoft.com/office/powerpoint/2010/main">
+    <mc:Choice Requires="p14">
       <p:transition spd="med" p14:dur="700">
         <p:fade/>
       </p:transition>
     </mc:Choice>
-    <mc:Fallback>
+    <mc:Fallback xmlns="">
       <p:transition spd="med">
         <p:fade/>
       </p:transition>
@@ -11843,7 +10894,7 @@
           <p:cNvSpPr/>
           <p:nvPr>
             <p:custDataLst>
-              <p:tags r:id="rId1"/>
+              <p:tags r:id="rId2"/>
             </p:custDataLst>
           </p:nvPr>
         </p:nvSpPr>
@@ -11984,6 +11035,7 @@
           <a:bodyPr rot="0" spcFirstLastPara="0" vertOverflow="overflow" horzOverflow="overflow" vert="horz" wrap="square" lIns="91440" tIns="45720" rIns="91440" bIns="45720" numCol="1" spcCol="0" rtlCol="0" fromWordArt="0" anchor="ctr" anchorCtr="0" forceAA="0" compatLnSpc="1">
             <a:noAutofit/>
           </a:bodyPr>
+          <a:lstStyle/>
           <a:p>
             <a:pPr algn="ctr"/>
             <a:r>
@@ -11996,13 +11048,6 @@
               </a:rPr>
               <a:t>研究背景</a:t>
             </a:r>
-            <a:endParaRPr lang="zh-CN" altLang="en-US" b="1" spc="300">
-              <a:solidFill>
-                <a:schemeClr val="accent1"/>
-              </a:solidFill>
-              <a:latin typeface="+mj-ea"/>
-              <a:ea typeface="+mj-ea"/>
-            </a:endParaRPr>
           </a:p>
         </p:txBody>
       </p:sp>
@@ -12012,7 +11057,7 @@
           <p:cNvSpPr/>
           <p:nvPr>
             <p:custDataLst>
-              <p:tags r:id="rId2"/>
+              <p:tags r:id="rId3"/>
             </p:custDataLst>
           </p:nvPr>
         </p:nvSpPr>
@@ -12054,6 +11099,7 @@
         </p:style>
         <p:txBody>
           <a:bodyPr rtlCol="0" anchor="ctr"/>
+          <a:lstStyle/>
           <a:p>
             <a:pPr algn="ctr"/>
             <a:endParaRPr lang="zh-CN" altLang="en-US">
@@ -12070,7 +11116,7 @@
           <p:cNvSpPr/>
           <p:nvPr>
             <p:custDataLst>
-              <p:tags r:id="rId3"/>
+              <p:tags r:id="rId4"/>
             </p:custDataLst>
           </p:nvPr>
         </p:nvSpPr>
@@ -12108,6 +11154,7 @@
         </p:style>
         <p:txBody>
           <a:bodyPr lIns="0" tIns="0" rIns="0" bIns="0" rtlCol="0" anchor="ctr"/>
+          <a:lstStyle/>
           <a:p>
             <a:pPr algn="ctr"/>
             <a:r>
@@ -12132,7 +11179,7 @@
           <p:cNvSpPr/>
           <p:nvPr>
             <p:custDataLst>
-              <p:tags r:id="rId4"/>
+              <p:tags r:id="rId5"/>
             </p:custDataLst>
           </p:nvPr>
         </p:nvSpPr>
@@ -12273,6 +11320,7 @@
           <a:bodyPr rot="0" spcFirstLastPara="0" vertOverflow="overflow" horzOverflow="overflow" vert="horz" wrap="square" lIns="91440" tIns="45720" rIns="91440" bIns="45720" numCol="1" spcCol="0" rtlCol="0" fromWordArt="0" anchor="ctr" anchorCtr="0" forceAA="0" compatLnSpc="1">
             <a:noAutofit/>
           </a:bodyPr>
+          <a:lstStyle/>
           <a:p>
             <a:pPr algn="ctr"/>
             <a:r>
@@ -12285,13 +11333,6 @@
               </a:rPr>
               <a:t>研究意义</a:t>
             </a:r>
-            <a:endParaRPr lang="zh-CN" altLang="en-US" b="1" spc="300">
-              <a:solidFill>
-                <a:schemeClr val="accent1"/>
-              </a:solidFill>
-              <a:latin typeface="+mj-ea"/>
-              <a:ea typeface="+mj-ea"/>
-            </a:endParaRPr>
           </a:p>
         </p:txBody>
       </p:sp>
@@ -12301,7 +11342,7 @@
           <p:cNvSpPr/>
           <p:nvPr>
             <p:custDataLst>
-              <p:tags r:id="rId5"/>
+              <p:tags r:id="rId6"/>
             </p:custDataLst>
           </p:nvPr>
         </p:nvSpPr>
@@ -12343,6 +11384,7 @@
         </p:style>
         <p:txBody>
           <a:bodyPr rtlCol="0" anchor="ctr"/>
+          <a:lstStyle/>
           <a:p>
             <a:pPr algn="ctr"/>
             <a:endParaRPr lang="zh-CN" altLang="en-US"/>
@@ -12355,7 +11397,7 @@
           <p:cNvSpPr/>
           <p:nvPr>
             <p:custDataLst>
-              <p:tags r:id="rId6"/>
+              <p:tags r:id="rId7"/>
             </p:custDataLst>
           </p:nvPr>
         </p:nvSpPr>
@@ -12393,6 +11435,7 @@
         </p:style>
         <p:txBody>
           <a:bodyPr lIns="0" tIns="0" rIns="0" bIns="0" rtlCol="0" anchor="ctr"/>
+          <a:lstStyle/>
           <a:p>
             <a:pPr algn="ctr"/>
             <a:r>
@@ -12417,7 +11460,7 @@
           <p:cNvSpPr/>
           <p:nvPr>
             <p:custDataLst>
-              <p:tags r:id="rId7"/>
+              <p:tags r:id="rId8"/>
             </p:custDataLst>
           </p:nvPr>
         </p:nvSpPr>
@@ -12558,6 +11601,7 @@
           <a:bodyPr rot="0" spcFirstLastPara="0" vertOverflow="overflow" horzOverflow="overflow" vert="horz" wrap="square" lIns="91440" tIns="45720" rIns="91440" bIns="45720" numCol="1" spcCol="0" rtlCol="0" fromWordArt="0" anchor="ctr" anchorCtr="0" forceAA="0" compatLnSpc="1">
             <a:noAutofit/>
           </a:bodyPr>
+          <a:lstStyle/>
           <a:p>
             <a:pPr algn="ctr"/>
             <a:r>
@@ -12570,13 +11614,6 @@
               </a:rPr>
               <a:t>技术路线</a:t>
             </a:r>
-            <a:endParaRPr lang="zh-CN" altLang="en-US" b="1" spc="300">
-              <a:solidFill>
-                <a:schemeClr val="accent1"/>
-              </a:solidFill>
-              <a:latin typeface="+mj-ea"/>
-              <a:ea typeface="+mj-ea"/>
-            </a:endParaRPr>
           </a:p>
         </p:txBody>
       </p:sp>
@@ -12586,7 +11623,7 @@
           <p:cNvSpPr/>
           <p:nvPr>
             <p:custDataLst>
-              <p:tags r:id="rId8"/>
+              <p:tags r:id="rId9"/>
             </p:custDataLst>
           </p:nvPr>
         </p:nvSpPr>
@@ -12628,6 +11665,7 @@
         </p:style>
         <p:txBody>
           <a:bodyPr rtlCol="0" anchor="ctr"/>
+          <a:lstStyle/>
           <a:p>
             <a:pPr algn="ctr"/>
             <a:endParaRPr lang="zh-CN" altLang="en-US">
@@ -12644,7 +11682,7 @@
           <p:cNvSpPr/>
           <p:nvPr>
             <p:custDataLst>
-              <p:tags r:id="rId9"/>
+              <p:tags r:id="rId10"/>
             </p:custDataLst>
           </p:nvPr>
         </p:nvSpPr>
@@ -12682,6 +11720,7 @@
         </p:style>
         <p:txBody>
           <a:bodyPr lIns="0" tIns="0" rIns="0" bIns="0" rtlCol="0" anchor="ctr"/>
+          <a:lstStyle/>
           <a:p>
             <a:pPr algn="ctr"/>
             <a:r>
@@ -12706,7 +11745,7 @@
           <p:cNvSpPr/>
           <p:nvPr>
             <p:custDataLst>
-              <p:tags r:id="rId10"/>
+              <p:tags r:id="rId11"/>
             </p:custDataLst>
           </p:nvPr>
         </p:nvSpPr>
@@ -12847,6 +11886,7 @@
           <a:bodyPr rot="0" spcFirstLastPara="0" vertOverflow="overflow" horzOverflow="overflow" vert="horz" wrap="square" lIns="91440" tIns="45720" rIns="91440" bIns="45720" numCol="1" spcCol="0" rtlCol="0" fromWordArt="0" anchor="ctr" anchorCtr="0" forceAA="0" compatLnSpc="1">
             <a:noAutofit/>
           </a:bodyPr>
+          <a:lstStyle/>
           <a:p>
             <a:pPr algn="ctr"/>
             <a:r>
@@ -12859,13 +11899,6 @@
               </a:rPr>
               <a:t>计划安排</a:t>
             </a:r>
-            <a:endParaRPr lang="zh-CN" altLang="en-US" b="1" spc="300">
-              <a:solidFill>
-                <a:schemeClr val="accent1"/>
-              </a:solidFill>
-              <a:latin typeface="+mj-ea"/>
-              <a:ea typeface="+mj-ea"/>
-            </a:endParaRPr>
           </a:p>
         </p:txBody>
       </p:sp>
@@ -12875,7 +11908,7 @@
           <p:cNvSpPr/>
           <p:nvPr>
             <p:custDataLst>
-              <p:tags r:id="rId11"/>
+              <p:tags r:id="rId12"/>
             </p:custDataLst>
           </p:nvPr>
         </p:nvSpPr>
@@ -12917,6 +11950,7 @@
         </p:style>
         <p:txBody>
           <a:bodyPr rtlCol="0" anchor="ctr"/>
+          <a:lstStyle/>
           <a:p>
             <a:pPr algn="ctr"/>
             <a:endParaRPr lang="zh-CN" altLang="en-US"/>
@@ -12929,7 +11963,7 @@
           <p:cNvSpPr/>
           <p:nvPr>
             <p:custDataLst>
-              <p:tags r:id="rId12"/>
+              <p:tags r:id="rId13"/>
             </p:custDataLst>
           </p:nvPr>
         </p:nvSpPr>
@@ -12967,6 +12001,7 @@
         </p:style>
         <p:txBody>
           <a:bodyPr lIns="0" tIns="0" rIns="0" bIns="0" rtlCol="0" anchor="ctr"/>
+          <a:lstStyle/>
           <a:p>
             <a:pPr algn="ctr"/>
             <a:r>
@@ -12991,7 +12026,7 @@
           <p:cNvSpPr/>
           <p:nvPr>
             <p:custDataLst>
-              <p:tags r:id="rId13"/>
+              <p:tags r:id="rId14"/>
             </p:custDataLst>
           </p:nvPr>
         </p:nvSpPr>
@@ -13132,6 +12167,7 @@
           <a:bodyPr rot="0" spcFirstLastPara="0" vertOverflow="overflow" horzOverflow="overflow" vert="horz" wrap="square" lIns="91440" tIns="45720" rIns="91440" bIns="45720" numCol="1" spcCol="0" rtlCol="0" fromWordArt="0" anchor="ctr" anchorCtr="0" forceAA="0" compatLnSpc="1">
             <a:noAutofit/>
           </a:bodyPr>
+          <a:lstStyle/>
           <a:p>
             <a:pPr algn="ctr"/>
             <a:r>
@@ -13144,13 +12180,6 @@
               </a:rPr>
               <a:t>前期工作</a:t>
             </a:r>
-            <a:endParaRPr lang="zh-CN" altLang="en-US" b="1" spc="300">
-              <a:solidFill>
-                <a:schemeClr val="accent1"/>
-              </a:solidFill>
-              <a:latin typeface="+mj-ea"/>
-              <a:ea typeface="+mj-ea"/>
-            </a:endParaRPr>
           </a:p>
         </p:txBody>
       </p:sp>
@@ -13160,7 +12189,7 @@
           <p:cNvSpPr/>
           <p:nvPr>
             <p:custDataLst>
-              <p:tags r:id="rId14"/>
+              <p:tags r:id="rId15"/>
             </p:custDataLst>
           </p:nvPr>
         </p:nvSpPr>
@@ -13202,6 +12231,7 @@
         </p:style>
         <p:txBody>
           <a:bodyPr rtlCol="0" anchor="ctr"/>
+          <a:lstStyle/>
           <a:p>
             <a:pPr algn="ctr"/>
             <a:endParaRPr lang="zh-CN" altLang="en-US">
@@ -13218,7 +12248,7 @@
           <p:cNvSpPr/>
           <p:nvPr>
             <p:custDataLst>
-              <p:tags r:id="rId15"/>
+              <p:tags r:id="rId16"/>
             </p:custDataLst>
           </p:nvPr>
         </p:nvSpPr>
@@ -13256,6 +12286,7 @@
         </p:style>
         <p:txBody>
           <a:bodyPr lIns="0" tIns="0" rIns="0" bIns="0" rtlCol="0" anchor="ctr"/>
+          <a:lstStyle/>
           <a:p>
             <a:pPr algn="ctr"/>
             <a:r>
@@ -13279,13 +12310,13 @@
   <p:clrMapOvr>
     <a:masterClrMapping/>
   </p:clrMapOvr>
-  <mc:AlternateContent xmlns:mc="http://schemas.openxmlformats.org/markup-compatibility/2006">
-    <mc:Choice xmlns:p14="http://schemas.microsoft.com/office/powerpoint/2010/main" Requires="p14">
+  <mc:AlternateContent xmlns:mc="http://schemas.openxmlformats.org/markup-compatibility/2006" xmlns:p14="http://schemas.microsoft.com/office/powerpoint/2010/main">
+    <mc:Choice Requires="p14">
       <p:transition spd="med" p14:dur="700">
         <p:fade/>
       </p:transition>
     </mc:Choice>
-    <mc:Fallback>
+    <mc:Fallback xmlns="">
       <p:transition spd="med">
         <p:fade/>
       </p:transition>
@@ -13475,7 +12506,7 @@
           <p:cNvSpPr/>
           <p:nvPr>
             <p:custDataLst>
-              <p:tags r:id="rId1"/>
+              <p:tags r:id="rId2"/>
             </p:custDataLst>
           </p:nvPr>
         </p:nvSpPr>
@@ -13616,6 +12647,7 @@
           <a:bodyPr rot="0" spcFirstLastPara="0" vertOverflow="overflow" horzOverflow="overflow" vert="horz" wrap="square" lIns="91440" tIns="45720" rIns="91440" bIns="45720" numCol="1" spcCol="0" rtlCol="0" fromWordArt="0" anchor="ctr" anchorCtr="0" forceAA="0" compatLnSpc="1">
             <a:noAutofit/>
           </a:bodyPr>
+          <a:lstStyle/>
           <a:p>
             <a:pPr algn="ctr"/>
             <a:r>
@@ -13628,13 +12660,6 @@
               </a:rPr>
               <a:t>研究背景</a:t>
             </a:r>
-            <a:endParaRPr lang="zh-CN" altLang="en-US" b="1" spc="300">
-              <a:solidFill>
-                <a:schemeClr val="accent1"/>
-              </a:solidFill>
-              <a:latin typeface="+mj-ea"/>
-              <a:ea typeface="+mj-ea"/>
-            </a:endParaRPr>
           </a:p>
         </p:txBody>
       </p:sp>
@@ -13644,7 +12669,7 @@
           <p:cNvSpPr/>
           <p:nvPr>
             <p:custDataLst>
-              <p:tags r:id="rId2"/>
+              <p:tags r:id="rId3"/>
             </p:custDataLst>
           </p:nvPr>
         </p:nvSpPr>
@@ -13686,6 +12711,7 @@
         </p:style>
         <p:txBody>
           <a:bodyPr rtlCol="0" anchor="ctr"/>
+          <a:lstStyle/>
           <a:p>
             <a:pPr algn="ctr"/>
             <a:endParaRPr lang="zh-CN" altLang="en-US">
@@ -13702,7 +12728,7 @@
           <p:cNvSpPr/>
           <p:nvPr>
             <p:custDataLst>
-              <p:tags r:id="rId3"/>
+              <p:tags r:id="rId4"/>
             </p:custDataLst>
           </p:nvPr>
         </p:nvSpPr>
@@ -13740,6 +12766,7 @@
         </p:style>
         <p:txBody>
           <a:bodyPr lIns="0" tIns="0" rIns="0" bIns="0" rtlCol="0" anchor="ctr"/>
+          <a:lstStyle/>
           <a:p>
             <a:pPr algn="ctr"/>
             <a:r>
@@ -13764,7 +12791,7 @@
           <p:cNvSpPr/>
           <p:nvPr>
             <p:custDataLst>
-              <p:tags r:id="rId4"/>
+              <p:tags r:id="rId5"/>
             </p:custDataLst>
           </p:nvPr>
         </p:nvSpPr>
@@ -13905,6 +12932,7 @@
           <a:bodyPr rot="0" spcFirstLastPara="0" vertOverflow="overflow" horzOverflow="overflow" vert="horz" wrap="square" lIns="91440" tIns="45720" rIns="91440" bIns="45720" numCol="1" spcCol="0" rtlCol="0" fromWordArt="0" anchor="ctr" anchorCtr="0" forceAA="0" compatLnSpc="1">
             <a:noAutofit/>
           </a:bodyPr>
+          <a:lstStyle/>
           <a:p>
             <a:pPr algn="ctr"/>
             <a:r>
@@ -13917,13 +12945,6 @@
               </a:rPr>
               <a:t>研究意义</a:t>
             </a:r>
-            <a:endParaRPr lang="zh-CN" altLang="en-US" b="1" spc="300">
-              <a:solidFill>
-                <a:schemeClr val="accent1"/>
-              </a:solidFill>
-              <a:latin typeface="+mj-ea"/>
-              <a:ea typeface="+mj-ea"/>
-            </a:endParaRPr>
           </a:p>
         </p:txBody>
       </p:sp>
@@ -13933,7 +12954,7 @@
           <p:cNvSpPr/>
           <p:nvPr>
             <p:custDataLst>
-              <p:tags r:id="rId5"/>
+              <p:tags r:id="rId6"/>
             </p:custDataLst>
           </p:nvPr>
         </p:nvSpPr>
@@ -13975,6 +12996,7 @@
         </p:style>
         <p:txBody>
           <a:bodyPr rtlCol="0" anchor="ctr"/>
+          <a:lstStyle/>
           <a:p>
             <a:pPr algn="ctr"/>
             <a:endParaRPr lang="zh-CN" altLang="en-US"/>
@@ -13987,7 +13009,7 @@
           <p:cNvSpPr/>
           <p:nvPr>
             <p:custDataLst>
-              <p:tags r:id="rId6"/>
+              <p:tags r:id="rId7"/>
             </p:custDataLst>
           </p:nvPr>
         </p:nvSpPr>
@@ -14025,6 +13047,7 @@
         </p:style>
         <p:txBody>
           <a:bodyPr lIns="0" tIns="0" rIns="0" bIns="0" rtlCol="0" anchor="ctr"/>
+          <a:lstStyle/>
           <a:p>
             <a:pPr algn="ctr"/>
             <a:r>
@@ -14049,7 +13072,7 @@
           <p:cNvSpPr/>
           <p:nvPr>
             <p:custDataLst>
-              <p:tags r:id="rId7"/>
+              <p:tags r:id="rId8"/>
             </p:custDataLst>
           </p:nvPr>
         </p:nvSpPr>
@@ -14190,6 +13213,7 @@
           <a:bodyPr rot="0" spcFirstLastPara="0" vertOverflow="overflow" horzOverflow="overflow" vert="horz" wrap="square" lIns="91440" tIns="45720" rIns="91440" bIns="45720" numCol="1" spcCol="0" rtlCol="0" fromWordArt="0" anchor="ctr" anchorCtr="0" forceAA="0" compatLnSpc="1">
             <a:noAutofit/>
           </a:bodyPr>
+          <a:lstStyle/>
           <a:p>
             <a:pPr algn="ctr"/>
             <a:r>
@@ -14202,13 +13226,6 @@
               </a:rPr>
               <a:t>技术路线</a:t>
             </a:r>
-            <a:endParaRPr lang="zh-CN" altLang="en-US" b="1" spc="300">
-              <a:solidFill>
-                <a:schemeClr val="accent1"/>
-              </a:solidFill>
-              <a:latin typeface="+mj-ea"/>
-              <a:ea typeface="+mj-ea"/>
-            </a:endParaRPr>
           </a:p>
         </p:txBody>
       </p:sp>
@@ -14218,7 +13235,7 @@
           <p:cNvSpPr/>
           <p:nvPr>
             <p:custDataLst>
-              <p:tags r:id="rId8"/>
+              <p:tags r:id="rId9"/>
             </p:custDataLst>
           </p:nvPr>
         </p:nvSpPr>
@@ -14260,6 +13277,7 @@
         </p:style>
         <p:txBody>
           <a:bodyPr rtlCol="0" anchor="ctr"/>
+          <a:lstStyle/>
           <a:p>
             <a:pPr algn="ctr"/>
             <a:endParaRPr lang="zh-CN" altLang="en-US">
@@ -14276,7 +13294,7 @@
           <p:cNvSpPr/>
           <p:nvPr>
             <p:custDataLst>
-              <p:tags r:id="rId9"/>
+              <p:tags r:id="rId10"/>
             </p:custDataLst>
           </p:nvPr>
         </p:nvSpPr>
@@ -14314,6 +13332,7 @@
         </p:style>
         <p:txBody>
           <a:bodyPr lIns="0" tIns="0" rIns="0" bIns="0" rtlCol="0" anchor="ctr"/>
+          <a:lstStyle/>
           <a:p>
             <a:pPr algn="ctr"/>
             <a:r>
@@ -14338,7 +13357,7 @@
           <p:cNvSpPr/>
           <p:nvPr>
             <p:custDataLst>
-              <p:tags r:id="rId10"/>
+              <p:tags r:id="rId11"/>
             </p:custDataLst>
           </p:nvPr>
         </p:nvSpPr>
@@ -14479,6 +13498,7 @@
           <a:bodyPr rot="0" spcFirstLastPara="0" vertOverflow="overflow" horzOverflow="overflow" vert="horz" wrap="square" lIns="91440" tIns="45720" rIns="91440" bIns="45720" numCol="1" spcCol="0" rtlCol="0" fromWordArt="0" anchor="ctr" anchorCtr="0" forceAA="0" compatLnSpc="1">
             <a:noAutofit/>
           </a:bodyPr>
+          <a:lstStyle/>
           <a:p>
             <a:pPr algn="ctr"/>
             <a:r>
@@ -14491,13 +13511,6 @@
               </a:rPr>
               <a:t>计划安排</a:t>
             </a:r>
-            <a:endParaRPr lang="zh-CN" altLang="en-US" b="1" spc="300">
-              <a:solidFill>
-                <a:schemeClr val="accent1"/>
-              </a:solidFill>
-              <a:latin typeface="+mj-ea"/>
-              <a:ea typeface="+mj-ea"/>
-            </a:endParaRPr>
           </a:p>
         </p:txBody>
       </p:sp>
@@ -14507,7 +13520,7 @@
           <p:cNvSpPr/>
           <p:nvPr>
             <p:custDataLst>
-              <p:tags r:id="rId11"/>
+              <p:tags r:id="rId12"/>
             </p:custDataLst>
           </p:nvPr>
         </p:nvSpPr>
@@ -14549,6 +13562,7 @@
         </p:style>
         <p:txBody>
           <a:bodyPr rtlCol="0" anchor="ctr"/>
+          <a:lstStyle/>
           <a:p>
             <a:pPr algn="ctr"/>
             <a:endParaRPr lang="zh-CN" altLang="en-US"/>
@@ -14561,7 +13575,7 @@
           <p:cNvSpPr/>
           <p:nvPr>
             <p:custDataLst>
-              <p:tags r:id="rId12"/>
+              <p:tags r:id="rId13"/>
             </p:custDataLst>
           </p:nvPr>
         </p:nvSpPr>
@@ -14599,6 +13613,7 @@
         </p:style>
         <p:txBody>
           <a:bodyPr lIns="0" tIns="0" rIns="0" bIns="0" rtlCol="0" anchor="ctr"/>
+          <a:lstStyle/>
           <a:p>
             <a:pPr algn="ctr"/>
             <a:r>
@@ -14623,7 +13638,7 @@
           <p:cNvSpPr/>
           <p:nvPr>
             <p:custDataLst>
-              <p:tags r:id="rId13"/>
+              <p:tags r:id="rId14"/>
             </p:custDataLst>
           </p:nvPr>
         </p:nvSpPr>
@@ -14764,6 +13779,7 @@
           <a:bodyPr rot="0" spcFirstLastPara="0" vertOverflow="overflow" horzOverflow="overflow" vert="horz" wrap="square" lIns="91440" tIns="45720" rIns="91440" bIns="45720" numCol="1" spcCol="0" rtlCol="0" fromWordArt="0" anchor="ctr" anchorCtr="0" forceAA="0" compatLnSpc="1">
             <a:noAutofit/>
           </a:bodyPr>
+          <a:lstStyle/>
           <a:p>
             <a:pPr algn="ctr"/>
             <a:r>
@@ -14776,13 +13792,6 @@
               </a:rPr>
               <a:t>前期工作</a:t>
             </a:r>
-            <a:endParaRPr lang="zh-CN" altLang="en-US" b="1" spc="300">
-              <a:solidFill>
-                <a:schemeClr val="accent1"/>
-              </a:solidFill>
-              <a:latin typeface="+mj-ea"/>
-              <a:ea typeface="+mj-ea"/>
-            </a:endParaRPr>
           </a:p>
         </p:txBody>
       </p:sp>
@@ -14792,7 +13801,7 @@
           <p:cNvSpPr/>
           <p:nvPr>
             <p:custDataLst>
-              <p:tags r:id="rId14"/>
+              <p:tags r:id="rId15"/>
             </p:custDataLst>
           </p:nvPr>
         </p:nvSpPr>
@@ -14834,6 +13843,7 @@
         </p:style>
         <p:txBody>
           <a:bodyPr rtlCol="0" anchor="ctr"/>
+          <a:lstStyle/>
           <a:p>
             <a:pPr algn="ctr"/>
             <a:endParaRPr lang="zh-CN" altLang="en-US">
@@ -14850,7 +13860,7 @@
           <p:cNvSpPr/>
           <p:nvPr>
             <p:custDataLst>
-              <p:tags r:id="rId15"/>
+              <p:tags r:id="rId16"/>
             </p:custDataLst>
           </p:nvPr>
         </p:nvSpPr>
@@ -14888,6 +13898,7 @@
         </p:style>
         <p:txBody>
           <a:bodyPr lIns="0" tIns="0" rIns="0" bIns="0" rtlCol="0" anchor="ctr"/>
+          <a:lstStyle/>
           <a:p>
             <a:pPr algn="ctr"/>
             <a:r>
@@ -14912,7 +13923,7 @@
           <p:cNvSpPr/>
           <p:nvPr>
             <p:custDataLst>
-              <p:tags r:id="rId16"/>
+              <p:tags r:id="rId17"/>
             </p:custDataLst>
           </p:nvPr>
         </p:nvSpPr>
@@ -15053,6 +14064,7 @@
           <a:bodyPr rot="0" spcFirstLastPara="0" vertOverflow="overflow" horzOverflow="overflow" vert="horz" wrap="square" lIns="91440" tIns="45720" rIns="91440" bIns="45720" numCol="1" spcCol="0" rtlCol="0" fromWordArt="0" anchor="ctr" anchorCtr="0" forceAA="0" compatLnSpc="1">
             <a:noAutofit/>
           </a:bodyPr>
+          <a:lstStyle/>
           <a:p>
             <a:pPr algn="ctr"/>
             <a:r>
@@ -15065,13 +14077,6 @@
               </a:rPr>
               <a:t>创新与难点</a:t>
             </a:r>
-            <a:endParaRPr lang="zh-CN" altLang="en-US" b="1" spc="300">
-              <a:solidFill>
-                <a:schemeClr val="accent1"/>
-              </a:solidFill>
-              <a:latin typeface="+mj-ea"/>
-              <a:ea typeface="+mj-ea"/>
-            </a:endParaRPr>
           </a:p>
         </p:txBody>
       </p:sp>
@@ -15081,7 +14086,7 @@
           <p:cNvSpPr/>
           <p:nvPr>
             <p:custDataLst>
-              <p:tags r:id="rId17"/>
+              <p:tags r:id="rId18"/>
             </p:custDataLst>
           </p:nvPr>
         </p:nvSpPr>
@@ -15123,6 +14128,7 @@
         </p:style>
         <p:txBody>
           <a:bodyPr rtlCol="0" anchor="ctr"/>
+          <a:lstStyle/>
           <a:p>
             <a:pPr algn="ctr"/>
             <a:endParaRPr lang="zh-CN" altLang="en-US"/>
@@ -15135,7 +14141,7 @@
           <p:cNvSpPr/>
           <p:nvPr>
             <p:custDataLst>
-              <p:tags r:id="rId18"/>
+              <p:tags r:id="rId19"/>
             </p:custDataLst>
           </p:nvPr>
         </p:nvSpPr>
@@ -15173,6 +14179,7 @@
         </p:style>
         <p:txBody>
           <a:bodyPr lIns="0" tIns="0" rIns="0" bIns="0" rtlCol="0" anchor="ctr"/>
+          <a:lstStyle/>
           <a:p>
             <a:pPr algn="ctr"/>
             <a:r>
@@ -15196,13 +14203,13 @@
   <p:clrMapOvr>
     <a:masterClrMapping/>
   </p:clrMapOvr>
-  <mc:AlternateContent xmlns:mc="http://schemas.openxmlformats.org/markup-compatibility/2006">
-    <mc:Choice xmlns:p14="http://schemas.microsoft.com/office/powerpoint/2010/main" Requires="p14">
+  <mc:AlternateContent xmlns:mc="http://schemas.openxmlformats.org/markup-compatibility/2006" xmlns:p14="http://schemas.microsoft.com/office/powerpoint/2010/main">
+    <mc:Choice Requires="p14">
       <p:transition spd="med" p14:dur="700">
         <p:fade/>
       </p:transition>
     </mc:Choice>
-    <mc:Fallback>
+    <mc:Fallback xmlns="">
       <p:transition spd="med">
         <p:fade/>
       </p:transition>
@@ -15326,20 +14333,6 @@
               </a:rPr>
               <a:t>绪论</a:t>
             </a:r>
-            <a:endParaRPr kumimoji="0" lang="zh-CN" altLang="en-US" sz="4400" b="0" i="0" u="none" strike="noStrike" kern="1200" cap="none" spc="0" normalizeH="0" baseline="0" noProof="0" dirty="0">
-              <a:ln>
-                <a:noFill/>
-              </a:ln>
-              <a:solidFill>
-                <a:schemeClr val="bg1"/>
-              </a:solidFill>
-              <a:effectLst/>
-              <a:uLnTx/>
-              <a:uFillTx/>
-              <a:latin typeface="+mj-ea"/>
-              <a:ea typeface="+mj-ea"/>
-              <a:cs typeface="+mn-cs"/>
-            </a:endParaRPr>
           </a:p>
         </p:txBody>
       </p:sp>
@@ -15348,13 +14341,13 @@
   <p:clrMapOvr>
     <a:masterClrMapping/>
   </p:clrMapOvr>
-  <mc:AlternateContent xmlns:mc="http://schemas.openxmlformats.org/markup-compatibility/2006">
-    <mc:Choice xmlns:p14="http://schemas.microsoft.com/office/powerpoint/2010/main" Requires="p14">
+  <mc:AlternateContent xmlns:mc="http://schemas.openxmlformats.org/markup-compatibility/2006" xmlns:p14="http://schemas.microsoft.com/office/powerpoint/2010/main">
+    <mc:Choice Requires="p14">
       <p:transition spd="med" p14:dur="700">
         <p:fade/>
       </p:transition>
     </mc:Choice>
-    <mc:Fallback>
+    <mc:Fallback xmlns="">
       <p:transition spd="med">
         <p:fade/>
       </p:transition>
@@ -15476,39 +14469,8 @@
                 <a:ea typeface="+mj-ea"/>
                 <a:cs typeface="+mn-cs"/>
               </a:rPr>
-              <a:t>文献</a:t>
+              <a:t>文献综述</a:t>
             </a:r>
-            <a:r>
-              <a:rPr kumimoji="0" lang="zh-CN" altLang="en-US" sz="4400" b="0" i="0" u="none" strike="noStrike" kern="1200" cap="none" spc="0" normalizeH="0" baseline="0" noProof="0" dirty="0">
-                <a:ln>
-                  <a:noFill/>
-                </a:ln>
-                <a:solidFill>
-                  <a:schemeClr val="bg1"/>
-                </a:solidFill>
-                <a:effectLst/>
-                <a:uLnTx/>
-                <a:uFillTx/>
-                <a:latin typeface="+mj-ea"/>
-                <a:ea typeface="+mj-ea"/>
-                <a:cs typeface="+mn-cs"/>
-              </a:rPr>
-              <a:t>综述</a:t>
-            </a:r>
-            <a:endParaRPr kumimoji="0" lang="zh-CN" altLang="en-US" sz="4400" b="0" i="0" u="none" strike="noStrike" kern="1200" cap="none" spc="0" normalizeH="0" baseline="0" noProof="0" dirty="0">
-              <a:ln>
-                <a:noFill/>
-              </a:ln>
-              <a:solidFill>
-                <a:schemeClr val="bg1"/>
-              </a:solidFill>
-              <a:effectLst/>
-              <a:uLnTx/>
-              <a:uFillTx/>
-              <a:latin typeface="+mj-ea"/>
-              <a:ea typeface="+mj-ea"/>
-              <a:cs typeface="+mn-cs"/>
-            </a:endParaRPr>
           </a:p>
         </p:txBody>
       </p:sp>
@@ -15517,13 +14479,13 @@
   <p:clrMapOvr>
     <a:masterClrMapping/>
   </p:clrMapOvr>
-  <mc:AlternateContent xmlns:mc="http://schemas.openxmlformats.org/markup-compatibility/2006">
-    <mc:Choice xmlns:p14="http://schemas.microsoft.com/office/powerpoint/2010/main" Requires="p14">
+  <mc:AlternateContent xmlns:mc="http://schemas.openxmlformats.org/markup-compatibility/2006" xmlns:p14="http://schemas.microsoft.com/office/powerpoint/2010/main">
+    <mc:Choice Requires="p14">
       <p:transition spd="med" p14:dur="700">
         <p:fade/>
       </p:transition>
     </mc:Choice>
-    <mc:Fallback>
+    <mc:Fallback xmlns="">
       <p:transition spd="med">
         <p:fade/>
       </p:transition>
@@ -15645,39 +14607,8 @@
                 <a:ea typeface="+mj-ea"/>
                 <a:cs typeface="+mn-cs"/>
               </a:rPr>
-              <a:t>影响机制</a:t>
+              <a:t>影响机制分析</a:t>
             </a:r>
-            <a:r>
-              <a:rPr kumimoji="0" lang="zh-CN" altLang="en-US" sz="4400" b="0" i="0" u="none" strike="noStrike" kern="1200" cap="none" spc="0" normalizeH="0" baseline="0" noProof="0" dirty="0">
-                <a:ln>
-                  <a:noFill/>
-                </a:ln>
-                <a:solidFill>
-                  <a:schemeClr val="bg1"/>
-                </a:solidFill>
-                <a:effectLst/>
-                <a:uLnTx/>
-                <a:uFillTx/>
-                <a:latin typeface="+mj-ea"/>
-                <a:ea typeface="+mj-ea"/>
-                <a:cs typeface="+mn-cs"/>
-              </a:rPr>
-              <a:t>分析</a:t>
-            </a:r>
-            <a:endParaRPr kumimoji="0" lang="zh-CN" altLang="en-US" sz="4400" b="0" i="0" u="none" strike="noStrike" kern="1200" cap="none" spc="0" normalizeH="0" baseline="0" noProof="0" dirty="0">
-              <a:ln>
-                <a:noFill/>
-              </a:ln>
-              <a:solidFill>
-                <a:schemeClr val="bg1"/>
-              </a:solidFill>
-              <a:effectLst/>
-              <a:uLnTx/>
-              <a:uFillTx/>
-              <a:latin typeface="+mj-ea"/>
-              <a:ea typeface="+mj-ea"/>
-              <a:cs typeface="+mn-cs"/>
-            </a:endParaRPr>
           </a:p>
         </p:txBody>
       </p:sp>
@@ -15686,13 +14617,13 @@
   <p:clrMapOvr>
     <a:masterClrMapping/>
   </p:clrMapOvr>
-  <mc:AlternateContent xmlns:mc="http://schemas.openxmlformats.org/markup-compatibility/2006">
-    <mc:Choice xmlns:p14="http://schemas.microsoft.com/office/powerpoint/2010/main" Requires="p14">
+  <mc:AlternateContent xmlns:mc="http://schemas.openxmlformats.org/markup-compatibility/2006" xmlns:p14="http://schemas.microsoft.com/office/powerpoint/2010/main">
+    <mc:Choice Requires="p14">
       <p:transition spd="med" p14:dur="700">
         <p:fade/>
       </p:transition>
     </mc:Choice>
-    <mc:Fallback>
+    <mc:Fallback xmlns="">
       <p:transition spd="med">
         <p:fade/>
       </p:transition>
@@ -15814,39 +14745,8 @@
                 <a:ea typeface="+mj-ea"/>
                 <a:cs typeface="+mn-cs"/>
               </a:rPr>
-              <a:t>研究假设与研究</a:t>
+              <a:t>研究假设与研究设计</a:t>
             </a:r>
-            <a:r>
-              <a:rPr kumimoji="0" lang="zh-CN" altLang="en-US" sz="4400" b="0" i="0" u="none" strike="noStrike" kern="1200" cap="none" spc="0" normalizeH="0" baseline="0" noProof="0" dirty="0">
-                <a:ln>
-                  <a:noFill/>
-                </a:ln>
-                <a:solidFill>
-                  <a:schemeClr val="bg1"/>
-                </a:solidFill>
-                <a:effectLst/>
-                <a:uLnTx/>
-                <a:uFillTx/>
-                <a:latin typeface="+mj-ea"/>
-                <a:ea typeface="+mj-ea"/>
-                <a:cs typeface="+mn-cs"/>
-              </a:rPr>
-              <a:t>设计</a:t>
-            </a:r>
-            <a:endParaRPr kumimoji="0" lang="zh-CN" altLang="en-US" sz="4400" b="0" i="0" u="none" strike="noStrike" kern="1200" cap="none" spc="0" normalizeH="0" baseline="0" noProof="0" dirty="0">
-              <a:ln>
-                <a:noFill/>
-              </a:ln>
-              <a:solidFill>
-                <a:schemeClr val="bg1"/>
-              </a:solidFill>
-              <a:effectLst/>
-              <a:uLnTx/>
-              <a:uFillTx/>
-              <a:latin typeface="+mj-ea"/>
-              <a:ea typeface="+mj-ea"/>
-              <a:cs typeface="+mn-cs"/>
-            </a:endParaRPr>
           </a:p>
         </p:txBody>
       </p:sp>
@@ -15855,13 +14755,13 @@
   <p:clrMapOvr>
     <a:masterClrMapping/>
   </p:clrMapOvr>
-  <mc:AlternateContent xmlns:mc="http://schemas.openxmlformats.org/markup-compatibility/2006">
-    <mc:Choice xmlns:p14="http://schemas.microsoft.com/office/powerpoint/2010/main" Requires="p14">
+  <mc:AlternateContent xmlns:mc="http://schemas.openxmlformats.org/markup-compatibility/2006" xmlns:p14="http://schemas.microsoft.com/office/powerpoint/2010/main">
+    <mc:Choice Requires="p14">
       <p:transition spd="med" p14:dur="700">
         <p:fade/>
       </p:transition>
     </mc:Choice>
-    <mc:Fallback>
+    <mc:Fallback xmlns="">
       <p:transition spd="med">
         <p:fade/>
       </p:transition>
@@ -15983,39 +14883,8 @@
                 <a:ea typeface="+mj-ea"/>
                 <a:cs typeface="+mn-cs"/>
               </a:rPr>
-              <a:t>实证</a:t>
+              <a:t>实证研究</a:t>
             </a:r>
-            <a:r>
-              <a:rPr kumimoji="0" lang="zh-CN" altLang="en-US" sz="4400" b="0" i="0" u="none" strike="noStrike" kern="1200" cap="none" spc="0" normalizeH="0" baseline="0" noProof="0" dirty="0">
-                <a:ln>
-                  <a:noFill/>
-                </a:ln>
-                <a:solidFill>
-                  <a:schemeClr val="bg1"/>
-                </a:solidFill>
-                <a:effectLst/>
-                <a:uLnTx/>
-                <a:uFillTx/>
-                <a:latin typeface="+mj-ea"/>
-                <a:ea typeface="+mj-ea"/>
-                <a:cs typeface="+mn-cs"/>
-              </a:rPr>
-              <a:t>研究</a:t>
-            </a:r>
-            <a:endParaRPr kumimoji="0" lang="zh-CN" altLang="en-US" sz="4400" b="0" i="0" u="none" strike="noStrike" kern="1200" cap="none" spc="0" normalizeH="0" baseline="0" noProof="0" dirty="0">
-              <a:ln>
-                <a:noFill/>
-              </a:ln>
-              <a:solidFill>
-                <a:schemeClr val="bg1"/>
-              </a:solidFill>
-              <a:effectLst/>
-              <a:uLnTx/>
-              <a:uFillTx/>
-              <a:latin typeface="+mj-ea"/>
-              <a:ea typeface="+mj-ea"/>
-              <a:cs typeface="+mn-cs"/>
-            </a:endParaRPr>
           </a:p>
         </p:txBody>
       </p:sp>
@@ -16024,13 +14893,13 @@
   <p:clrMapOvr>
     <a:masterClrMapping/>
   </p:clrMapOvr>
-  <mc:AlternateContent xmlns:mc="http://schemas.openxmlformats.org/markup-compatibility/2006">
-    <mc:Choice xmlns:p14="http://schemas.microsoft.com/office/powerpoint/2010/main" Requires="p14">
+  <mc:AlternateContent xmlns:mc="http://schemas.openxmlformats.org/markup-compatibility/2006" xmlns:p14="http://schemas.microsoft.com/office/powerpoint/2010/main">
+    <mc:Choice Requires="p14">
       <p:transition spd="med" p14:dur="700">
         <p:fade/>
       </p:transition>
     </mc:Choice>
-    <mc:Fallback>
+    <mc:Fallback xmlns="">
       <p:transition spd="med">
         <p:fade/>
       </p:transition>
@@ -16040,879 +14909,867 @@
 </file>
 
 <file path=ppt/tags/tag1.xml><?xml version="1.0" encoding="utf-8"?>
-<p:tagLst xmlns:p="http://schemas.openxmlformats.org/presentationml/2006/main">
+<p:tagLst xmlns:a="http://schemas.openxmlformats.org/drawingml/2006/main" xmlns:r="http://schemas.openxmlformats.org/officeDocument/2006/relationships" xmlns:p="http://schemas.openxmlformats.org/presentationml/2006/main">
+  <p:tag name="KSO_WPP_MARK_KEY" val="d67f8d57-a45a-447f-9bbc-f33c78e0284b"/>
+  <p:tag name="COMMONDATA" val="eyJjb3VudCI6MzMsImhkaWQiOiJiMzM0NWU5NzkwMjY2NTZhMDNkZjk1NDg5ZjQ1M2ZiNCIsInVzZXJDb3VudCI6MzN9"/>
+</p:tagLst>
+</file>
+
+<file path=ppt/tags/tag10.xml><?xml version="1.0" encoding="utf-8"?>
+<p:tagLst xmlns:a="http://schemas.openxmlformats.org/drawingml/2006/main" xmlns:r="http://schemas.openxmlformats.org/officeDocument/2006/relationships" xmlns:p="http://schemas.openxmlformats.org/presentationml/2006/main">
+  <p:tag name="KSO_WM_BEAUTIFY_FLAG" val=""/>
+</p:tagLst>
+</file>
+
+<file path=ppt/tags/tag100.xml><?xml version="1.0" encoding="utf-8"?>
+<p:tagLst xmlns:a="http://schemas.openxmlformats.org/drawingml/2006/main" xmlns:r="http://schemas.openxmlformats.org/officeDocument/2006/relationships" xmlns:p="http://schemas.openxmlformats.org/presentationml/2006/main">
+  <p:tag name="KSO_WM_BEAUTIFY_FLAG" val=""/>
+</p:tagLst>
+</file>
+
+<file path=ppt/tags/tag101.xml><?xml version="1.0" encoding="utf-8"?>
+<p:tagLst xmlns:a="http://schemas.openxmlformats.org/drawingml/2006/main" xmlns:r="http://schemas.openxmlformats.org/officeDocument/2006/relationships" xmlns:p="http://schemas.openxmlformats.org/presentationml/2006/main">
+  <p:tag name="KSO_WM_BEAUTIFY_FLAG" val=""/>
+</p:tagLst>
+</file>
+
+<file path=ppt/tags/tag102.xml><?xml version="1.0" encoding="utf-8"?>
+<p:tagLst xmlns:a="http://schemas.openxmlformats.org/drawingml/2006/main" xmlns:r="http://schemas.openxmlformats.org/officeDocument/2006/relationships" xmlns:p="http://schemas.openxmlformats.org/presentationml/2006/main">
+  <p:tag name="KSO_WM_BEAUTIFY_FLAG" val=""/>
+</p:tagLst>
+</file>
+
+<file path=ppt/tags/tag103.xml><?xml version="1.0" encoding="utf-8"?>
+<p:tagLst xmlns:a="http://schemas.openxmlformats.org/drawingml/2006/main" xmlns:r="http://schemas.openxmlformats.org/officeDocument/2006/relationships" xmlns:p="http://schemas.openxmlformats.org/presentationml/2006/main">
+  <p:tag name="KSO_WM_BEAUTIFY_FLAG" val=""/>
+</p:tagLst>
+</file>
+
+<file path=ppt/tags/tag104.xml><?xml version="1.0" encoding="utf-8"?>
+<p:tagLst xmlns:a="http://schemas.openxmlformats.org/drawingml/2006/main" xmlns:r="http://schemas.openxmlformats.org/officeDocument/2006/relationships" xmlns:p="http://schemas.openxmlformats.org/presentationml/2006/main">
+  <p:tag name="KSO_WM_BEAUTIFY_FLAG" val=""/>
+</p:tagLst>
+</file>
+
+<file path=ppt/tags/tag105.xml><?xml version="1.0" encoding="utf-8"?>
+<p:tagLst xmlns:a="http://schemas.openxmlformats.org/drawingml/2006/main" xmlns:r="http://schemas.openxmlformats.org/officeDocument/2006/relationships" xmlns:p="http://schemas.openxmlformats.org/presentationml/2006/main">
+  <p:tag name="KSO_WM_BEAUTIFY_FLAG" val=""/>
+</p:tagLst>
+</file>
+
+<file path=ppt/tags/tag106.xml><?xml version="1.0" encoding="utf-8"?>
+<p:tagLst xmlns:a="http://schemas.openxmlformats.org/drawingml/2006/main" xmlns:r="http://schemas.openxmlformats.org/officeDocument/2006/relationships" xmlns:p="http://schemas.openxmlformats.org/presentationml/2006/main">
+  <p:tag name="KSO_WM_BEAUTIFY_FLAG" val=""/>
+</p:tagLst>
+</file>
+
+<file path=ppt/tags/tag107.xml><?xml version="1.0" encoding="utf-8"?>
+<p:tagLst xmlns:a="http://schemas.openxmlformats.org/drawingml/2006/main" xmlns:r="http://schemas.openxmlformats.org/officeDocument/2006/relationships" xmlns:p="http://schemas.openxmlformats.org/presentationml/2006/main">
+  <p:tag name="KSO_WM_BEAUTIFY_FLAG" val=""/>
+</p:tagLst>
+</file>
+
+<file path=ppt/tags/tag108.xml><?xml version="1.0" encoding="utf-8"?>
+<p:tagLst xmlns:a="http://schemas.openxmlformats.org/drawingml/2006/main" xmlns:r="http://schemas.openxmlformats.org/officeDocument/2006/relationships" xmlns:p="http://schemas.openxmlformats.org/presentationml/2006/main">
+  <p:tag name="KSO_WM_BEAUTIFY_FLAG" val=""/>
+</p:tagLst>
+</file>
+
+<file path=ppt/tags/tag109.xml><?xml version="1.0" encoding="utf-8"?>
+<p:tagLst xmlns:a="http://schemas.openxmlformats.org/drawingml/2006/main" xmlns:r="http://schemas.openxmlformats.org/officeDocument/2006/relationships" xmlns:p="http://schemas.openxmlformats.org/presentationml/2006/main">
+  <p:tag name="KSO_WM_BEAUTIFY_FLAG" val=""/>
+</p:tagLst>
+</file>
+
+<file path=ppt/tags/tag11.xml><?xml version="1.0" encoding="utf-8"?>
+<p:tagLst xmlns:a="http://schemas.openxmlformats.org/drawingml/2006/main" xmlns:r="http://schemas.openxmlformats.org/officeDocument/2006/relationships" xmlns:p="http://schemas.openxmlformats.org/presentationml/2006/main">
+  <p:tag name="KSO_WM_BEAUTIFY_FLAG" val=""/>
+</p:tagLst>
+</file>
+
+<file path=ppt/tags/tag110.xml><?xml version="1.0" encoding="utf-8"?>
+<p:tagLst xmlns:a="http://schemas.openxmlformats.org/drawingml/2006/main" xmlns:r="http://schemas.openxmlformats.org/officeDocument/2006/relationships" xmlns:p="http://schemas.openxmlformats.org/presentationml/2006/main">
+  <p:tag name="KSO_WM_BEAUTIFY_FLAG" val=""/>
+</p:tagLst>
+</file>
+
+<file path=ppt/tags/tag111.xml><?xml version="1.0" encoding="utf-8"?>
+<p:tagLst xmlns:a="http://schemas.openxmlformats.org/drawingml/2006/main" xmlns:r="http://schemas.openxmlformats.org/officeDocument/2006/relationships" xmlns:p="http://schemas.openxmlformats.org/presentationml/2006/main">
+  <p:tag name="KSO_WM_BEAUTIFY_FLAG" val=""/>
+</p:tagLst>
+</file>
+
+<file path=ppt/tags/tag112.xml><?xml version="1.0" encoding="utf-8"?>
+<p:tagLst xmlns:a="http://schemas.openxmlformats.org/drawingml/2006/main" xmlns:r="http://schemas.openxmlformats.org/officeDocument/2006/relationships" xmlns:p="http://schemas.openxmlformats.org/presentationml/2006/main">
+  <p:tag name="KSO_WM_BEAUTIFY_FLAG" val=""/>
+</p:tagLst>
+</file>
+
+<file path=ppt/tags/tag113.xml><?xml version="1.0" encoding="utf-8"?>
+<p:tagLst xmlns:a="http://schemas.openxmlformats.org/drawingml/2006/main" xmlns:r="http://schemas.openxmlformats.org/officeDocument/2006/relationships" xmlns:p="http://schemas.openxmlformats.org/presentationml/2006/main">
+  <p:tag name="KSO_WM_BEAUTIFY_FLAG" val=""/>
+</p:tagLst>
+</file>
+
+<file path=ppt/tags/tag114.xml><?xml version="1.0" encoding="utf-8"?>
+<p:tagLst xmlns:a="http://schemas.openxmlformats.org/drawingml/2006/main" xmlns:r="http://schemas.openxmlformats.org/officeDocument/2006/relationships" xmlns:p="http://schemas.openxmlformats.org/presentationml/2006/main">
+  <p:tag name="KSO_WM_BEAUTIFY_FLAG" val=""/>
+</p:tagLst>
+</file>
+
+<file path=ppt/tags/tag115.xml><?xml version="1.0" encoding="utf-8"?>
+<p:tagLst xmlns:a="http://schemas.openxmlformats.org/drawingml/2006/main" xmlns:r="http://schemas.openxmlformats.org/officeDocument/2006/relationships" xmlns:p="http://schemas.openxmlformats.org/presentationml/2006/main">
+  <p:tag name="KSO_WM_BEAUTIFY_FLAG" val=""/>
+</p:tagLst>
+</file>
+
+<file path=ppt/tags/tag116.xml><?xml version="1.0" encoding="utf-8"?>
+<p:tagLst xmlns:a="http://schemas.openxmlformats.org/drawingml/2006/main" xmlns:r="http://schemas.openxmlformats.org/officeDocument/2006/relationships" xmlns:p="http://schemas.openxmlformats.org/presentationml/2006/main">
+  <p:tag name="KSO_WM_BEAUTIFY_FLAG" val=""/>
+</p:tagLst>
+</file>
+
+<file path=ppt/tags/tag117.xml><?xml version="1.0" encoding="utf-8"?>
+<p:tagLst xmlns:a="http://schemas.openxmlformats.org/drawingml/2006/main" xmlns:r="http://schemas.openxmlformats.org/officeDocument/2006/relationships" xmlns:p="http://schemas.openxmlformats.org/presentationml/2006/main">
+  <p:tag name="KSO_WM_BEAUTIFY_FLAG" val=""/>
+</p:tagLst>
+</file>
+
+<file path=ppt/tags/tag118.xml><?xml version="1.0" encoding="utf-8"?>
+<p:tagLst xmlns:a="http://schemas.openxmlformats.org/drawingml/2006/main" xmlns:r="http://schemas.openxmlformats.org/officeDocument/2006/relationships" xmlns:p="http://schemas.openxmlformats.org/presentationml/2006/main">
+  <p:tag name="KSO_WM_BEAUTIFY_FLAG" val=""/>
+</p:tagLst>
+</file>
+
+<file path=ppt/tags/tag119.xml><?xml version="1.0" encoding="utf-8"?>
+<p:tagLst xmlns:a="http://schemas.openxmlformats.org/drawingml/2006/main" xmlns:r="http://schemas.openxmlformats.org/officeDocument/2006/relationships" xmlns:p="http://schemas.openxmlformats.org/presentationml/2006/main">
+  <p:tag name="KSO_WM_BEAUTIFY_FLAG" val=""/>
+</p:tagLst>
+</file>
+
+<file path=ppt/tags/tag12.xml><?xml version="1.0" encoding="utf-8"?>
+<p:tagLst xmlns:a="http://schemas.openxmlformats.org/drawingml/2006/main" xmlns:r="http://schemas.openxmlformats.org/officeDocument/2006/relationships" xmlns:p="http://schemas.openxmlformats.org/presentationml/2006/main">
+  <p:tag name="KSO_WM_BEAUTIFY_FLAG" val=""/>
+</p:tagLst>
+</file>
+
+<file path=ppt/tags/tag120.xml><?xml version="1.0" encoding="utf-8"?>
+<p:tagLst xmlns:a="http://schemas.openxmlformats.org/drawingml/2006/main" xmlns:r="http://schemas.openxmlformats.org/officeDocument/2006/relationships" xmlns:p="http://schemas.openxmlformats.org/presentationml/2006/main">
+  <p:tag name="KSO_WM_BEAUTIFY_FLAG" val=""/>
+</p:tagLst>
+</file>
+
+<file path=ppt/tags/tag121.xml><?xml version="1.0" encoding="utf-8"?>
+<p:tagLst xmlns:a="http://schemas.openxmlformats.org/drawingml/2006/main" xmlns:r="http://schemas.openxmlformats.org/officeDocument/2006/relationships" xmlns:p="http://schemas.openxmlformats.org/presentationml/2006/main">
+  <p:tag name="KSO_WM_BEAUTIFY_FLAG" val=""/>
+</p:tagLst>
+</file>
+
+<file path=ppt/tags/tag122.xml><?xml version="1.0" encoding="utf-8"?>
+<p:tagLst xmlns:a="http://schemas.openxmlformats.org/drawingml/2006/main" xmlns:r="http://schemas.openxmlformats.org/officeDocument/2006/relationships" xmlns:p="http://schemas.openxmlformats.org/presentationml/2006/main">
+  <p:tag name="KSO_WM_BEAUTIFY_FLAG" val=""/>
+</p:tagLst>
+</file>
+
+<file path=ppt/tags/tag123.xml><?xml version="1.0" encoding="utf-8"?>
+<p:tagLst xmlns:a="http://schemas.openxmlformats.org/drawingml/2006/main" xmlns:r="http://schemas.openxmlformats.org/officeDocument/2006/relationships" xmlns:p="http://schemas.openxmlformats.org/presentationml/2006/main">
+  <p:tag name="KSO_WM_BEAUTIFY_FLAG" val=""/>
+</p:tagLst>
+</file>
+
+<file path=ppt/tags/tag124.xml><?xml version="1.0" encoding="utf-8"?>
+<p:tagLst xmlns:a="http://schemas.openxmlformats.org/drawingml/2006/main" xmlns:r="http://schemas.openxmlformats.org/officeDocument/2006/relationships" xmlns:p="http://schemas.openxmlformats.org/presentationml/2006/main">
+  <p:tag name="KSO_WM_BEAUTIFY_FLAG" val=""/>
+</p:tagLst>
+</file>
+
+<file path=ppt/tags/tag125.xml><?xml version="1.0" encoding="utf-8"?>
+<p:tagLst xmlns:a="http://schemas.openxmlformats.org/drawingml/2006/main" xmlns:r="http://schemas.openxmlformats.org/officeDocument/2006/relationships" xmlns:p="http://schemas.openxmlformats.org/presentationml/2006/main">
+  <p:tag name="KSO_WM_BEAUTIFY_FLAG" val=""/>
+</p:tagLst>
+</file>
+
+<file path=ppt/tags/tag126.xml><?xml version="1.0" encoding="utf-8"?>
+<p:tagLst xmlns:a="http://schemas.openxmlformats.org/drawingml/2006/main" xmlns:r="http://schemas.openxmlformats.org/officeDocument/2006/relationships" xmlns:p="http://schemas.openxmlformats.org/presentationml/2006/main">
+  <p:tag name="KSO_WM_BEAUTIFY_FLAG" val=""/>
+</p:tagLst>
+</file>
+
+<file path=ppt/tags/tag127.xml><?xml version="1.0" encoding="utf-8"?>
+<p:tagLst xmlns:a="http://schemas.openxmlformats.org/drawingml/2006/main" xmlns:r="http://schemas.openxmlformats.org/officeDocument/2006/relationships" xmlns:p="http://schemas.openxmlformats.org/presentationml/2006/main">
+  <p:tag name="KSO_WM_BEAUTIFY_FLAG" val=""/>
+</p:tagLst>
+</file>
+
+<file path=ppt/tags/tag128.xml><?xml version="1.0" encoding="utf-8"?>
+<p:tagLst xmlns:a="http://schemas.openxmlformats.org/drawingml/2006/main" xmlns:r="http://schemas.openxmlformats.org/officeDocument/2006/relationships" xmlns:p="http://schemas.openxmlformats.org/presentationml/2006/main">
+  <p:tag name="KSO_WM_BEAUTIFY_FLAG" val=""/>
+</p:tagLst>
+</file>
+
+<file path=ppt/tags/tag129.xml><?xml version="1.0" encoding="utf-8"?>
+<p:tagLst xmlns:a="http://schemas.openxmlformats.org/drawingml/2006/main" xmlns:r="http://schemas.openxmlformats.org/officeDocument/2006/relationships" xmlns:p="http://schemas.openxmlformats.org/presentationml/2006/main">
+  <p:tag name="KSO_WM_BEAUTIFY_FLAG" val=""/>
+</p:tagLst>
+</file>
+
+<file path=ppt/tags/tag13.xml><?xml version="1.0" encoding="utf-8"?>
+<p:tagLst xmlns:a="http://schemas.openxmlformats.org/drawingml/2006/main" xmlns:r="http://schemas.openxmlformats.org/officeDocument/2006/relationships" xmlns:p="http://schemas.openxmlformats.org/presentationml/2006/main">
+  <p:tag name="KSO_WM_BEAUTIFY_FLAG" val=""/>
+</p:tagLst>
+</file>
+
+<file path=ppt/tags/tag130.xml><?xml version="1.0" encoding="utf-8"?>
+<p:tagLst xmlns:a="http://schemas.openxmlformats.org/drawingml/2006/main" xmlns:r="http://schemas.openxmlformats.org/officeDocument/2006/relationships" xmlns:p="http://schemas.openxmlformats.org/presentationml/2006/main">
+  <p:tag name="KSO_WM_BEAUTIFY_FLAG" val=""/>
+</p:tagLst>
+</file>
+
+<file path=ppt/tags/tag131.xml><?xml version="1.0" encoding="utf-8"?>
+<p:tagLst xmlns:a="http://schemas.openxmlformats.org/drawingml/2006/main" xmlns:r="http://schemas.openxmlformats.org/officeDocument/2006/relationships" xmlns:p="http://schemas.openxmlformats.org/presentationml/2006/main">
+  <p:tag name="KSO_WM_BEAUTIFY_FLAG" val=""/>
+</p:tagLst>
+</file>
+
+<file path=ppt/tags/tag132.xml><?xml version="1.0" encoding="utf-8"?>
+<p:tagLst xmlns:a="http://schemas.openxmlformats.org/drawingml/2006/main" xmlns:r="http://schemas.openxmlformats.org/officeDocument/2006/relationships" xmlns:p="http://schemas.openxmlformats.org/presentationml/2006/main">
+  <p:tag name="KSO_WM_BEAUTIFY_FLAG" val=""/>
+</p:tagLst>
+</file>
+
+<file path=ppt/tags/tag133.xml><?xml version="1.0" encoding="utf-8"?>
+<p:tagLst xmlns:a="http://schemas.openxmlformats.org/drawingml/2006/main" xmlns:r="http://schemas.openxmlformats.org/officeDocument/2006/relationships" xmlns:p="http://schemas.openxmlformats.org/presentationml/2006/main">
+  <p:tag name="KSO_WM_BEAUTIFY_FLAG" val=""/>
+</p:tagLst>
+</file>
+
+<file path=ppt/tags/tag134.xml><?xml version="1.0" encoding="utf-8"?>
+<p:tagLst xmlns:a="http://schemas.openxmlformats.org/drawingml/2006/main" xmlns:r="http://schemas.openxmlformats.org/officeDocument/2006/relationships" xmlns:p="http://schemas.openxmlformats.org/presentationml/2006/main">
+  <p:tag name="KSO_WM_BEAUTIFY_FLAG" val=""/>
+</p:tagLst>
+</file>
+
+<file path=ppt/tags/tag135.xml><?xml version="1.0" encoding="utf-8"?>
+<p:tagLst xmlns:a="http://schemas.openxmlformats.org/drawingml/2006/main" xmlns:r="http://schemas.openxmlformats.org/officeDocument/2006/relationships" xmlns:p="http://schemas.openxmlformats.org/presentationml/2006/main">
+  <p:tag name="KSO_WM_BEAUTIFY_FLAG" val=""/>
+</p:tagLst>
+</file>
+
+<file path=ppt/tags/tag136.xml><?xml version="1.0" encoding="utf-8"?>
+<p:tagLst xmlns:a="http://schemas.openxmlformats.org/drawingml/2006/main" xmlns:r="http://schemas.openxmlformats.org/officeDocument/2006/relationships" xmlns:p="http://schemas.openxmlformats.org/presentationml/2006/main">
+  <p:tag name="KSO_WM_BEAUTIFY_FLAG" val=""/>
+</p:tagLst>
+</file>
+
+<file path=ppt/tags/tag137.xml><?xml version="1.0" encoding="utf-8"?>
+<p:tagLst xmlns:a="http://schemas.openxmlformats.org/drawingml/2006/main" xmlns:r="http://schemas.openxmlformats.org/officeDocument/2006/relationships" xmlns:p="http://schemas.openxmlformats.org/presentationml/2006/main">
+  <p:tag name="KSO_WM_BEAUTIFY_FLAG" val=""/>
+</p:tagLst>
+</file>
+
+<file path=ppt/tags/tag138.xml><?xml version="1.0" encoding="utf-8"?>
+<p:tagLst xmlns:a="http://schemas.openxmlformats.org/drawingml/2006/main" xmlns:r="http://schemas.openxmlformats.org/officeDocument/2006/relationships" xmlns:p="http://schemas.openxmlformats.org/presentationml/2006/main">
+  <p:tag name="KSO_WM_BEAUTIFY_FLAG" val=""/>
+</p:tagLst>
+</file>
+
+<file path=ppt/tags/tag139.xml><?xml version="1.0" encoding="utf-8"?>
+<p:tagLst xmlns:a="http://schemas.openxmlformats.org/drawingml/2006/main" xmlns:r="http://schemas.openxmlformats.org/officeDocument/2006/relationships" xmlns:p="http://schemas.openxmlformats.org/presentationml/2006/main">
+  <p:tag name="KSO_WM_BEAUTIFY_FLAG" val=""/>
+</p:tagLst>
+</file>
+
+<file path=ppt/tags/tag14.xml><?xml version="1.0" encoding="utf-8"?>
+<p:tagLst xmlns:a="http://schemas.openxmlformats.org/drawingml/2006/main" xmlns:r="http://schemas.openxmlformats.org/officeDocument/2006/relationships" xmlns:p="http://schemas.openxmlformats.org/presentationml/2006/main">
+  <p:tag name="KSO_WM_BEAUTIFY_FLAG" val=""/>
+</p:tagLst>
+</file>
+
+<file path=ppt/tags/tag140.xml><?xml version="1.0" encoding="utf-8"?>
+<p:tagLst xmlns:a="http://schemas.openxmlformats.org/drawingml/2006/main" xmlns:r="http://schemas.openxmlformats.org/officeDocument/2006/relationships" xmlns:p="http://schemas.openxmlformats.org/presentationml/2006/main">
+  <p:tag name="KSO_WM_BEAUTIFY_FLAG" val=""/>
+</p:tagLst>
+</file>
+
+<file path=ppt/tags/tag141.xml><?xml version="1.0" encoding="utf-8"?>
+<p:tagLst xmlns:a="http://schemas.openxmlformats.org/drawingml/2006/main" xmlns:r="http://schemas.openxmlformats.org/officeDocument/2006/relationships" xmlns:p="http://schemas.openxmlformats.org/presentationml/2006/main">
+  <p:tag name="KSO_WM_UNIT_TABLE_BEAUTIFY" val="smartTable{81ed81a2-0508-4955-ac2b-86a408e0f88f}"/>
+</p:tagLst>
+</file>
+
+<file path=ppt/tags/tag142.xml><?xml version="1.0" encoding="utf-8"?>
+<p:tagLst xmlns:a="http://schemas.openxmlformats.org/drawingml/2006/main" xmlns:r="http://schemas.openxmlformats.org/officeDocument/2006/relationships" xmlns:p="http://schemas.openxmlformats.org/presentationml/2006/main">
+  <p:tag name="KSO_WM_BEAUTIFY_FLAG" val=""/>
+</p:tagLst>
+</file>
+
+<file path=ppt/tags/tag143.xml><?xml version="1.0" encoding="utf-8"?>
+<p:tagLst xmlns:a="http://schemas.openxmlformats.org/drawingml/2006/main" xmlns:r="http://schemas.openxmlformats.org/officeDocument/2006/relationships" xmlns:p="http://schemas.openxmlformats.org/presentationml/2006/main">
+  <p:tag name="KSO_WM_BEAUTIFY_FLAG" val=""/>
+</p:tagLst>
+</file>
+
+<file path=ppt/tags/tag144.xml><?xml version="1.0" encoding="utf-8"?>
+<p:tagLst xmlns:a="http://schemas.openxmlformats.org/drawingml/2006/main" xmlns:r="http://schemas.openxmlformats.org/officeDocument/2006/relationships" xmlns:p="http://schemas.openxmlformats.org/presentationml/2006/main">
+  <p:tag name="KSO_WM_BEAUTIFY_FLAG" val=""/>
+</p:tagLst>
+</file>
+
+<file path=ppt/tags/tag15.xml><?xml version="1.0" encoding="utf-8"?>
+<p:tagLst xmlns:a="http://schemas.openxmlformats.org/drawingml/2006/main" xmlns:r="http://schemas.openxmlformats.org/officeDocument/2006/relationships" xmlns:p="http://schemas.openxmlformats.org/presentationml/2006/main">
+  <p:tag name="KSO_WM_BEAUTIFY_FLAG" val=""/>
+</p:tagLst>
+</file>
+
+<file path=ppt/tags/tag16.xml><?xml version="1.0" encoding="utf-8"?>
+<p:tagLst xmlns:a="http://schemas.openxmlformats.org/drawingml/2006/main" xmlns:r="http://schemas.openxmlformats.org/officeDocument/2006/relationships" xmlns:p="http://schemas.openxmlformats.org/presentationml/2006/main">
+  <p:tag name="KSO_WM_BEAUTIFY_FLAG" val=""/>
+</p:tagLst>
+</file>
+
+<file path=ppt/tags/tag17.xml><?xml version="1.0" encoding="utf-8"?>
+<p:tagLst xmlns:a="http://schemas.openxmlformats.org/drawingml/2006/main" xmlns:r="http://schemas.openxmlformats.org/officeDocument/2006/relationships" xmlns:p="http://schemas.openxmlformats.org/presentationml/2006/main">
+  <p:tag name="KSO_WM_BEAUTIFY_FLAG" val=""/>
+</p:tagLst>
+</file>
+
+<file path=ppt/tags/tag18.xml><?xml version="1.0" encoding="utf-8"?>
+<p:tagLst xmlns:a="http://schemas.openxmlformats.org/drawingml/2006/main" xmlns:r="http://schemas.openxmlformats.org/officeDocument/2006/relationships" xmlns:p="http://schemas.openxmlformats.org/presentationml/2006/main">
+  <p:tag name="KSO_WM_BEAUTIFY_FLAG" val=""/>
+</p:tagLst>
+</file>
+
+<file path=ppt/tags/tag19.xml><?xml version="1.0" encoding="utf-8"?>
+<p:tagLst xmlns:a="http://schemas.openxmlformats.org/drawingml/2006/main" xmlns:r="http://schemas.openxmlformats.org/officeDocument/2006/relationships" xmlns:p="http://schemas.openxmlformats.org/presentationml/2006/main">
+  <p:tag name="KSO_WM_BEAUTIFY_FLAG" val=""/>
+</p:tagLst>
+</file>
+
+<file path=ppt/tags/tag2.xml><?xml version="1.0" encoding="utf-8"?>
+<p:tagLst xmlns:a="http://schemas.openxmlformats.org/drawingml/2006/main" xmlns:r="http://schemas.openxmlformats.org/officeDocument/2006/relationships" xmlns:p="http://schemas.openxmlformats.org/presentationml/2006/main">
   <p:tag name="PA" val="v4.2.4"/>
   <p:tag name="KSO_WM_BEAUTIFY_FLAG" val=""/>
 </p:tagLst>
 </file>
 
-<file path=ppt/tags/tag10.xml><?xml version="1.0" encoding="utf-8"?>
-<p:tagLst xmlns:p="http://schemas.openxmlformats.org/presentationml/2006/main">
+<file path=ppt/tags/tag20.xml><?xml version="1.0" encoding="utf-8"?>
+<p:tagLst xmlns:a="http://schemas.openxmlformats.org/drawingml/2006/main" xmlns:r="http://schemas.openxmlformats.org/officeDocument/2006/relationships" xmlns:p="http://schemas.openxmlformats.org/presentationml/2006/main">
   <p:tag name="KSO_WM_BEAUTIFY_FLAG" val=""/>
 </p:tagLst>
 </file>
 
-<file path=ppt/tags/tag100.xml><?xml version="1.0" encoding="utf-8"?>
-<p:tagLst xmlns:p="http://schemas.openxmlformats.org/presentationml/2006/main">
+<file path=ppt/tags/tag21.xml><?xml version="1.0" encoding="utf-8"?>
+<p:tagLst xmlns:a="http://schemas.openxmlformats.org/drawingml/2006/main" xmlns:r="http://schemas.openxmlformats.org/officeDocument/2006/relationships" xmlns:p="http://schemas.openxmlformats.org/presentationml/2006/main">
   <p:tag name="KSO_WM_BEAUTIFY_FLAG" val=""/>
 </p:tagLst>
 </file>
 
-<file path=ppt/tags/tag101.xml><?xml version="1.0" encoding="utf-8"?>
-<p:tagLst xmlns:p="http://schemas.openxmlformats.org/presentationml/2006/main">
+<file path=ppt/tags/tag22.xml><?xml version="1.0" encoding="utf-8"?>
+<p:tagLst xmlns:a="http://schemas.openxmlformats.org/drawingml/2006/main" xmlns:r="http://schemas.openxmlformats.org/officeDocument/2006/relationships" xmlns:p="http://schemas.openxmlformats.org/presentationml/2006/main">
   <p:tag name="KSO_WM_BEAUTIFY_FLAG" val=""/>
 </p:tagLst>
 </file>
 
-<file path=ppt/tags/tag102.xml><?xml version="1.0" encoding="utf-8"?>
-<p:tagLst xmlns:p="http://schemas.openxmlformats.org/presentationml/2006/main">
+<file path=ppt/tags/tag23.xml><?xml version="1.0" encoding="utf-8"?>
+<p:tagLst xmlns:a="http://schemas.openxmlformats.org/drawingml/2006/main" xmlns:r="http://schemas.openxmlformats.org/officeDocument/2006/relationships" xmlns:p="http://schemas.openxmlformats.org/presentationml/2006/main">
   <p:tag name="KSO_WM_BEAUTIFY_FLAG" val=""/>
 </p:tagLst>
 </file>
 
-<file path=ppt/tags/tag103.xml><?xml version="1.0" encoding="utf-8"?>
-<p:tagLst xmlns:p="http://schemas.openxmlformats.org/presentationml/2006/main">
+<file path=ppt/tags/tag24.xml><?xml version="1.0" encoding="utf-8"?>
+<p:tagLst xmlns:a="http://schemas.openxmlformats.org/drawingml/2006/main" xmlns:r="http://schemas.openxmlformats.org/officeDocument/2006/relationships" xmlns:p="http://schemas.openxmlformats.org/presentationml/2006/main">
   <p:tag name="KSO_WM_BEAUTIFY_FLAG" val=""/>
 </p:tagLst>
 </file>
 
-<file path=ppt/tags/tag104.xml><?xml version="1.0" encoding="utf-8"?>
-<p:tagLst xmlns:p="http://schemas.openxmlformats.org/presentationml/2006/main">
+<file path=ppt/tags/tag25.xml><?xml version="1.0" encoding="utf-8"?>
+<p:tagLst xmlns:a="http://schemas.openxmlformats.org/drawingml/2006/main" xmlns:r="http://schemas.openxmlformats.org/officeDocument/2006/relationships" xmlns:p="http://schemas.openxmlformats.org/presentationml/2006/main">
   <p:tag name="KSO_WM_BEAUTIFY_FLAG" val=""/>
 </p:tagLst>
 </file>
 
-<file path=ppt/tags/tag105.xml><?xml version="1.0" encoding="utf-8"?>
-<p:tagLst xmlns:p="http://schemas.openxmlformats.org/presentationml/2006/main">
+<file path=ppt/tags/tag26.xml><?xml version="1.0" encoding="utf-8"?>
+<p:tagLst xmlns:a="http://schemas.openxmlformats.org/drawingml/2006/main" xmlns:r="http://schemas.openxmlformats.org/officeDocument/2006/relationships" xmlns:p="http://schemas.openxmlformats.org/presentationml/2006/main">
   <p:tag name="KSO_WM_BEAUTIFY_FLAG" val=""/>
 </p:tagLst>
 </file>
 
-<file path=ppt/tags/tag106.xml><?xml version="1.0" encoding="utf-8"?>
-<p:tagLst xmlns:p="http://schemas.openxmlformats.org/presentationml/2006/main">
+<file path=ppt/tags/tag27.xml><?xml version="1.0" encoding="utf-8"?>
+<p:tagLst xmlns:a="http://schemas.openxmlformats.org/drawingml/2006/main" xmlns:r="http://schemas.openxmlformats.org/officeDocument/2006/relationships" xmlns:p="http://schemas.openxmlformats.org/presentationml/2006/main">
   <p:tag name="KSO_WM_BEAUTIFY_FLAG" val=""/>
 </p:tagLst>
 </file>
 
-<file path=ppt/tags/tag107.xml><?xml version="1.0" encoding="utf-8"?>
-<p:tagLst xmlns:p="http://schemas.openxmlformats.org/presentationml/2006/main">
+<file path=ppt/tags/tag28.xml><?xml version="1.0" encoding="utf-8"?>
+<p:tagLst xmlns:a="http://schemas.openxmlformats.org/drawingml/2006/main" xmlns:r="http://schemas.openxmlformats.org/officeDocument/2006/relationships" xmlns:p="http://schemas.openxmlformats.org/presentationml/2006/main">
   <p:tag name="KSO_WM_BEAUTIFY_FLAG" val=""/>
 </p:tagLst>
 </file>
 
-<file path=ppt/tags/tag108.xml><?xml version="1.0" encoding="utf-8"?>
-<p:tagLst xmlns:p="http://schemas.openxmlformats.org/presentationml/2006/main">
+<file path=ppt/tags/tag29.xml><?xml version="1.0" encoding="utf-8"?>
+<p:tagLst xmlns:a="http://schemas.openxmlformats.org/drawingml/2006/main" xmlns:r="http://schemas.openxmlformats.org/officeDocument/2006/relationships" xmlns:p="http://schemas.openxmlformats.org/presentationml/2006/main">
   <p:tag name="KSO_WM_BEAUTIFY_FLAG" val=""/>
 </p:tagLst>
 </file>
 
-<file path=ppt/tags/tag109.xml><?xml version="1.0" encoding="utf-8"?>
-<p:tagLst xmlns:p="http://schemas.openxmlformats.org/presentationml/2006/main">
+<file path=ppt/tags/tag3.xml><?xml version="1.0" encoding="utf-8"?>
+<p:tagLst xmlns:a="http://schemas.openxmlformats.org/drawingml/2006/main" xmlns:r="http://schemas.openxmlformats.org/officeDocument/2006/relationships" xmlns:p="http://schemas.openxmlformats.org/presentationml/2006/main">
   <p:tag name="KSO_WM_BEAUTIFY_FLAG" val=""/>
 </p:tagLst>
 </file>
 
-<file path=ppt/tags/tag11.xml><?xml version="1.0" encoding="utf-8"?>
-<p:tagLst xmlns:p="http://schemas.openxmlformats.org/presentationml/2006/main">
+<file path=ppt/tags/tag30.xml><?xml version="1.0" encoding="utf-8"?>
+<p:tagLst xmlns:a="http://schemas.openxmlformats.org/drawingml/2006/main" xmlns:r="http://schemas.openxmlformats.org/officeDocument/2006/relationships" xmlns:p="http://schemas.openxmlformats.org/presentationml/2006/main">
   <p:tag name="KSO_WM_BEAUTIFY_FLAG" val=""/>
 </p:tagLst>
 </file>
 
-<file path=ppt/tags/tag110.xml><?xml version="1.0" encoding="utf-8"?>
-<p:tagLst xmlns:p="http://schemas.openxmlformats.org/presentationml/2006/main">
+<file path=ppt/tags/tag31.xml><?xml version="1.0" encoding="utf-8"?>
+<p:tagLst xmlns:a="http://schemas.openxmlformats.org/drawingml/2006/main" xmlns:r="http://schemas.openxmlformats.org/officeDocument/2006/relationships" xmlns:p="http://schemas.openxmlformats.org/presentationml/2006/main">
   <p:tag name="KSO_WM_BEAUTIFY_FLAG" val=""/>
 </p:tagLst>
 </file>
 
-<file path=ppt/tags/tag111.xml><?xml version="1.0" encoding="utf-8"?>
-<p:tagLst xmlns:p="http://schemas.openxmlformats.org/presentationml/2006/main">
+<file path=ppt/tags/tag32.xml><?xml version="1.0" encoding="utf-8"?>
+<p:tagLst xmlns:a="http://schemas.openxmlformats.org/drawingml/2006/main" xmlns:r="http://schemas.openxmlformats.org/officeDocument/2006/relationships" xmlns:p="http://schemas.openxmlformats.org/presentationml/2006/main">
   <p:tag name="KSO_WM_BEAUTIFY_FLAG" val=""/>
 </p:tagLst>
 </file>
 
-<file path=ppt/tags/tag112.xml><?xml version="1.0" encoding="utf-8"?>
-<p:tagLst xmlns:p="http://schemas.openxmlformats.org/presentationml/2006/main">
+<file path=ppt/tags/tag33.xml><?xml version="1.0" encoding="utf-8"?>
+<p:tagLst xmlns:a="http://schemas.openxmlformats.org/drawingml/2006/main" xmlns:r="http://schemas.openxmlformats.org/officeDocument/2006/relationships" xmlns:p="http://schemas.openxmlformats.org/presentationml/2006/main">
   <p:tag name="KSO_WM_BEAUTIFY_FLAG" val=""/>
 </p:tagLst>
 </file>
 
-<file path=ppt/tags/tag113.xml><?xml version="1.0" encoding="utf-8"?>
-<p:tagLst xmlns:p="http://schemas.openxmlformats.org/presentationml/2006/main">
+<file path=ppt/tags/tag34.xml><?xml version="1.0" encoding="utf-8"?>
+<p:tagLst xmlns:a="http://schemas.openxmlformats.org/drawingml/2006/main" xmlns:r="http://schemas.openxmlformats.org/officeDocument/2006/relationships" xmlns:p="http://schemas.openxmlformats.org/presentationml/2006/main">
   <p:tag name="KSO_WM_BEAUTIFY_FLAG" val=""/>
 </p:tagLst>
 </file>
 
-<file path=ppt/tags/tag114.xml><?xml version="1.0" encoding="utf-8"?>
-<p:tagLst xmlns:p="http://schemas.openxmlformats.org/presentationml/2006/main">
+<file path=ppt/tags/tag35.xml><?xml version="1.0" encoding="utf-8"?>
+<p:tagLst xmlns:a="http://schemas.openxmlformats.org/drawingml/2006/main" xmlns:r="http://schemas.openxmlformats.org/officeDocument/2006/relationships" xmlns:p="http://schemas.openxmlformats.org/presentationml/2006/main">
   <p:tag name="KSO_WM_BEAUTIFY_FLAG" val=""/>
 </p:tagLst>
 </file>
 
-<file path=ppt/tags/tag115.xml><?xml version="1.0" encoding="utf-8"?>
-<p:tagLst xmlns:p="http://schemas.openxmlformats.org/presentationml/2006/main">
+<file path=ppt/tags/tag36.xml><?xml version="1.0" encoding="utf-8"?>
+<p:tagLst xmlns:a="http://schemas.openxmlformats.org/drawingml/2006/main" xmlns:r="http://schemas.openxmlformats.org/officeDocument/2006/relationships" xmlns:p="http://schemas.openxmlformats.org/presentationml/2006/main">
   <p:tag name="KSO_WM_BEAUTIFY_FLAG" val=""/>
 </p:tagLst>
 </file>
 
-<file path=ppt/tags/tag116.xml><?xml version="1.0" encoding="utf-8"?>
-<p:tagLst xmlns:p="http://schemas.openxmlformats.org/presentationml/2006/main">
+<file path=ppt/tags/tag37.xml><?xml version="1.0" encoding="utf-8"?>
+<p:tagLst xmlns:a="http://schemas.openxmlformats.org/drawingml/2006/main" xmlns:r="http://schemas.openxmlformats.org/officeDocument/2006/relationships" xmlns:p="http://schemas.openxmlformats.org/presentationml/2006/main">
   <p:tag name="KSO_WM_BEAUTIFY_FLAG" val=""/>
 </p:tagLst>
 </file>
 
-<file path=ppt/tags/tag117.xml><?xml version="1.0" encoding="utf-8"?>
-<p:tagLst xmlns:p="http://schemas.openxmlformats.org/presentationml/2006/main">
+<file path=ppt/tags/tag38.xml><?xml version="1.0" encoding="utf-8"?>
+<p:tagLst xmlns:a="http://schemas.openxmlformats.org/drawingml/2006/main" xmlns:r="http://schemas.openxmlformats.org/officeDocument/2006/relationships" xmlns:p="http://schemas.openxmlformats.org/presentationml/2006/main">
   <p:tag name="KSO_WM_BEAUTIFY_FLAG" val=""/>
 </p:tagLst>
 </file>
 
-<file path=ppt/tags/tag118.xml><?xml version="1.0" encoding="utf-8"?>
-<p:tagLst xmlns:p="http://schemas.openxmlformats.org/presentationml/2006/main">
+<file path=ppt/tags/tag39.xml><?xml version="1.0" encoding="utf-8"?>
+<p:tagLst xmlns:a="http://schemas.openxmlformats.org/drawingml/2006/main" xmlns:r="http://schemas.openxmlformats.org/officeDocument/2006/relationships" xmlns:p="http://schemas.openxmlformats.org/presentationml/2006/main">
   <p:tag name="KSO_WM_BEAUTIFY_FLAG" val=""/>
 </p:tagLst>
 </file>
 
-<file path=ppt/tags/tag119.xml><?xml version="1.0" encoding="utf-8"?>
-<p:tagLst xmlns:p="http://schemas.openxmlformats.org/presentationml/2006/main">
+<file path=ppt/tags/tag4.xml><?xml version="1.0" encoding="utf-8"?>
+<p:tagLst xmlns:a="http://schemas.openxmlformats.org/drawingml/2006/main" xmlns:r="http://schemas.openxmlformats.org/officeDocument/2006/relationships" xmlns:p="http://schemas.openxmlformats.org/presentationml/2006/main">
   <p:tag name="KSO_WM_BEAUTIFY_FLAG" val=""/>
 </p:tagLst>
 </file>
 
-<file path=ppt/tags/tag12.xml><?xml version="1.0" encoding="utf-8"?>
-<p:tagLst xmlns:p="http://schemas.openxmlformats.org/presentationml/2006/main">
+<file path=ppt/tags/tag40.xml><?xml version="1.0" encoding="utf-8"?>
+<p:tagLst xmlns:a="http://schemas.openxmlformats.org/drawingml/2006/main" xmlns:r="http://schemas.openxmlformats.org/officeDocument/2006/relationships" xmlns:p="http://schemas.openxmlformats.org/presentationml/2006/main">
   <p:tag name="KSO_WM_BEAUTIFY_FLAG" val=""/>
 </p:tagLst>
 </file>
 
-<file path=ppt/tags/tag120.xml><?xml version="1.0" encoding="utf-8"?>
-<p:tagLst xmlns:p="http://schemas.openxmlformats.org/presentationml/2006/main">
+<file path=ppt/tags/tag41.xml><?xml version="1.0" encoding="utf-8"?>
+<p:tagLst xmlns:a="http://schemas.openxmlformats.org/drawingml/2006/main" xmlns:r="http://schemas.openxmlformats.org/officeDocument/2006/relationships" xmlns:p="http://schemas.openxmlformats.org/presentationml/2006/main">
   <p:tag name="KSO_WM_BEAUTIFY_FLAG" val=""/>
 </p:tagLst>
 </file>
 
-<file path=ppt/tags/tag121.xml><?xml version="1.0" encoding="utf-8"?>
-<p:tagLst xmlns:p="http://schemas.openxmlformats.org/presentationml/2006/main">
+<file path=ppt/tags/tag42.xml><?xml version="1.0" encoding="utf-8"?>
+<p:tagLst xmlns:a="http://schemas.openxmlformats.org/drawingml/2006/main" xmlns:r="http://schemas.openxmlformats.org/officeDocument/2006/relationships" xmlns:p="http://schemas.openxmlformats.org/presentationml/2006/main">
   <p:tag name="KSO_WM_BEAUTIFY_FLAG" val=""/>
 </p:tagLst>
 </file>
 
-<file path=ppt/tags/tag122.xml><?xml version="1.0" encoding="utf-8"?>
-<p:tagLst xmlns:p="http://schemas.openxmlformats.org/presentationml/2006/main">
+<file path=ppt/tags/tag43.xml><?xml version="1.0" encoding="utf-8"?>
+<p:tagLst xmlns:a="http://schemas.openxmlformats.org/drawingml/2006/main" xmlns:r="http://schemas.openxmlformats.org/officeDocument/2006/relationships" xmlns:p="http://schemas.openxmlformats.org/presentationml/2006/main">
   <p:tag name="KSO_WM_BEAUTIFY_FLAG" val=""/>
 </p:tagLst>
 </file>
 
-<file path=ppt/tags/tag123.xml><?xml version="1.0" encoding="utf-8"?>
-<p:tagLst xmlns:p="http://schemas.openxmlformats.org/presentationml/2006/main">
+<file path=ppt/tags/tag44.xml><?xml version="1.0" encoding="utf-8"?>
+<p:tagLst xmlns:a="http://schemas.openxmlformats.org/drawingml/2006/main" xmlns:r="http://schemas.openxmlformats.org/officeDocument/2006/relationships" xmlns:p="http://schemas.openxmlformats.org/presentationml/2006/main">
   <p:tag name="KSO_WM_BEAUTIFY_FLAG" val=""/>
 </p:tagLst>
 </file>
 
-<file path=ppt/tags/tag124.xml><?xml version="1.0" encoding="utf-8"?>
-<p:tagLst xmlns:p="http://schemas.openxmlformats.org/presentationml/2006/main">
+<file path=ppt/tags/tag45.xml><?xml version="1.0" encoding="utf-8"?>
+<p:tagLst xmlns:a="http://schemas.openxmlformats.org/drawingml/2006/main" xmlns:r="http://schemas.openxmlformats.org/officeDocument/2006/relationships" xmlns:p="http://schemas.openxmlformats.org/presentationml/2006/main">
   <p:tag name="KSO_WM_BEAUTIFY_FLAG" val=""/>
 </p:tagLst>
 </file>
 
-<file path=ppt/tags/tag125.xml><?xml version="1.0" encoding="utf-8"?>
-<p:tagLst xmlns:p="http://schemas.openxmlformats.org/presentationml/2006/main">
+<file path=ppt/tags/tag46.xml><?xml version="1.0" encoding="utf-8"?>
+<p:tagLst xmlns:a="http://schemas.openxmlformats.org/drawingml/2006/main" xmlns:r="http://schemas.openxmlformats.org/officeDocument/2006/relationships" xmlns:p="http://schemas.openxmlformats.org/presentationml/2006/main">
   <p:tag name="KSO_WM_BEAUTIFY_FLAG" val=""/>
 </p:tagLst>
 </file>
 
-<file path=ppt/tags/tag126.xml><?xml version="1.0" encoding="utf-8"?>
-<p:tagLst xmlns:p="http://schemas.openxmlformats.org/presentationml/2006/main">
+<file path=ppt/tags/tag47.xml><?xml version="1.0" encoding="utf-8"?>
+<p:tagLst xmlns:a="http://schemas.openxmlformats.org/drawingml/2006/main" xmlns:r="http://schemas.openxmlformats.org/officeDocument/2006/relationships" xmlns:p="http://schemas.openxmlformats.org/presentationml/2006/main">
   <p:tag name="KSO_WM_BEAUTIFY_FLAG" val=""/>
 </p:tagLst>
 </file>
 
-<file path=ppt/tags/tag127.xml><?xml version="1.0" encoding="utf-8"?>
-<p:tagLst xmlns:p="http://schemas.openxmlformats.org/presentationml/2006/main">
+<file path=ppt/tags/tag48.xml><?xml version="1.0" encoding="utf-8"?>
+<p:tagLst xmlns:a="http://schemas.openxmlformats.org/drawingml/2006/main" xmlns:r="http://schemas.openxmlformats.org/officeDocument/2006/relationships" xmlns:p="http://schemas.openxmlformats.org/presentationml/2006/main">
   <p:tag name="KSO_WM_BEAUTIFY_FLAG" val=""/>
 </p:tagLst>
 </file>
 
-<file path=ppt/tags/tag128.xml><?xml version="1.0" encoding="utf-8"?>
-<p:tagLst xmlns:p="http://schemas.openxmlformats.org/presentationml/2006/main">
+<file path=ppt/tags/tag49.xml><?xml version="1.0" encoding="utf-8"?>
+<p:tagLst xmlns:a="http://schemas.openxmlformats.org/drawingml/2006/main" xmlns:r="http://schemas.openxmlformats.org/officeDocument/2006/relationships" xmlns:p="http://schemas.openxmlformats.org/presentationml/2006/main">
   <p:tag name="KSO_WM_BEAUTIFY_FLAG" val=""/>
 </p:tagLst>
 </file>
 
-<file path=ppt/tags/tag129.xml><?xml version="1.0" encoding="utf-8"?>
-<p:tagLst xmlns:p="http://schemas.openxmlformats.org/presentationml/2006/main">
+<file path=ppt/tags/tag5.xml><?xml version="1.0" encoding="utf-8"?>
+<p:tagLst xmlns:a="http://schemas.openxmlformats.org/drawingml/2006/main" xmlns:r="http://schemas.openxmlformats.org/officeDocument/2006/relationships" xmlns:p="http://schemas.openxmlformats.org/presentationml/2006/main">
   <p:tag name="KSO_WM_BEAUTIFY_FLAG" val=""/>
 </p:tagLst>
 </file>
 
-<file path=ppt/tags/tag13.xml><?xml version="1.0" encoding="utf-8"?>
-<p:tagLst xmlns:p="http://schemas.openxmlformats.org/presentationml/2006/main">
+<file path=ppt/tags/tag50.xml><?xml version="1.0" encoding="utf-8"?>
+<p:tagLst xmlns:a="http://schemas.openxmlformats.org/drawingml/2006/main" xmlns:r="http://schemas.openxmlformats.org/officeDocument/2006/relationships" xmlns:p="http://schemas.openxmlformats.org/presentationml/2006/main">
   <p:tag name="KSO_WM_BEAUTIFY_FLAG" val=""/>
 </p:tagLst>
 </file>
 
-<file path=ppt/tags/tag130.xml><?xml version="1.0" encoding="utf-8"?>
-<p:tagLst xmlns:p="http://schemas.openxmlformats.org/presentationml/2006/main">
+<file path=ppt/tags/tag51.xml><?xml version="1.0" encoding="utf-8"?>
+<p:tagLst xmlns:a="http://schemas.openxmlformats.org/drawingml/2006/main" xmlns:r="http://schemas.openxmlformats.org/officeDocument/2006/relationships" xmlns:p="http://schemas.openxmlformats.org/presentationml/2006/main">
   <p:tag name="KSO_WM_BEAUTIFY_FLAG" val=""/>
 </p:tagLst>
 </file>
 
-<file path=ppt/tags/tag131.xml><?xml version="1.0" encoding="utf-8"?>
-<p:tagLst xmlns:p="http://schemas.openxmlformats.org/presentationml/2006/main">
+<file path=ppt/tags/tag52.xml><?xml version="1.0" encoding="utf-8"?>
+<p:tagLst xmlns:a="http://schemas.openxmlformats.org/drawingml/2006/main" xmlns:r="http://schemas.openxmlformats.org/officeDocument/2006/relationships" xmlns:p="http://schemas.openxmlformats.org/presentationml/2006/main">
   <p:tag name="KSO_WM_BEAUTIFY_FLAG" val=""/>
 </p:tagLst>
 </file>
 
-<file path=ppt/tags/tag132.xml><?xml version="1.0" encoding="utf-8"?>
-<p:tagLst xmlns:p="http://schemas.openxmlformats.org/presentationml/2006/main">
+<file path=ppt/tags/tag53.xml><?xml version="1.0" encoding="utf-8"?>
+<p:tagLst xmlns:a="http://schemas.openxmlformats.org/drawingml/2006/main" xmlns:r="http://schemas.openxmlformats.org/officeDocument/2006/relationships" xmlns:p="http://schemas.openxmlformats.org/presentationml/2006/main">
   <p:tag name="KSO_WM_BEAUTIFY_FLAG" val=""/>
 </p:tagLst>
 </file>
 
-<file path=ppt/tags/tag133.xml><?xml version="1.0" encoding="utf-8"?>
-<p:tagLst xmlns:p="http://schemas.openxmlformats.org/presentationml/2006/main">
+<file path=ppt/tags/tag54.xml><?xml version="1.0" encoding="utf-8"?>
+<p:tagLst xmlns:a="http://schemas.openxmlformats.org/drawingml/2006/main" xmlns:r="http://schemas.openxmlformats.org/officeDocument/2006/relationships" xmlns:p="http://schemas.openxmlformats.org/presentationml/2006/main">
   <p:tag name="KSO_WM_BEAUTIFY_FLAG" val=""/>
 </p:tagLst>
 </file>
 
-<file path=ppt/tags/tag134.xml><?xml version="1.0" encoding="utf-8"?>
-<p:tagLst xmlns:p="http://schemas.openxmlformats.org/presentationml/2006/main">
+<file path=ppt/tags/tag55.xml><?xml version="1.0" encoding="utf-8"?>
+<p:tagLst xmlns:a="http://schemas.openxmlformats.org/drawingml/2006/main" xmlns:r="http://schemas.openxmlformats.org/officeDocument/2006/relationships" xmlns:p="http://schemas.openxmlformats.org/presentationml/2006/main">
   <p:tag name="KSO_WM_BEAUTIFY_FLAG" val=""/>
 </p:tagLst>
 </file>
 
-<file path=ppt/tags/tag135.xml><?xml version="1.0" encoding="utf-8"?>
-<p:tagLst xmlns:p="http://schemas.openxmlformats.org/presentationml/2006/main">
+<file path=ppt/tags/tag56.xml><?xml version="1.0" encoding="utf-8"?>
+<p:tagLst xmlns:a="http://schemas.openxmlformats.org/drawingml/2006/main" xmlns:r="http://schemas.openxmlformats.org/officeDocument/2006/relationships" xmlns:p="http://schemas.openxmlformats.org/presentationml/2006/main">
   <p:tag name="KSO_WM_BEAUTIFY_FLAG" val=""/>
 </p:tagLst>
 </file>
 
-<file path=ppt/tags/tag136.xml><?xml version="1.0" encoding="utf-8"?>
-<p:tagLst xmlns:p="http://schemas.openxmlformats.org/presentationml/2006/main">
+<file path=ppt/tags/tag57.xml><?xml version="1.0" encoding="utf-8"?>
+<p:tagLst xmlns:a="http://schemas.openxmlformats.org/drawingml/2006/main" xmlns:r="http://schemas.openxmlformats.org/officeDocument/2006/relationships" xmlns:p="http://schemas.openxmlformats.org/presentationml/2006/main">
   <p:tag name="KSO_WM_BEAUTIFY_FLAG" val=""/>
 </p:tagLst>
 </file>
 
-<file path=ppt/tags/tag137.xml><?xml version="1.0" encoding="utf-8"?>
-<p:tagLst xmlns:p="http://schemas.openxmlformats.org/presentationml/2006/main">
+<file path=ppt/tags/tag58.xml><?xml version="1.0" encoding="utf-8"?>
+<p:tagLst xmlns:a="http://schemas.openxmlformats.org/drawingml/2006/main" xmlns:r="http://schemas.openxmlformats.org/officeDocument/2006/relationships" xmlns:p="http://schemas.openxmlformats.org/presentationml/2006/main">
   <p:tag name="KSO_WM_BEAUTIFY_FLAG" val=""/>
 </p:tagLst>
 </file>
 
-<file path=ppt/tags/tag138.xml><?xml version="1.0" encoding="utf-8"?>
-<p:tagLst xmlns:p="http://schemas.openxmlformats.org/presentationml/2006/main">
+<file path=ppt/tags/tag59.xml><?xml version="1.0" encoding="utf-8"?>
+<p:tagLst xmlns:a="http://schemas.openxmlformats.org/drawingml/2006/main" xmlns:r="http://schemas.openxmlformats.org/officeDocument/2006/relationships" xmlns:p="http://schemas.openxmlformats.org/presentationml/2006/main">
   <p:tag name="KSO_WM_BEAUTIFY_FLAG" val=""/>
 </p:tagLst>
 </file>
 
-<file path=ppt/tags/tag139.xml><?xml version="1.0" encoding="utf-8"?>
-<p:tagLst xmlns:p="http://schemas.openxmlformats.org/presentationml/2006/main">
+<file path=ppt/tags/tag6.xml><?xml version="1.0" encoding="utf-8"?>
+<p:tagLst xmlns:a="http://schemas.openxmlformats.org/drawingml/2006/main" xmlns:r="http://schemas.openxmlformats.org/officeDocument/2006/relationships" xmlns:p="http://schemas.openxmlformats.org/presentationml/2006/main">
   <p:tag name="KSO_WM_BEAUTIFY_FLAG" val=""/>
 </p:tagLst>
 </file>
 
-<file path=ppt/tags/tag14.xml><?xml version="1.0" encoding="utf-8"?>
-<p:tagLst xmlns:p="http://schemas.openxmlformats.org/presentationml/2006/main">
+<file path=ppt/tags/tag60.xml><?xml version="1.0" encoding="utf-8"?>
+<p:tagLst xmlns:a="http://schemas.openxmlformats.org/drawingml/2006/main" xmlns:r="http://schemas.openxmlformats.org/officeDocument/2006/relationships" xmlns:p="http://schemas.openxmlformats.org/presentationml/2006/main">
   <p:tag name="KSO_WM_BEAUTIFY_FLAG" val=""/>
 </p:tagLst>
 </file>
 
-<file path=ppt/tags/tag140.xml><?xml version="1.0" encoding="utf-8"?>
-<p:tagLst xmlns:p="http://schemas.openxmlformats.org/presentationml/2006/main">
+<file path=ppt/tags/tag61.xml><?xml version="1.0" encoding="utf-8"?>
+<p:tagLst xmlns:a="http://schemas.openxmlformats.org/drawingml/2006/main" xmlns:r="http://schemas.openxmlformats.org/officeDocument/2006/relationships" xmlns:p="http://schemas.openxmlformats.org/presentationml/2006/main">
   <p:tag name="KSO_WM_BEAUTIFY_FLAG" val=""/>
 </p:tagLst>
 </file>
 
-<file path=ppt/tags/tag141.xml><?xml version="1.0" encoding="utf-8"?>
-<p:tagLst xmlns:p="http://schemas.openxmlformats.org/presentationml/2006/main">
+<file path=ppt/tags/tag62.xml><?xml version="1.0" encoding="utf-8"?>
+<p:tagLst xmlns:a="http://schemas.openxmlformats.org/drawingml/2006/main" xmlns:r="http://schemas.openxmlformats.org/officeDocument/2006/relationships" xmlns:p="http://schemas.openxmlformats.org/presentationml/2006/main">
   <p:tag name="KSO_WM_BEAUTIFY_FLAG" val=""/>
 </p:tagLst>
 </file>
 
-<file path=ppt/tags/tag142.xml><?xml version="1.0" encoding="utf-8"?>
-<p:tagLst xmlns:p="http://schemas.openxmlformats.org/presentationml/2006/main">
-  <p:tag name="KSO_WM_UNIT_TABLE_BEAUTIFY" val="smartTable{81ed81a2-0508-4955-ac2b-86a408e0f88f}"/>
-</p:tagLst>
-</file>
-
-<file path=ppt/tags/tag143.xml><?xml version="1.0" encoding="utf-8"?>
-<p:tagLst xmlns:p="http://schemas.openxmlformats.org/presentationml/2006/main">
+<file path=ppt/tags/tag63.xml><?xml version="1.0" encoding="utf-8"?>
+<p:tagLst xmlns:a="http://schemas.openxmlformats.org/drawingml/2006/main" xmlns:r="http://schemas.openxmlformats.org/officeDocument/2006/relationships" xmlns:p="http://schemas.openxmlformats.org/presentationml/2006/main">
   <p:tag name="KSO_WM_BEAUTIFY_FLAG" val=""/>
 </p:tagLst>
 </file>
 
-<file path=ppt/tags/tag144.xml><?xml version="1.0" encoding="utf-8"?>
-<p:tagLst xmlns:p="http://schemas.openxmlformats.org/presentationml/2006/main">
+<file path=ppt/tags/tag64.xml><?xml version="1.0" encoding="utf-8"?>
+<p:tagLst xmlns:a="http://schemas.openxmlformats.org/drawingml/2006/main" xmlns:r="http://schemas.openxmlformats.org/officeDocument/2006/relationships" xmlns:p="http://schemas.openxmlformats.org/presentationml/2006/main">
   <p:tag name="KSO_WM_BEAUTIFY_FLAG" val=""/>
 </p:tagLst>
 </file>
 
-<file path=ppt/tags/tag145.xml><?xml version="1.0" encoding="utf-8"?>
-<p:tagLst xmlns:p="http://schemas.openxmlformats.org/presentationml/2006/main">
+<file path=ppt/tags/tag65.xml><?xml version="1.0" encoding="utf-8"?>
+<p:tagLst xmlns:a="http://schemas.openxmlformats.org/drawingml/2006/main" xmlns:r="http://schemas.openxmlformats.org/officeDocument/2006/relationships" xmlns:p="http://schemas.openxmlformats.org/presentationml/2006/main">
   <p:tag name="KSO_WM_BEAUTIFY_FLAG" val=""/>
 </p:tagLst>
 </file>
 
-<file path=ppt/tags/tag146.xml><?xml version="1.0" encoding="utf-8"?>
-<p:tagLst xmlns:p="http://schemas.openxmlformats.org/presentationml/2006/main">
-  <p:tag name="KSO_WPP_MARK_KEY" val="d67f8d57-a45a-447f-9bbc-f33c78e0284b"/>
-  <p:tag name="COMMONDATA" val="eyJjb3VudCI6MzMsImhkaWQiOiJiMzM0NWU5NzkwMjY2NTZhMDNkZjk1NDg5ZjQ1M2ZiNCIsInVzZXJDb3VudCI6MzN9"/>
-</p:tagLst>
-</file>
-
-<file path=ppt/tags/tag15.xml><?xml version="1.0" encoding="utf-8"?>
-<p:tagLst xmlns:p="http://schemas.openxmlformats.org/presentationml/2006/main">
+<file path=ppt/tags/tag66.xml><?xml version="1.0" encoding="utf-8"?>
+<p:tagLst xmlns:a="http://schemas.openxmlformats.org/drawingml/2006/main" xmlns:r="http://schemas.openxmlformats.org/officeDocument/2006/relationships" xmlns:p="http://schemas.openxmlformats.org/presentationml/2006/main">
   <p:tag name="KSO_WM_BEAUTIFY_FLAG" val=""/>
 </p:tagLst>
 </file>
 
-<file path=ppt/tags/tag16.xml><?xml version="1.0" encoding="utf-8"?>
-<p:tagLst xmlns:p="http://schemas.openxmlformats.org/presentationml/2006/main">
+<file path=ppt/tags/tag67.xml><?xml version="1.0" encoding="utf-8"?>
+<p:tagLst xmlns:a="http://schemas.openxmlformats.org/drawingml/2006/main" xmlns:r="http://schemas.openxmlformats.org/officeDocument/2006/relationships" xmlns:p="http://schemas.openxmlformats.org/presentationml/2006/main">
   <p:tag name="KSO_WM_BEAUTIFY_FLAG" val=""/>
 </p:tagLst>
 </file>
 
-<file path=ppt/tags/tag17.xml><?xml version="1.0" encoding="utf-8"?>
-<p:tagLst xmlns:p="http://schemas.openxmlformats.org/presentationml/2006/main">
+<file path=ppt/tags/tag68.xml><?xml version="1.0" encoding="utf-8"?>
+<p:tagLst xmlns:a="http://schemas.openxmlformats.org/drawingml/2006/main" xmlns:r="http://schemas.openxmlformats.org/officeDocument/2006/relationships" xmlns:p="http://schemas.openxmlformats.org/presentationml/2006/main">
   <p:tag name="KSO_WM_BEAUTIFY_FLAG" val=""/>
 </p:tagLst>
 </file>
 
-<file path=ppt/tags/tag18.xml><?xml version="1.0" encoding="utf-8"?>
-<p:tagLst xmlns:p="http://schemas.openxmlformats.org/presentationml/2006/main">
+<file path=ppt/tags/tag69.xml><?xml version="1.0" encoding="utf-8"?>
+<p:tagLst xmlns:a="http://schemas.openxmlformats.org/drawingml/2006/main" xmlns:r="http://schemas.openxmlformats.org/officeDocument/2006/relationships" xmlns:p="http://schemas.openxmlformats.org/presentationml/2006/main">
   <p:tag name="KSO_WM_BEAUTIFY_FLAG" val=""/>
 </p:tagLst>
 </file>
 
-<file path=ppt/tags/tag19.xml><?xml version="1.0" encoding="utf-8"?>
-<p:tagLst xmlns:p="http://schemas.openxmlformats.org/presentationml/2006/main">
+<file path=ppt/tags/tag7.xml><?xml version="1.0" encoding="utf-8"?>
+<p:tagLst xmlns:a="http://schemas.openxmlformats.org/drawingml/2006/main" xmlns:r="http://schemas.openxmlformats.org/officeDocument/2006/relationships" xmlns:p="http://schemas.openxmlformats.org/presentationml/2006/main">
   <p:tag name="KSO_WM_BEAUTIFY_FLAG" val=""/>
 </p:tagLst>
 </file>
 
-<file path=ppt/tags/tag2.xml><?xml version="1.0" encoding="utf-8"?>
-<p:tagLst xmlns:p="http://schemas.openxmlformats.org/presentationml/2006/main">
+<file path=ppt/tags/tag70.xml><?xml version="1.0" encoding="utf-8"?>
+<p:tagLst xmlns:a="http://schemas.openxmlformats.org/drawingml/2006/main" xmlns:r="http://schemas.openxmlformats.org/officeDocument/2006/relationships" xmlns:p="http://schemas.openxmlformats.org/presentationml/2006/main">
   <p:tag name="KSO_WM_BEAUTIFY_FLAG" val=""/>
 </p:tagLst>
 </file>
 
-<file path=ppt/tags/tag20.xml><?xml version="1.0" encoding="utf-8"?>
-<p:tagLst xmlns:p="http://schemas.openxmlformats.org/presentationml/2006/main">
+<file path=ppt/tags/tag71.xml><?xml version="1.0" encoding="utf-8"?>
+<p:tagLst xmlns:a="http://schemas.openxmlformats.org/drawingml/2006/main" xmlns:r="http://schemas.openxmlformats.org/officeDocument/2006/relationships" xmlns:p="http://schemas.openxmlformats.org/presentationml/2006/main">
   <p:tag name="KSO_WM_BEAUTIFY_FLAG" val=""/>
 </p:tagLst>
 </file>
 
-<file path=ppt/tags/tag21.xml><?xml version="1.0" encoding="utf-8"?>
-<p:tagLst xmlns:p="http://schemas.openxmlformats.org/presentationml/2006/main">
+<file path=ppt/tags/tag72.xml><?xml version="1.0" encoding="utf-8"?>
+<p:tagLst xmlns:a="http://schemas.openxmlformats.org/drawingml/2006/main" xmlns:r="http://schemas.openxmlformats.org/officeDocument/2006/relationships" xmlns:p="http://schemas.openxmlformats.org/presentationml/2006/main">
   <p:tag name="KSO_WM_BEAUTIFY_FLAG" val=""/>
 </p:tagLst>
 </file>
 
-<file path=ppt/tags/tag22.xml><?xml version="1.0" encoding="utf-8"?>
-<p:tagLst xmlns:p="http://schemas.openxmlformats.org/presentationml/2006/main">
+<file path=ppt/tags/tag73.xml><?xml version="1.0" encoding="utf-8"?>
+<p:tagLst xmlns:a="http://schemas.openxmlformats.org/drawingml/2006/main" xmlns:r="http://schemas.openxmlformats.org/officeDocument/2006/relationships" xmlns:p="http://schemas.openxmlformats.org/presentationml/2006/main">
   <p:tag name="KSO_WM_BEAUTIFY_FLAG" val=""/>
 </p:tagLst>
 </file>
 
-<file path=ppt/tags/tag23.xml><?xml version="1.0" encoding="utf-8"?>
-<p:tagLst xmlns:p="http://schemas.openxmlformats.org/presentationml/2006/main">
+<file path=ppt/tags/tag74.xml><?xml version="1.0" encoding="utf-8"?>
+<p:tagLst xmlns:a="http://schemas.openxmlformats.org/drawingml/2006/main" xmlns:r="http://schemas.openxmlformats.org/officeDocument/2006/relationships" xmlns:p="http://schemas.openxmlformats.org/presentationml/2006/main">
   <p:tag name="KSO_WM_BEAUTIFY_FLAG" val=""/>
 </p:tagLst>
 </file>
 
-<file path=ppt/tags/tag24.xml><?xml version="1.0" encoding="utf-8"?>
-<p:tagLst xmlns:p="http://schemas.openxmlformats.org/presentationml/2006/main">
+<file path=ppt/tags/tag75.xml><?xml version="1.0" encoding="utf-8"?>
+<p:tagLst xmlns:a="http://schemas.openxmlformats.org/drawingml/2006/main" xmlns:r="http://schemas.openxmlformats.org/officeDocument/2006/relationships" xmlns:p="http://schemas.openxmlformats.org/presentationml/2006/main">
   <p:tag name="KSO_WM_BEAUTIFY_FLAG" val=""/>
 </p:tagLst>
 </file>
 
-<file path=ppt/tags/tag25.xml><?xml version="1.0" encoding="utf-8"?>
-<p:tagLst xmlns:p="http://schemas.openxmlformats.org/presentationml/2006/main">
+<file path=ppt/tags/tag76.xml><?xml version="1.0" encoding="utf-8"?>
+<p:tagLst xmlns:a="http://schemas.openxmlformats.org/drawingml/2006/main" xmlns:r="http://schemas.openxmlformats.org/officeDocument/2006/relationships" xmlns:p="http://schemas.openxmlformats.org/presentationml/2006/main">
   <p:tag name="KSO_WM_BEAUTIFY_FLAG" val=""/>
 </p:tagLst>
 </file>
 
-<file path=ppt/tags/tag26.xml><?xml version="1.0" encoding="utf-8"?>
-<p:tagLst xmlns:p="http://schemas.openxmlformats.org/presentationml/2006/main">
+<file path=ppt/tags/tag77.xml><?xml version="1.0" encoding="utf-8"?>
+<p:tagLst xmlns:a="http://schemas.openxmlformats.org/drawingml/2006/main" xmlns:r="http://schemas.openxmlformats.org/officeDocument/2006/relationships" xmlns:p="http://schemas.openxmlformats.org/presentationml/2006/main">
   <p:tag name="KSO_WM_BEAUTIFY_FLAG" val=""/>
 </p:tagLst>
 </file>
 
-<file path=ppt/tags/tag27.xml><?xml version="1.0" encoding="utf-8"?>
-<p:tagLst xmlns:p="http://schemas.openxmlformats.org/presentationml/2006/main">
+<file path=ppt/tags/tag78.xml><?xml version="1.0" encoding="utf-8"?>
+<p:tagLst xmlns:a="http://schemas.openxmlformats.org/drawingml/2006/main" xmlns:r="http://schemas.openxmlformats.org/officeDocument/2006/relationships" xmlns:p="http://schemas.openxmlformats.org/presentationml/2006/main">
   <p:tag name="KSO_WM_BEAUTIFY_FLAG" val=""/>
 </p:tagLst>
 </file>
 
-<file path=ppt/tags/tag28.xml><?xml version="1.0" encoding="utf-8"?>
-<p:tagLst xmlns:p="http://schemas.openxmlformats.org/presentationml/2006/main">
+<file path=ppt/tags/tag79.xml><?xml version="1.0" encoding="utf-8"?>
+<p:tagLst xmlns:a="http://schemas.openxmlformats.org/drawingml/2006/main" xmlns:r="http://schemas.openxmlformats.org/officeDocument/2006/relationships" xmlns:p="http://schemas.openxmlformats.org/presentationml/2006/main">
   <p:tag name="KSO_WM_BEAUTIFY_FLAG" val=""/>
 </p:tagLst>
 </file>
 
-<file path=ppt/tags/tag29.xml><?xml version="1.0" encoding="utf-8"?>
-<p:tagLst xmlns:p="http://schemas.openxmlformats.org/presentationml/2006/main">
+<file path=ppt/tags/tag8.xml><?xml version="1.0" encoding="utf-8"?>
+<p:tagLst xmlns:a="http://schemas.openxmlformats.org/drawingml/2006/main" xmlns:r="http://schemas.openxmlformats.org/officeDocument/2006/relationships" xmlns:p="http://schemas.openxmlformats.org/presentationml/2006/main">
   <p:tag name="KSO_WM_BEAUTIFY_FLAG" val=""/>
 </p:tagLst>
 </file>
 
-<file path=ppt/tags/tag3.xml><?xml version="1.0" encoding="utf-8"?>
-<p:tagLst xmlns:p="http://schemas.openxmlformats.org/presentationml/2006/main">
+<file path=ppt/tags/tag80.xml><?xml version="1.0" encoding="utf-8"?>
+<p:tagLst xmlns:a="http://schemas.openxmlformats.org/drawingml/2006/main" xmlns:r="http://schemas.openxmlformats.org/officeDocument/2006/relationships" xmlns:p="http://schemas.openxmlformats.org/presentationml/2006/main">
   <p:tag name="KSO_WM_BEAUTIFY_FLAG" val=""/>
 </p:tagLst>
 </file>
 
-<file path=ppt/tags/tag30.xml><?xml version="1.0" encoding="utf-8"?>
-<p:tagLst xmlns:p="http://schemas.openxmlformats.org/presentationml/2006/main">
+<file path=ppt/tags/tag81.xml><?xml version="1.0" encoding="utf-8"?>
+<p:tagLst xmlns:a="http://schemas.openxmlformats.org/drawingml/2006/main" xmlns:r="http://schemas.openxmlformats.org/officeDocument/2006/relationships" xmlns:p="http://schemas.openxmlformats.org/presentationml/2006/main">
   <p:tag name="KSO_WM_BEAUTIFY_FLAG" val=""/>
 </p:tagLst>
 </file>
 
-<file path=ppt/tags/tag31.xml><?xml version="1.0" encoding="utf-8"?>
-<p:tagLst xmlns:p="http://schemas.openxmlformats.org/presentationml/2006/main">
+<file path=ppt/tags/tag82.xml><?xml version="1.0" encoding="utf-8"?>
+<p:tagLst xmlns:a="http://schemas.openxmlformats.org/drawingml/2006/main" xmlns:r="http://schemas.openxmlformats.org/officeDocument/2006/relationships" xmlns:p="http://schemas.openxmlformats.org/presentationml/2006/main">
   <p:tag name="KSO_WM_BEAUTIFY_FLAG" val=""/>
 </p:tagLst>
 </file>
 
-<file path=ppt/tags/tag32.xml><?xml version="1.0" encoding="utf-8"?>
-<p:tagLst xmlns:p="http://schemas.openxmlformats.org/presentationml/2006/main">
+<file path=ppt/tags/tag83.xml><?xml version="1.0" encoding="utf-8"?>
+<p:tagLst xmlns:a="http://schemas.openxmlformats.org/drawingml/2006/main" xmlns:r="http://schemas.openxmlformats.org/officeDocument/2006/relationships" xmlns:p="http://schemas.openxmlformats.org/presentationml/2006/main">
   <p:tag name="KSO_WM_BEAUTIFY_FLAG" val=""/>
 </p:tagLst>
 </file>
 
-<file path=ppt/tags/tag33.xml><?xml version="1.0" encoding="utf-8"?>
-<p:tagLst xmlns:p="http://schemas.openxmlformats.org/presentationml/2006/main">
+<file path=ppt/tags/tag84.xml><?xml version="1.0" encoding="utf-8"?>
+<p:tagLst xmlns:a="http://schemas.openxmlformats.org/drawingml/2006/main" xmlns:r="http://schemas.openxmlformats.org/officeDocument/2006/relationships" xmlns:p="http://schemas.openxmlformats.org/presentationml/2006/main">
   <p:tag name="KSO_WM_BEAUTIFY_FLAG" val=""/>
 </p:tagLst>
 </file>
 
-<file path=ppt/tags/tag34.xml><?xml version="1.0" encoding="utf-8"?>
-<p:tagLst xmlns:p="http://schemas.openxmlformats.org/presentationml/2006/main">
+<file path=ppt/tags/tag85.xml><?xml version="1.0" encoding="utf-8"?>
+<p:tagLst xmlns:a="http://schemas.openxmlformats.org/drawingml/2006/main" xmlns:r="http://schemas.openxmlformats.org/officeDocument/2006/relationships" xmlns:p="http://schemas.openxmlformats.org/presentationml/2006/main">
   <p:tag name="KSO_WM_BEAUTIFY_FLAG" val=""/>
 </p:tagLst>
 </file>
 
-<file path=ppt/tags/tag35.xml><?xml version="1.0" encoding="utf-8"?>
-<p:tagLst xmlns:p="http://schemas.openxmlformats.org/presentationml/2006/main">
+<file path=ppt/tags/tag86.xml><?xml version="1.0" encoding="utf-8"?>
+<p:tagLst xmlns:a="http://schemas.openxmlformats.org/drawingml/2006/main" xmlns:r="http://schemas.openxmlformats.org/officeDocument/2006/relationships" xmlns:p="http://schemas.openxmlformats.org/presentationml/2006/main">
   <p:tag name="KSO_WM_BEAUTIFY_FLAG" val=""/>
 </p:tagLst>
 </file>
 
-<file path=ppt/tags/tag36.xml><?xml version="1.0" encoding="utf-8"?>
-<p:tagLst xmlns:p="http://schemas.openxmlformats.org/presentationml/2006/main">
+<file path=ppt/tags/tag87.xml><?xml version="1.0" encoding="utf-8"?>
+<p:tagLst xmlns:a="http://schemas.openxmlformats.org/drawingml/2006/main" xmlns:r="http://schemas.openxmlformats.org/officeDocument/2006/relationships" xmlns:p="http://schemas.openxmlformats.org/presentationml/2006/main">
   <p:tag name="KSO_WM_BEAUTIFY_FLAG" val=""/>
 </p:tagLst>
 </file>
 
-<file path=ppt/tags/tag37.xml><?xml version="1.0" encoding="utf-8"?>
-<p:tagLst xmlns:p="http://schemas.openxmlformats.org/presentationml/2006/main">
+<file path=ppt/tags/tag88.xml><?xml version="1.0" encoding="utf-8"?>
+<p:tagLst xmlns:a="http://schemas.openxmlformats.org/drawingml/2006/main" xmlns:r="http://schemas.openxmlformats.org/officeDocument/2006/relationships" xmlns:p="http://schemas.openxmlformats.org/presentationml/2006/main">
   <p:tag name="KSO_WM_BEAUTIFY_FLAG" val=""/>
 </p:tagLst>
 </file>
 
-<file path=ppt/tags/tag38.xml><?xml version="1.0" encoding="utf-8"?>
-<p:tagLst xmlns:p="http://schemas.openxmlformats.org/presentationml/2006/main">
+<file path=ppt/tags/tag89.xml><?xml version="1.0" encoding="utf-8"?>
+<p:tagLst xmlns:a="http://schemas.openxmlformats.org/drawingml/2006/main" xmlns:r="http://schemas.openxmlformats.org/officeDocument/2006/relationships" xmlns:p="http://schemas.openxmlformats.org/presentationml/2006/main">
   <p:tag name="KSO_WM_BEAUTIFY_FLAG" val=""/>
 </p:tagLst>
 </file>
 
-<file path=ppt/tags/tag39.xml><?xml version="1.0" encoding="utf-8"?>
-<p:tagLst xmlns:p="http://schemas.openxmlformats.org/presentationml/2006/main">
+<file path=ppt/tags/tag9.xml><?xml version="1.0" encoding="utf-8"?>
+<p:tagLst xmlns:a="http://schemas.openxmlformats.org/drawingml/2006/main" xmlns:r="http://schemas.openxmlformats.org/officeDocument/2006/relationships" xmlns:p="http://schemas.openxmlformats.org/presentationml/2006/main">
   <p:tag name="KSO_WM_BEAUTIFY_FLAG" val=""/>
 </p:tagLst>
 </file>
 
-<file path=ppt/tags/tag4.xml><?xml version="1.0" encoding="utf-8"?>
-<p:tagLst xmlns:p="http://schemas.openxmlformats.org/presentationml/2006/main">
+<file path=ppt/tags/tag90.xml><?xml version="1.0" encoding="utf-8"?>
+<p:tagLst xmlns:a="http://schemas.openxmlformats.org/drawingml/2006/main" xmlns:r="http://schemas.openxmlformats.org/officeDocument/2006/relationships" xmlns:p="http://schemas.openxmlformats.org/presentationml/2006/main">
   <p:tag name="KSO_WM_BEAUTIFY_FLAG" val=""/>
 </p:tagLst>
 </file>
 
-<file path=ppt/tags/tag40.xml><?xml version="1.0" encoding="utf-8"?>
-<p:tagLst xmlns:p="http://schemas.openxmlformats.org/presentationml/2006/main">
+<file path=ppt/tags/tag91.xml><?xml version="1.0" encoding="utf-8"?>
+<p:tagLst xmlns:a="http://schemas.openxmlformats.org/drawingml/2006/main" xmlns:r="http://schemas.openxmlformats.org/officeDocument/2006/relationships" xmlns:p="http://schemas.openxmlformats.org/presentationml/2006/main">
   <p:tag name="KSO_WM_BEAUTIFY_FLAG" val=""/>
 </p:tagLst>
 </file>
 
-<file path=ppt/tags/tag41.xml><?xml version="1.0" encoding="utf-8"?>
-<p:tagLst xmlns:p="http://schemas.openxmlformats.org/presentationml/2006/main">
+<file path=ppt/tags/tag92.xml><?xml version="1.0" encoding="utf-8"?>
+<p:tagLst xmlns:a="http://schemas.openxmlformats.org/drawingml/2006/main" xmlns:r="http://schemas.openxmlformats.org/officeDocument/2006/relationships" xmlns:p="http://schemas.openxmlformats.org/presentationml/2006/main">
   <p:tag name="KSO_WM_BEAUTIFY_FLAG" val=""/>
 </p:tagLst>
 </file>
 
-<file path=ppt/tags/tag42.xml><?xml version="1.0" encoding="utf-8"?>
-<p:tagLst xmlns:p="http://schemas.openxmlformats.org/presentationml/2006/main">
+<file path=ppt/tags/tag93.xml><?xml version="1.0" encoding="utf-8"?>
+<p:tagLst xmlns:a="http://schemas.openxmlformats.org/drawingml/2006/main" xmlns:r="http://schemas.openxmlformats.org/officeDocument/2006/relationships" xmlns:p="http://schemas.openxmlformats.org/presentationml/2006/main">
   <p:tag name="KSO_WM_BEAUTIFY_FLAG" val=""/>
 </p:tagLst>
 </file>
 
-<file path=ppt/tags/tag43.xml><?xml version="1.0" encoding="utf-8"?>
-<p:tagLst xmlns:p="http://schemas.openxmlformats.org/presentationml/2006/main">
+<file path=ppt/tags/tag94.xml><?xml version="1.0" encoding="utf-8"?>
+<p:tagLst xmlns:a="http://schemas.openxmlformats.org/drawingml/2006/main" xmlns:r="http://schemas.openxmlformats.org/officeDocument/2006/relationships" xmlns:p="http://schemas.openxmlformats.org/presentationml/2006/main">
   <p:tag name="KSO_WM_BEAUTIFY_FLAG" val=""/>
 </p:tagLst>
 </file>
 
-<file path=ppt/tags/tag44.xml><?xml version="1.0" encoding="utf-8"?>
-<p:tagLst xmlns:p="http://schemas.openxmlformats.org/presentationml/2006/main">
+<file path=ppt/tags/tag95.xml><?xml version="1.0" encoding="utf-8"?>
+<p:tagLst xmlns:a="http://schemas.openxmlformats.org/drawingml/2006/main" xmlns:r="http://schemas.openxmlformats.org/officeDocument/2006/relationships" xmlns:p="http://schemas.openxmlformats.org/presentationml/2006/main">
   <p:tag name="KSO_WM_BEAUTIFY_FLAG" val=""/>
 </p:tagLst>
 </file>
 
-<file path=ppt/tags/tag45.xml><?xml version="1.0" encoding="utf-8"?>
-<p:tagLst xmlns:p="http://schemas.openxmlformats.org/presentationml/2006/main">
+<file path=ppt/tags/tag96.xml><?xml version="1.0" encoding="utf-8"?>
+<p:tagLst xmlns:a="http://schemas.openxmlformats.org/drawingml/2006/main" xmlns:r="http://schemas.openxmlformats.org/officeDocument/2006/relationships" xmlns:p="http://schemas.openxmlformats.org/presentationml/2006/main">
   <p:tag name="KSO_WM_BEAUTIFY_FLAG" val=""/>
 </p:tagLst>
 </file>
 
-<file path=ppt/tags/tag46.xml><?xml version="1.0" encoding="utf-8"?>
-<p:tagLst xmlns:p="http://schemas.openxmlformats.org/presentationml/2006/main">
+<file path=ppt/tags/tag97.xml><?xml version="1.0" encoding="utf-8"?>
+<p:tagLst xmlns:a="http://schemas.openxmlformats.org/drawingml/2006/main" xmlns:r="http://schemas.openxmlformats.org/officeDocument/2006/relationships" xmlns:p="http://schemas.openxmlformats.org/presentationml/2006/main">
   <p:tag name="KSO_WM_BEAUTIFY_FLAG" val=""/>
 </p:tagLst>
 </file>
 
-<file path=ppt/tags/tag47.xml><?xml version="1.0" encoding="utf-8"?>
-<p:tagLst xmlns:p="http://schemas.openxmlformats.org/presentationml/2006/main">
+<file path=ppt/tags/tag98.xml><?xml version="1.0" encoding="utf-8"?>
+<p:tagLst xmlns:a="http://schemas.openxmlformats.org/drawingml/2006/main" xmlns:r="http://schemas.openxmlformats.org/officeDocument/2006/relationships" xmlns:p="http://schemas.openxmlformats.org/presentationml/2006/main">
   <p:tag name="KSO_WM_BEAUTIFY_FLAG" val=""/>
 </p:tagLst>
 </file>
 
-<file path=ppt/tags/tag48.xml><?xml version="1.0" encoding="utf-8"?>
-<p:tagLst xmlns:p="http://schemas.openxmlformats.org/presentationml/2006/main">
-  <p:tag name="KSO_WM_BEAUTIFY_FLAG" val=""/>
-</p:tagLst>
-</file>
-
-<file path=ppt/tags/tag49.xml><?xml version="1.0" encoding="utf-8"?>
-<p:tagLst xmlns:p="http://schemas.openxmlformats.org/presentationml/2006/main">
-  <p:tag name="KSO_WM_BEAUTIFY_FLAG" val=""/>
-</p:tagLst>
-</file>
-
-<file path=ppt/tags/tag5.xml><?xml version="1.0" encoding="utf-8"?>
-<p:tagLst xmlns:p="http://schemas.openxmlformats.org/presentationml/2006/main">
-  <p:tag name="KSO_WM_BEAUTIFY_FLAG" val=""/>
-</p:tagLst>
-</file>
-
-<file path=ppt/tags/tag50.xml><?xml version="1.0" encoding="utf-8"?>
-<p:tagLst xmlns:p="http://schemas.openxmlformats.org/presentationml/2006/main">
-  <p:tag name="KSO_WM_BEAUTIFY_FLAG" val=""/>
-</p:tagLst>
-</file>
-
-<file path=ppt/tags/tag51.xml><?xml version="1.0" encoding="utf-8"?>
-<p:tagLst xmlns:p="http://schemas.openxmlformats.org/presentationml/2006/main">
-  <p:tag name="KSO_WM_BEAUTIFY_FLAG" val=""/>
-</p:tagLst>
-</file>
-
-<file path=ppt/tags/tag52.xml><?xml version="1.0" encoding="utf-8"?>
-<p:tagLst xmlns:p="http://schemas.openxmlformats.org/presentationml/2006/main">
-  <p:tag name="KSO_WM_BEAUTIFY_FLAG" val=""/>
-</p:tagLst>
-</file>
-
-<file path=ppt/tags/tag53.xml><?xml version="1.0" encoding="utf-8"?>
-<p:tagLst xmlns:p="http://schemas.openxmlformats.org/presentationml/2006/main">
-  <p:tag name="KSO_WM_BEAUTIFY_FLAG" val=""/>
-</p:tagLst>
-</file>
-
-<file path=ppt/tags/tag54.xml><?xml version="1.0" encoding="utf-8"?>
-<p:tagLst xmlns:p="http://schemas.openxmlformats.org/presentationml/2006/main">
-  <p:tag name="KSO_WM_BEAUTIFY_FLAG" val=""/>
-</p:tagLst>
-</file>
-
-<file path=ppt/tags/tag55.xml><?xml version="1.0" encoding="utf-8"?>
-<p:tagLst xmlns:p="http://schemas.openxmlformats.org/presentationml/2006/main">
-  <p:tag name="KSO_WM_BEAUTIFY_FLAG" val=""/>
-</p:tagLst>
-</file>
-
-<file path=ppt/tags/tag56.xml><?xml version="1.0" encoding="utf-8"?>
-<p:tagLst xmlns:p="http://schemas.openxmlformats.org/presentationml/2006/main">
-  <p:tag name="KSO_WM_BEAUTIFY_FLAG" val=""/>
-</p:tagLst>
-</file>
-
-<file path=ppt/tags/tag57.xml><?xml version="1.0" encoding="utf-8"?>
-<p:tagLst xmlns:p="http://schemas.openxmlformats.org/presentationml/2006/main">
-  <p:tag name="KSO_WM_BEAUTIFY_FLAG" val=""/>
-</p:tagLst>
-</file>
-
-<file path=ppt/tags/tag58.xml><?xml version="1.0" encoding="utf-8"?>
-<p:tagLst xmlns:p="http://schemas.openxmlformats.org/presentationml/2006/main">
-  <p:tag name="KSO_WM_BEAUTIFY_FLAG" val=""/>
-</p:tagLst>
-</file>
-
-<file path=ppt/tags/tag59.xml><?xml version="1.0" encoding="utf-8"?>
-<p:tagLst xmlns:p="http://schemas.openxmlformats.org/presentationml/2006/main">
-  <p:tag name="KSO_WM_BEAUTIFY_FLAG" val=""/>
-</p:tagLst>
-</file>
-
-<file path=ppt/tags/tag6.xml><?xml version="1.0" encoding="utf-8"?>
-<p:tagLst xmlns:p="http://schemas.openxmlformats.org/presentationml/2006/main">
-  <p:tag name="KSO_WM_BEAUTIFY_FLAG" val=""/>
-</p:tagLst>
-</file>
-
-<file path=ppt/tags/tag60.xml><?xml version="1.0" encoding="utf-8"?>
-<p:tagLst xmlns:p="http://schemas.openxmlformats.org/presentationml/2006/main">
-  <p:tag name="KSO_WM_BEAUTIFY_FLAG" val=""/>
-</p:tagLst>
-</file>
-
-<file path=ppt/tags/tag61.xml><?xml version="1.0" encoding="utf-8"?>
-<p:tagLst xmlns:p="http://schemas.openxmlformats.org/presentationml/2006/main">
-  <p:tag name="KSO_WM_BEAUTIFY_FLAG" val=""/>
-</p:tagLst>
-</file>
-
-<file path=ppt/tags/tag62.xml><?xml version="1.0" encoding="utf-8"?>
-<p:tagLst xmlns:p="http://schemas.openxmlformats.org/presentationml/2006/main">
-  <p:tag name="KSO_WM_BEAUTIFY_FLAG" val=""/>
-</p:tagLst>
-</file>
-
-<file path=ppt/tags/tag63.xml><?xml version="1.0" encoding="utf-8"?>
-<p:tagLst xmlns:p="http://schemas.openxmlformats.org/presentationml/2006/main">
-  <p:tag name="KSO_WM_BEAUTIFY_FLAG" val=""/>
-</p:tagLst>
-</file>
-
-<file path=ppt/tags/tag64.xml><?xml version="1.0" encoding="utf-8"?>
-<p:tagLst xmlns:p="http://schemas.openxmlformats.org/presentationml/2006/main">
-  <p:tag name="KSO_WM_BEAUTIFY_FLAG" val=""/>
-</p:tagLst>
-</file>
-
-<file path=ppt/tags/tag65.xml><?xml version="1.0" encoding="utf-8"?>
-<p:tagLst xmlns:p="http://schemas.openxmlformats.org/presentationml/2006/main">
-  <p:tag name="KSO_WM_BEAUTIFY_FLAG" val=""/>
-</p:tagLst>
-</file>
-
-<file path=ppt/tags/tag66.xml><?xml version="1.0" encoding="utf-8"?>
-<p:tagLst xmlns:p="http://schemas.openxmlformats.org/presentationml/2006/main">
-  <p:tag name="KSO_WM_BEAUTIFY_FLAG" val=""/>
-</p:tagLst>
-</file>
-
-<file path=ppt/tags/tag67.xml><?xml version="1.0" encoding="utf-8"?>
-<p:tagLst xmlns:p="http://schemas.openxmlformats.org/presentationml/2006/main">
-  <p:tag name="KSO_WM_BEAUTIFY_FLAG" val=""/>
-</p:tagLst>
-</file>
-
-<file path=ppt/tags/tag68.xml><?xml version="1.0" encoding="utf-8"?>
-<p:tagLst xmlns:p="http://schemas.openxmlformats.org/presentationml/2006/main">
-  <p:tag name="KSO_WM_BEAUTIFY_FLAG" val=""/>
-</p:tagLst>
-</file>
-
-<file path=ppt/tags/tag69.xml><?xml version="1.0" encoding="utf-8"?>
-<p:tagLst xmlns:p="http://schemas.openxmlformats.org/presentationml/2006/main">
-  <p:tag name="KSO_WM_BEAUTIFY_FLAG" val=""/>
-</p:tagLst>
-</file>
-
-<file path=ppt/tags/tag7.xml><?xml version="1.0" encoding="utf-8"?>
-<p:tagLst xmlns:p="http://schemas.openxmlformats.org/presentationml/2006/main">
-  <p:tag name="KSO_WM_BEAUTIFY_FLAG" val=""/>
-</p:tagLst>
-</file>
-
-<file path=ppt/tags/tag70.xml><?xml version="1.0" encoding="utf-8"?>
-<p:tagLst xmlns:p="http://schemas.openxmlformats.org/presentationml/2006/main">
-  <p:tag name="KSO_WM_BEAUTIFY_FLAG" val=""/>
-</p:tagLst>
-</file>
-
-<file path=ppt/tags/tag71.xml><?xml version="1.0" encoding="utf-8"?>
-<p:tagLst xmlns:p="http://schemas.openxmlformats.org/presentationml/2006/main">
-  <p:tag name="KSO_WM_BEAUTIFY_FLAG" val=""/>
-</p:tagLst>
-</file>
-
-<file path=ppt/tags/tag72.xml><?xml version="1.0" encoding="utf-8"?>
-<p:tagLst xmlns:p="http://schemas.openxmlformats.org/presentationml/2006/main">
-  <p:tag name="KSO_WM_BEAUTIFY_FLAG" val=""/>
-</p:tagLst>
-</file>
-
-<file path=ppt/tags/tag73.xml><?xml version="1.0" encoding="utf-8"?>
-<p:tagLst xmlns:p="http://schemas.openxmlformats.org/presentationml/2006/main">
-  <p:tag name="KSO_WM_BEAUTIFY_FLAG" val=""/>
-</p:tagLst>
-</file>
-
-<file path=ppt/tags/tag74.xml><?xml version="1.0" encoding="utf-8"?>
-<p:tagLst xmlns:p="http://schemas.openxmlformats.org/presentationml/2006/main">
-  <p:tag name="KSO_WM_BEAUTIFY_FLAG" val=""/>
-</p:tagLst>
-</file>
-
-<file path=ppt/tags/tag75.xml><?xml version="1.0" encoding="utf-8"?>
-<p:tagLst xmlns:p="http://schemas.openxmlformats.org/presentationml/2006/main">
-  <p:tag name="KSO_WM_BEAUTIFY_FLAG" val=""/>
-</p:tagLst>
-</file>
-
-<file path=ppt/tags/tag76.xml><?xml version="1.0" encoding="utf-8"?>
-<p:tagLst xmlns:p="http://schemas.openxmlformats.org/presentationml/2006/main">
-  <p:tag name="KSO_WM_BEAUTIFY_FLAG" val=""/>
-</p:tagLst>
-</file>
-
-<file path=ppt/tags/tag77.xml><?xml version="1.0" encoding="utf-8"?>
-<p:tagLst xmlns:p="http://schemas.openxmlformats.org/presentationml/2006/main">
-  <p:tag name="KSO_WM_BEAUTIFY_FLAG" val=""/>
-</p:tagLst>
-</file>
-
-<file path=ppt/tags/tag78.xml><?xml version="1.0" encoding="utf-8"?>
-<p:tagLst xmlns:p="http://schemas.openxmlformats.org/presentationml/2006/main">
-  <p:tag name="KSO_WM_BEAUTIFY_FLAG" val=""/>
-</p:tagLst>
-</file>
-
-<file path=ppt/tags/tag79.xml><?xml version="1.0" encoding="utf-8"?>
-<p:tagLst xmlns:p="http://schemas.openxmlformats.org/presentationml/2006/main">
-  <p:tag name="KSO_WM_BEAUTIFY_FLAG" val=""/>
-</p:tagLst>
-</file>
-
-<file path=ppt/tags/tag8.xml><?xml version="1.0" encoding="utf-8"?>
-<p:tagLst xmlns:p="http://schemas.openxmlformats.org/presentationml/2006/main">
-  <p:tag name="KSO_WM_BEAUTIFY_FLAG" val=""/>
-</p:tagLst>
-</file>
-
-<file path=ppt/tags/tag80.xml><?xml version="1.0" encoding="utf-8"?>
-<p:tagLst xmlns:p="http://schemas.openxmlformats.org/presentationml/2006/main">
-  <p:tag name="KSO_WM_BEAUTIFY_FLAG" val=""/>
-</p:tagLst>
-</file>
-
-<file path=ppt/tags/tag81.xml><?xml version="1.0" encoding="utf-8"?>
-<p:tagLst xmlns:p="http://schemas.openxmlformats.org/presentationml/2006/main">
-  <p:tag name="KSO_WM_BEAUTIFY_FLAG" val=""/>
-</p:tagLst>
-</file>
-
-<file path=ppt/tags/tag82.xml><?xml version="1.0" encoding="utf-8"?>
-<p:tagLst xmlns:p="http://schemas.openxmlformats.org/presentationml/2006/main">
-  <p:tag name="KSO_WM_BEAUTIFY_FLAG" val=""/>
-</p:tagLst>
-</file>
-
-<file path=ppt/tags/tag83.xml><?xml version="1.0" encoding="utf-8"?>
-<p:tagLst xmlns:p="http://schemas.openxmlformats.org/presentationml/2006/main">
-  <p:tag name="KSO_WM_BEAUTIFY_FLAG" val=""/>
-</p:tagLst>
-</file>
-
-<file path=ppt/tags/tag84.xml><?xml version="1.0" encoding="utf-8"?>
-<p:tagLst xmlns:p="http://schemas.openxmlformats.org/presentationml/2006/main">
-  <p:tag name="KSO_WM_BEAUTIFY_FLAG" val=""/>
-</p:tagLst>
-</file>
-
-<file path=ppt/tags/tag85.xml><?xml version="1.0" encoding="utf-8"?>
-<p:tagLst xmlns:p="http://schemas.openxmlformats.org/presentationml/2006/main">
-  <p:tag name="KSO_WM_BEAUTIFY_FLAG" val=""/>
-</p:tagLst>
-</file>
-
-<file path=ppt/tags/tag86.xml><?xml version="1.0" encoding="utf-8"?>
-<p:tagLst xmlns:p="http://schemas.openxmlformats.org/presentationml/2006/main">
-  <p:tag name="KSO_WM_BEAUTIFY_FLAG" val=""/>
-</p:tagLst>
-</file>
-
-<file path=ppt/tags/tag87.xml><?xml version="1.0" encoding="utf-8"?>
-<p:tagLst xmlns:p="http://schemas.openxmlformats.org/presentationml/2006/main">
-  <p:tag name="KSO_WM_BEAUTIFY_FLAG" val=""/>
-</p:tagLst>
-</file>
-
-<file path=ppt/tags/tag88.xml><?xml version="1.0" encoding="utf-8"?>
-<p:tagLst xmlns:p="http://schemas.openxmlformats.org/presentationml/2006/main">
-  <p:tag name="KSO_WM_BEAUTIFY_FLAG" val=""/>
-</p:tagLst>
-</file>
-
-<file path=ppt/tags/tag89.xml><?xml version="1.0" encoding="utf-8"?>
-<p:tagLst xmlns:p="http://schemas.openxmlformats.org/presentationml/2006/main">
-  <p:tag name="KSO_WM_BEAUTIFY_FLAG" val=""/>
-</p:tagLst>
-</file>
-
-<file path=ppt/tags/tag9.xml><?xml version="1.0" encoding="utf-8"?>
-<p:tagLst xmlns:p="http://schemas.openxmlformats.org/presentationml/2006/main">
-  <p:tag name="KSO_WM_BEAUTIFY_FLAG" val=""/>
-</p:tagLst>
-</file>
-
-<file path=ppt/tags/tag90.xml><?xml version="1.0" encoding="utf-8"?>
-<p:tagLst xmlns:p="http://schemas.openxmlformats.org/presentationml/2006/main">
-  <p:tag name="KSO_WM_BEAUTIFY_FLAG" val=""/>
-</p:tagLst>
-</file>
-
-<file path=ppt/tags/tag91.xml><?xml version="1.0" encoding="utf-8"?>
-<p:tagLst xmlns:p="http://schemas.openxmlformats.org/presentationml/2006/main">
-  <p:tag name="KSO_WM_BEAUTIFY_FLAG" val=""/>
-</p:tagLst>
-</file>
-
-<file path=ppt/tags/tag92.xml><?xml version="1.0" encoding="utf-8"?>
-<p:tagLst xmlns:p="http://schemas.openxmlformats.org/presentationml/2006/main">
-  <p:tag name="KSO_WM_BEAUTIFY_FLAG" val=""/>
-</p:tagLst>
-</file>
-
-<file path=ppt/tags/tag93.xml><?xml version="1.0" encoding="utf-8"?>
-<p:tagLst xmlns:p="http://schemas.openxmlformats.org/presentationml/2006/main">
-  <p:tag name="KSO_WM_BEAUTIFY_FLAG" val=""/>
-</p:tagLst>
-</file>
-
-<file path=ppt/tags/tag94.xml><?xml version="1.0" encoding="utf-8"?>
-<p:tagLst xmlns:p="http://schemas.openxmlformats.org/presentationml/2006/main">
-  <p:tag name="KSO_WM_BEAUTIFY_FLAG" val=""/>
-</p:tagLst>
-</file>
-
-<file path=ppt/tags/tag95.xml><?xml version="1.0" encoding="utf-8"?>
-<p:tagLst xmlns:p="http://schemas.openxmlformats.org/presentationml/2006/main">
-  <p:tag name="KSO_WM_BEAUTIFY_FLAG" val=""/>
-</p:tagLst>
-</file>
-
-<file path=ppt/tags/tag96.xml><?xml version="1.0" encoding="utf-8"?>
-<p:tagLst xmlns:p="http://schemas.openxmlformats.org/presentationml/2006/main">
-  <p:tag name="KSO_WM_BEAUTIFY_FLAG" val=""/>
-</p:tagLst>
-</file>
-
-<file path=ppt/tags/tag97.xml><?xml version="1.0" encoding="utf-8"?>
-<p:tagLst xmlns:p="http://schemas.openxmlformats.org/presentationml/2006/main">
-  <p:tag name="KSO_WM_BEAUTIFY_FLAG" val=""/>
-</p:tagLst>
-</file>
-
-<file path=ppt/tags/tag98.xml><?xml version="1.0" encoding="utf-8"?>
-<p:tagLst xmlns:p="http://schemas.openxmlformats.org/presentationml/2006/main">
-  <p:tag name="KSO_WM_BEAUTIFY_FLAG" val=""/>
-</p:tagLst>
-</file>
-
 <file path=ppt/tags/tag99.xml><?xml version="1.0" encoding="utf-8"?>
-<p:tagLst xmlns:p="http://schemas.openxmlformats.org/presentationml/2006/main">
+<p:tagLst xmlns:a="http://schemas.openxmlformats.org/drawingml/2006/main" xmlns:r="http://schemas.openxmlformats.org/officeDocument/2006/relationships" xmlns:p="http://schemas.openxmlformats.org/presentationml/2006/main">
   <p:tag name="KSO_WM_BEAUTIFY_FLAG" val=""/>
 </p:tagLst>
 </file>
@@ -17108,6 +15965,8 @@
       </a:bgFillStyleLst>
     </a:fmtScheme>
   </a:themeElements>
+  <a:objectDefaults/>
+  <a:extraClrSchemeLst/>
   <a:extLst>
     <a:ext uri="{05A4C25C-085E-4340-85A3-A5531E510DB2}">
       <thm15:themeFamily xmlns:thm15="http://schemas.microsoft.com/office/thememl/2012/main" name="Office Theme" id="{62F939B6-93AF-4DB8-9C6B-D6C7DFDC589F}" vid="{4A3C46E8-61CC-4603-A589-7422A47A8E4A}"/>
@@ -17367,6 +16226,8 @@
       </a:bgFillStyleLst>
     </a:fmtScheme>
   </a:themeElements>
+  <a:objectDefaults/>
+  <a:extraClrSchemeLst/>
   <a:extLst>
     <a:ext uri="{05A4C25C-085E-4340-85A3-A5531E510DB2}">
       <thm15:themeFamily xmlns:thm15="http://schemas.microsoft.com/office/thememl/2012/main" name="Office Theme" id="{62F939B6-93AF-4DB8-9C6B-D6C7DFDC589F}" vid="{4A3C46E8-61CC-4603-A589-7422A47A8E4A}"/>

--- a/public/templates/template_01/resource.pptx
+++ b/public/templates/template_01/resource.pptx
@@ -230,7 +230,7 @@
           <a:p>
             <a:fld id="{D2A48B96-639E-45A3-A0BA-2464DFDB1FAA}" type="datetimeFigureOut">
               <a:rPr lang="zh-CN" altLang="en-US" smtClean="0"/>
-              <a:t>2024/8/5</a:t>
+              <a:t>2025/4/10</a:t>
             </a:fld>
             <a:endParaRPr lang="zh-CN" altLang="en-US"/>
           </a:p>
@@ -8797,7 +8797,7 @@
         </p:nvSpPr>
         <p:spPr>
           <a:xfrm>
-            <a:off x="339524" y="312516"/>
+            <a:off x="339523" y="287897"/>
             <a:ext cx="11512952" cy="6232968"/>
           </a:xfrm>
           <a:prstGeom prst="roundRect">
@@ -8863,7 +8863,7 @@
           <a:p>
             <a:pPr algn="ctr" fontAlgn="base"/>
             <a:r>
-              <a:rPr lang="zh-CN" altLang="en-US" sz="4000" b="1">
+              <a:rPr lang="zh-CN" altLang="en-US" sz="4000" b="1" dirty="0">
                 <a:solidFill>
                   <a:schemeClr val="accent1"/>
                 </a:solidFill>
@@ -8872,7 +8872,7 @@
               </a:rPr>
               <a:t>目录</a:t>
             </a:r>
-            <a:endParaRPr lang="zh-CN" altLang="en-US" sz="4000" b="1" i="0">
+            <a:endParaRPr lang="zh-CN" altLang="en-US" sz="4000" b="1" i="0" dirty="0">
               <a:solidFill>
                 <a:schemeClr val="accent1"/>
               </a:solidFill>
@@ -9153,14 +9153,14 @@
           <a:p>
             <a:pPr algn="ctr"/>
             <a:r>
-              <a:rPr lang="en-US" altLang="zh-CN" sz="2000" b="1">
+              <a:rPr lang="en-US" altLang="zh-CN" sz="2000" b="1" dirty="0">
                 <a:solidFill>
                   <a:schemeClr val="bg1"/>
                 </a:solidFill>
               </a:rPr>
               <a:t>01</a:t>
             </a:r>
-            <a:endParaRPr lang="zh-CN" altLang="en-US" sz="2000" b="1">
+            <a:endParaRPr lang="zh-CN" altLang="en-US" sz="2000" b="1" dirty="0">
               <a:solidFill>
                 <a:schemeClr val="bg1"/>
               </a:solidFill>
@@ -10012,6 +10012,91 @@
                 <a:schemeClr val="bg1"/>
               </a:solidFill>
             </a:endParaRPr>
+          </a:p>
+        </p:txBody>
+      </p:sp>
+      <p:sp>
+        <p:nvSpPr>
+          <p:cNvPr id="2" name="文本框 1">
+            <a:extLst>
+              <a:ext uri="{FF2B5EF4-FFF2-40B4-BE49-F238E27FC236}">
+                <a16:creationId xmlns:a16="http://schemas.microsoft.com/office/drawing/2014/main" id="{8E4C7105-43B0-1592-C625-7706433C6ABA}"/>
+              </a:ext>
+            </a:extLst>
+          </p:cNvPr>
+          <p:cNvSpPr txBox="1"/>
+          <p:nvPr/>
+        </p:nvSpPr>
+        <p:spPr>
+          <a:xfrm>
+            <a:off x="3632374" y="1265989"/>
+            <a:ext cx="7939516" cy="1200329"/>
+          </a:xfrm>
+          <a:prstGeom prst="rect">
+            <a:avLst/>
+          </a:prstGeom>
+          <a:noFill/>
+        </p:spPr>
+        <p:txBody>
+          <a:bodyPr wrap="square" rtlCol="0">
+            <a:spAutoFit/>
+          </a:bodyPr>
+          <a:lstStyle/>
+          <a:p>
+            <a:r>
+              <a:rPr lang="zh-CN" altLang="en-US" dirty="0"/>
+              <a:t>改进方向：</a:t>
+            </a:r>
+            <a:endParaRPr lang="en-US" altLang="zh-CN" dirty="0"/>
+          </a:p>
+          <a:p>
+            <a:r>
+              <a:rPr lang="en-US" altLang="zh-CN" dirty="0"/>
+              <a:t>1.</a:t>
+            </a:r>
+            <a:r>
+              <a:rPr lang="zh-CN" altLang="en-US" dirty="0"/>
+              <a:t>依据</a:t>
+            </a:r>
+            <a:r>
+              <a:rPr lang="en-US" altLang="zh-CN" dirty="0"/>
+              <a:t>slide</a:t>
+            </a:r>
+            <a:r>
+              <a:rPr lang="zh-CN" altLang="en-US" dirty="0"/>
+              <a:t>版面大小，统计待生成目录的字数和段数。决定字体大小和布局</a:t>
+            </a:r>
+            <a:endParaRPr lang="en-US" altLang="zh-CN" dirty="0"/>
+          </a:p>
+          <a:p>
+            <a:r>
+              <a:rPr lang="en-US" altLang="zh-CN" dirty="0"/>
+              <a:t>2.</a:t>
+            </a:r>
+            <a:r>
+              <a:rPr lang="zh-CN" altLang="en-US" dirty="0"/>
+              <a:t>针对目录做一系列模板，每个模板中</a:t>
+            </a:r>
+            <a:r>
+              <a:rPr lang="en-US" altLang="zh-CN" dirty="0"/>
+              <a:t>slide</a:t>
+            </a:r>
+            <a:r>
+              <a:rPr lang="zh-CN" altLang="en-US" dirty="0"/>
+              <a:t>段落数</a:t>
+            </a:r>
+            <a:r>
+              <a:rPr lang="en-US" altLang="zh-CN" dirty="0"/>
+              <a:t>3-10</a:t>
+            </a:r>
+            <a:r>
+              <a:rPr lang="zh-CN" altLang="en-US" dirty="0"/>
+              <a:t>不等</a:t>
+            </a:r>
+            <a:endParaRPr lang="en-US" altLang="zh-CN" dirty="0"/>
+          </a:p>
+          <a:p>
+            <a:endParaRPr lang="zh-CN" altLang="en-US" dirty="0"/>
           </a:p>
         </p:txBody>
       </p:sp>
